--- a/NDK_copy.pptx
+++ b/NDK_copy.pptx
@@ -6,7 +6,7 @@
     <p:sldMasterId id="2147483677" r:id="rId2"/>
   </p:sldMasterIdLst>
   <p:notesMasterIdLst>
-    <p:notesMasterId r:id="rId21"/>
+    <p:notesMasterId r:id="rId23"/>
   </p:notesMasterIdLst>
   <p:sldIdLst>
     <p:sldId id="256" r:id="rId3"/>
@@ -17,16 +17,18 @@
     <p:sldId id="259" r:id="rId8"/>
     <p:sldId id="262" r:id="rId9"/>
     <p:sldId id="265" r:id="rId10"/>
-    <p:sldId id="263" r:id="rId11"/>
-    <p:sldId id="271" r:id="rId12"/>
-    <p:sldId id="260" r:id="rId13"/>
-    <p:sldId id="261" r:id="rId14"/>
-    <p:sldId id="268" r:id="rId15"/>
-    <p:sldId id="266" r:id="rId16"/>
-    <p:sldId id="272" r:id="rId17"/>
-    <p:sldId id="273" r:id="rId18"/>
-    <p:sldId id="264" r:id="rId19"/>
-    <p:sldId id="267" r:id="rId20"/>
+    <p:sldId id="275" r:id="rId11"/>
+    <p:sldId id="263" r:id="rId12"/>
+    <p:sldId id="271" r:id="rId13"/>
+    <p:sldId id="260" r:id="rId14"/>
+    <p:sldId id="261" r:id="rId15"/>
+    <p:sldId id="268" r:id="rId16"/>
+    <p:sldId id="266" r:id="rId17"/>
+    <p:sldId id="272" r:id="rId18"/>
+    <p:sldId id="273" r:id="rId19"/>
+    <p:sldId id="264" r:id="rId20"/>
+    <p:sldId id="267" r:id="rId21"/>
+    <p:sldId id="274" r:id="rId22"/>
   </p:sldIdLst>
   <p:sldSz cx="12192000" cy="6858000"/>
   <p:notesSz cx="6858000" cy="9144000"/>
@@ -215,7 +217,7 @@
           <a:p>
             <a:fld id="{2233C042-B116-4AF0-8EB0-10C51ACFEAFC}" type="datetimeFigureOut">
               <a:rPr lang="en-US" smtClean="0"/>
-              <a:t>3/6/18</a:t>
+              <a:t>3/6/2018</a:t>
             </a:fld>
             <a:endParaRPr lang="en-US"/>
           </a:p>
@@ -2379,7 +2381,7 @@
           <a:p>
             <a:fld id="{E68A8755-D758-4E0E-A7B6-8C6D23EC775F}" type="datetimeFigureOut">
               <a:rPr lang="en-US" smtClean="0"/>
-              <a:t>3/6/18</a:t>
+              <a:t>3/6/2018</a:t>
             </a:fld>
             <a:endParaRPr lang="en-US"/>
           </a:p>
@@ -2589,7 +2591,7 @@
           <a:p>
             <a:fld id="{E68A8755-D758-4E0E-A7B6-8C6D23EC775F}" type="datetimeFigureOut">
               <a:rPr lang="en-US" smtClean="0"/>
-              <a:t>3/6/18</a:t>
+              <a:t>3/6/2018</a:t>
             </a:fld>
             <a:endParaRPr lang="en-US"/>
           </a:p>
@@ -12169,7 +12171,7 @@
             <a:pPr algn="ctr"/>
             <a:r>
               <a:rPr lang="en-US" dirty="0" smtClean="0"/>
-              <a:t>JNI exception handling</a:t>
+              <a:t>Exception handling</a:t>
             </a:r>
             <a:endParaRPr lang="en-US" dirty="0"/>
           </a:p>
@@ -12190,397 +12192,77 @@
           <a:bodyPr/>
           <a:lstStyle/>
           <a:p>
-            <a:endParaRPr lang="en-US" dirty="0"/>
-          </a:p>
-        </p:txBody>
-      </p:sp>
-      <p:sp>
-        <p:nvSpPr>
-          <p:cNvPr id="4" name="Rectangle 1"/>
-          <p:cNvSpPr>
-            <a:spLocks noChangeArrowheads="1"/>
-          </p:cNvSpPr>
-          <p:nvPr/>
-        </p:nvSpPr>
-        <p:spPr bwMode="auto">
-          <a:xfrm>
-            <a:off x="1481960" y="3284732"/>
-            <a:ext cx="7157543" cy="1477328"/>
-          </a:xfrm>
-          <a:prstGeom prst="rect">
-            <a:avLst/>
-          </a:prstGeom>
-          <a:noFill/>
-          <a:ln>
-            <a:noFill/>
-          </a:ln>
-          <a:effectLst/>
-        </p:spPr>
-        <p:txBody>
-          <a:bodyPr vert="horz" wrap="square" lIns="91440" tIns="45720" rIns="91440" bIns="45720" numCol="1" anchor="ctr" anchorCtr="0" compatLnSpc="1">
-            <a:prstTxWarp prst="textNoShape">
-              <a:avLst/>
-            </a:prstTxWarp>
-            <a:spAutoFit/>
-          </a:bodyPr>
-          <a:lstStyle/>
-          <a:p>
-            <a:pPr marL="0" marR="0" lvl="0" indent="0" algn="l" defTabSz="914400" rtl="0" eaLnBrk="0" fontAlgn="base" latinLnBrk="0" hangingPunct="0">
-              <a:lnSpc>
-                <a:spcPct val="100000"/>
-              </a:lnSpc>
-              <a:spcBef>
-                <a:spcPct val="0"/>
-              </a:spcBef>
-              <a:spcAft>
-                <a:spcPct val="0"/>
-              </a:spcAft>
-              <a:buClrTx/>
-              <a:buSzTx/>
-              <a:buFontTx/>
-              <a:buNone/>
-              <a:tabLst/>
-            </a:pPr>
-            <a:r>
-              <a:rPr kumimoji="0" lang="en-US" altLang="en-US" b="0" i="0" u="none" strike="noStrike" cap="none" normalizeH="0" baseline="0" dirty="0" err="1" smtClean="0">
-                <a:ln>
-                  <a:noFill/>
-                </a:ln>
-                <a:effectLst/>
+            <a:r>
+              <a:rPr lang="en-US" dirty="0" smtClean="0"/>
+              <a:t>C++ exception support</a:t>
+            </a:r>
+          </a:p>
+          <a:p>
+            <a:pPr lvl="1"/>
+            <a:r>
+              <a:rPr lang="en-US" altLang="en-US" b="1" dirty="0">
+                <a:solidFill>
+                  <a:srgbClr val="008000"/>
+                </a:solidFill>
                 <a:latin typeface="Courier New" panose="02070309020205020404" pitchFamily="49" charset="0"/>
                 <a:cs typeface="Courier New" panose="02070309020205020404" pitchFamily="49" charset="0"/>
               </a:rPr>
-              <a:t>env</a:t>
-            </a:r>
-            <a:r>
-              <a:rPr kumimoji="0" lang="en-US" altLang="en-US" b="0" i="0" u="none" strike="noStrike" cap="none" normalizeH="0" baseline="0" dirty="0" smtClean="0">
-                <a:ln>
-                  <a:noFill/>
-                </a:ln>
-                <a:effectLst/>
+              <a:t>-</a:t>
+            </a:r>
+            <a:r>
+              <a:rPr lang="en-US" altLang="en-US" b="1" dirty="0" err="1">
+                <a:solidFill>
+                  <a:srgbClr val="008000"/>
+                </a:solidFill>
                 <a:latin typeface="Courier New" panose="02070309020205020404" pitchFamily="49" charset="0"/>
                 <a:cs typeface="Courier New" panose="02070309020205020404" pitchFamily="49" charset="0"/>
               </a:rPr>
-              <a:t>-&gt;</a:t>
-            </a:r>
-            <a:r>
-              <a:rPr kumimoji="0" lang="en-US" altLang="en-US" b="0" i="0" u="none" strike="noStrike" cap="none" normalizeH="0" baseline="0" dirty="0" err="1" smtClean="0">
-                <a:ln>
-                  <a:noFill/>
-                </a:ln>
-                <a:effectLst/>
-                <a:latin typeface="Courier New" panose="02070309020205020404" pitchFamily="49" charset="0"/>
-                <a:cs typeface="Courier New" panose="02070309020205020404" pitchFamily="49" charset="0"/>
-              </a:rPr>
-              <a:t>ExceptionCheck</a:t>
-            </a:r>
-            <a:r>
-              <a:rPr kumimoji="0" lang="en-US" altLang="en-US" b="0" i="0" u="none" strike="noStrike" cap="none" normalizeH="0" baseline="0" dirty="0" smtClean="0">
-                <a:ln>
-                  <a:noFill/>
-                </a:ln>
-                <a:effectLst/>
-                <a:latin typeface="Courier New" panose="02070309020205020404" pitchFamily="49" charset="0"/>
-                <a:cs typeface="Courier New" panose="02070309020205020404" pitchFamily="49" charset="0"/>
-              </a:rPr>
-              <a:t>();</a:t>
-            </a:r>
-            <a:br>
-              <a:rPr kumimoji="0" lang="en-US" altLang="en-US" b="0" i="0" u="none" strike="noStrike" cap="none" normalizeH="0" baseline="0" dirty="0" smtClean="0">
-                <a:ln>
-                  <a:noFill/>
-                </a:ln>
-                <a:effectLst/>
-                <a:latin typeface="Courier New" panose="02070309020205020404" pitchFamily="49" charset="0"/>
-                <a:cs typeface="Courier New" panose="02070309020205020404" pitchFamily="49" charset="0"/>
-              </a:rPr>
-            </a:br>
-            <a:r>
-              <a:rPr kumimoji="0" lang="en-US" altLang="en-US" b="0" i="0" u="none" strike="noStrike" cap="none" normalizeH="0" baseline="0" dirty="0" err="1" smtClean="0">
-                <a:ln>
-                  <a:noFill/>
-                </a:ln>
-                <a:effectLst/>
-                <a:latin typeface="Courier New" panose="02070309020205020404" pitchFamily="49" charset="0"/>
-                <a:cs typeface="Courier New" panose="02070309020205020404" pitchFamily="49" charset="0"/>
-              </a:rPr>
-              <a:t>env</a:t>
-            </a:r>
-            <a:r>
-              <a:rPr kumimoji="0" lang="en-US" altLang="en-US" b="0" i="0" u="none" strike="noStrike" cap="none" normalizeH="0" baseline="0" dirty="0" smtClean="0">
-                <a:ln>
-                  <a:noFill/>
-                </a:ln>
-                <a:effectLst/>
-                <a:latin typeface="Courier New" panose="02070309020205020404" pitchFamily="49" charset="0"/>
-                <a:cs typeface="Courier New" panose="02070309020205020404" pitchFamily="49" charset="0"/>
-              </a:rPr>
-              <a:t>-&gt;</a:t>
-            </a:r>
-            <a:r>
-              <a:rPr kumimoji="0" lang="en-US" altLang="en-US" b="0" i="0" u="none" strike="noStrike" cap="none" normalizeH="0" baseline="0" dirty="0" err="1" smtClean="0">
-                <a:ln>
-                  <a:noFill/>
-                </a:ln>
-                <a:effectLst/>
-                <a:latin typeface="Courier New" panose="02070309020205020404" pitchFamily="49" charset="0"/>
-                <a:cs typeface="Courier New" panose="02070309020205020404" pitchFamily="49" charset="0"/>
-              </a:rPr>
-              <a:t>ExceptionClear</a:t>
-            </a:r>
-            <a:r>
-              <a:rPr kumimoji="0" lang="en-US" altLang="en-US" b="0" i="0" u="none" strike="noStrike" cap="none" normalizeH="0" baseline="0" dirty="0" smtClean="0">
-                <a:ln>
-                  <a:noFill/>
-                </a:ln>
-                <a:effectLst/>
-                <a:latin typeface="Courier New" panose="02070309020205020404" pitchFamily="49" charset="0"/>
-                <a:cs typeface="Courier New" panose="02070309020205020404" pitchFamily="49" charset="0"/>
-              </a:rPr>
-              <a:t>();</a:t>
-            </a:r>
-            <a:br>
-              <a:rPr kumimoji="0" lang="en-US" altLang="en-US" b="0" i="0" u="none" strike="noStrike" cap="none" normalizeH="0" baseline="0" dirty="0" smtClean="0">
-                <a:ln>
-                  <a:noFill/>
-                </a:ln>
-                <a:effectLst/>
-                <a:latin typeface="Courier New" panose="02070309020205020404" pitchFamily="49" charset="0"/>
-                <a:cs typeface="Courier New" panose="02070309020205020404" pitchFamily="49" charset="0"/>
-              </a:rPr>
-            </a:br>
-            <a:r>
-              <a:rPr kumimoji="0" lang="en-US" altLang="en-US" b="0" i="0" u="none" strike="noStrike" cap="none" normalizeH="0" baseline="0" dirty="0" smtClean="0">
-                <a:ln>
-                  <a:noFill/>
-                </a:ln>
-                <a:effectLst/>
-                <a:latin typeface="Courier New" panose="02070309020205020404" pitchFamily="49" charset="0"/>
-                <a:cs typeface="Courier New" panose="02070309020205020404" pitchFamily="49" charset="0"/>
-              </a:rPr>
-              <a:t/>
-            </a:r>
-            <a:br>
-              <a:rPr kumimoji="0" lang="en-US" altLang="en-US" b="0" i="0" u="none" strike="noStrike" cap="none" normalizeH="0" baseline="0" dirty="0" smtClean="0">
-                <a:ln>
-                  <a:noFill/>
-                </a:ln>
-                <a:effectLst/>
-                <a:latin typeface="Courier New" panose="02070309020205020404" pitchFamily="49" charset="0"/>
-                <a:cs typeface="Courier New" panose="02070309020205020404" pitchFamily="49" charset="0"/>
-              </a:rPr>
-            </a:br>
-            <a:r>
-              <a:rPr kumimoji="0" lang="en-US" altLang="en-US" b="0" i="0" u="none" strike="noStrike" cap="none" normalizeH="0" baseline="0" dirty="0" err="1" smtClean="0">
-                <a:ln>
-                  <a:noFill/>
-                </a:ln>
-                <a:effectLst/>
-                <a:latin typeface="Courier New" panose="02070309020205020404" pitchFamily="49" charset="0"/>
-                <a:cs typeface="Courier New" panose="02070309020205020404" pitchFamily="49" charset="0"/>
-              </a:rPr>
-              <a:t>env</a:t>
-            </a:r>
-            <a:r>
-              <a:rPr kumimoji="0" lang="en-US" altLang="en-US" b="0" i="0" u="none" strike="noStrike" cap="none" normalizeH="0" baseline="0" dirty="0" smtClean="0">
-                <a:ln>
-                  <a:noFill/>
-                </a:ln>
-                <a:effectLst/>
-                <a:latin typeface="Courier New" panose="02070309020205020404" pitchFamily="49" charset="0"/>
-                <a:cs typeface="Courier New" panose="02070309020205020404" pitchFamily="49" charset="0"/>
-              </a:rPr>
-              <a:t>-&gt;</a:t>
-            </a:r>
-            <a:r>
-              <a:rPr kumimoji="0" lang="en-US" altLang="en-US" b="0" i="0" u="none" strike="noStrike" cap="none" normalizeH="0" baseline="0" dirty="0" err="1" smtClean="0">
-                <a:ln>
-                  <a:noFill/>
-                </a:ln>
-                <a:effectLst/>
-                <a:latin typeface="Courier New" panose="02070309020205020404" pitchFamily="49" charset="0"/>
-                <a:cs typeface="Courier New" panose="02070309020205020404" pitchFamily="49" charset="0"/>
-              </a:rPr>
-              <a:t>ThrowNew</a:t>
-            </a:r>
-            <a:r>
-              <a:rPr kumimoji="0" lang="en-US" altLang="en-US" b="0" i="0" u="none" strike="noStrike" cap="none" normalizeH="0" baseline="0" dirty="0" smtClean="0">
-                <a:ln>
-                  <a:noFill/>
-                </a:ln>
-                <a:effectLst/>
-                <a:latin typeface="Courier New" panose="02070309020205020404" pitchFamily="49" charset="0"/>
-                <a:cs typeface="Courier New" panose="02070309020205020404" pitchFamily="49" charset="0"/>
-              </a:rPr>
-              <a:t>(</a:t>
-            </a:r>
-            <a:r>
-              <a:rPr kumimoji="0" lang="en-US" altLang="en-US" b="0" i="0" u="none" strike="noStrike" cap="none" normalizeH="0" baseline="0" dirty="0" err="1" smtClean="0">
-                <a:ln>
-                  <a:noFill/>
-                </a:ln>
-                <a:effectLst/>
-                <a:latin typeface="Courier New" panose="02070309020205020404" pitchFamily="49" charset="0"/>
-                <a:cs typeface="Courier New" panose="02070309020205020404" pitchFamily="49" charset="0"/>
-              </a:rPr>
-              <a:t>jclass</a:t>
-            </a:r>
-            <a:r>
-              <a:rPr kumimoji="0" lang="en-US" altLang="en-US" b="0" i="0" u="none" strike="noStrike" cap="none" normalizeH="0" baseline="0" dirty="0" smtClean="0">
-                <a:ln>
-                  <a:noFill/>
-                </a:ln>
-                <a:effectLst/>
-                <a:latin typeface="Courier New" panose="02070309020205020404" pitchFamily="49" charset="0"/>
-                <a:cs typeface="Courier New" panose="02070309020205020404" pitchFamily="49" charset="0"/>
-              </a:rPr>
-              <a:t> </a:t>
-            </a:r>
-            <a:r>
-              <a:rPr kumimoji="0" lang="en-US" altLang="en-US" b="0" i="0" u="none" strike="noStrike" cap="none" normalizeH="0" baseline="0" dirty="0" err="1" smtClean="0">
-                <a:ln>
-                  <a:noFill/>
-                </a:ln>
-                <a:effectLst/>
-                <a:latin typeface="Courier New" panose="02070309020205020404" pitchFamily="49" charset="0"/>
-                <a:cs typeface="Courier New" panose="02070309020205020404" pitchFamily="49" charset="0"/>
-              </a:rPr>
-              <a:t>clazz</a:t>
-            </a:r>
-            <a:r>
-              <a:rPr kumimoji="0" lang="en-US" altLang="en-US" b="0" i="0" u="none" strike="noStrike" cap="none" normalizeH="0" baseline="0" dirty="0" smtClean="0">
-                <a:ln>
-                  <a:noFill/>
-                </a:ln>
-                <a:effectLst/>
-                <a:latin typeface="Courier New" panose="02070309020205020404" pitchFamily="49" charset="0"/>
-                <a:cs typeface="Courier New" panose="02070309020205020404" pitchFamily="49" charset="0"/>
-              </a:rPr>
-              <a:t>, </a:t>
-            </a:r>
-            <a:r>
-              <a:rPr kumimoji="0" lang="en-US" altLang="en-US" b="1" i="0" u="none" strike="noStrike" cap="none" normalizeH="0" baseline="0" dirty="0" err="1" smtClean="0">
-                <a:ln>
-                  <a:noFill/>
-                </a:ln>
-                <a:effectLst/>
-                <a:latin typeface="Courier New" panose="02070309020205020404" pitchFamily="49" charset="0"/>
-                <a:cs typeface="Courier New" panose="02070309020205020404" pitchFamily="49" charset="0"/>
-              </a:rPr>
-              <a:t>const</a:t>
-            </a:r>
-            <a:r>
-              <a:rPr kumimoji="0" lang="en-US" altLang="en-US" b="1" i="0" u="none" strike="noStrike" cap="none" normalizeH="0" baseline="0" dirty="0" smtClean="0">
-                <a:ln>
-                  <a:noFill/>
-                </a:ln>
-                <a:effectLst/>
-                <a:latin typeface="Courier New" panose="02070309020205020404" pitchFamily="49" charset="0"/>
-                <a:cs typeface="Courier New" panose="02070309020205020404" pitchFamily="49" charset="0"/>
-              </a:rPr>
-              <a:t> char</a:t>
-            </a:r>
-            <a:r>
-              <a:rPr kumimoji="0" lang="en-US" altLang="en-US" b="0" i="0" u="none" strike="noStrike" cap="none" normalizeH="0" baseline="0" dirty="0" smtClean="0">
-                <a:ln>
-                  <a:noFill/>
-                </a:ln>
-                <a:effectLst/>
-                <a:latin typeface="Courier New" panose="02070309020205020404" pitchFamily="49" charset="0"/>
-                <a:cs typeface="Courier New" panose="02070309020205020404" pitchFamily="49" charset="0"/>
-              </a:rPr>
-              <a:t>* message);</a:t>
-            </a:r>
-            <a:br>
-              <a:rPr kumimoji="0" lang="en-US" altLang="en-US" b="0" i="0" u="none" strike="noStrike" cap="none" normalizeH="0" baseline="0" dirty="0" smtClean="0">
-                <a:ln>
-                  <a:noFill/>
-                </a:ln>
-                <a:effectLst/>
-                <a:latin typeface="Courier New" panose="02070309020205020404" pitchFamily="49" charset="0"/>
-                <a:cs typeface="Courier New" panose="02070309020205020404" pitchFamily="49" charset="0"/>
-              </a:rPr>
-            </a:br>
-            <a:r>
-              <a:rPr kumimoji="0" lang="en-US" altLang="en-US" b="0" i="0" u="none" strike="noStrike" cap="none" normalizeH="0" baseline="0" dirty="0" err="1" smtClean="0">
-                <a:ln>
-                  <a:noFill/>
-                </a:ln>
-                <a:effectLst/>
-                <a:latin typeface="Courier New" panose="02070309020205020404" pitchFamily="49" charset="0"/>
-                <a:cs typeface="Courier New" panose="02070309020205020404" pitchFamily="49" charset="0"/>
-              </a:rPr>
-              <a:t>env</a:t>
-            </a:r>
-            <a:r>
-              <a:rPr kumimoji="0" lang="en-US" altLang="en-US" b="0" i="0" u="none" strike="noStrike" cap="none" normalizeH="0" baseline="0" dirty="0" smtClean="0">
-                <a:ln>
-                  <a:noFill/>
-                </a:ln>
-                <a:effectLst/>
-                <a:latin typeface="Courier New" panose="02070309020205020404" pitchFamily="49" charset="0"/>
-                <a:cs typeface="Courier New" panose="02070309020205020404" pitchFamily="49" charset="0"/>
-              </a:rPr>
-              <a:t>-&gt;Throw(</a:t>
-            </a:r>
-            <a:r>
-              <a:rPr kumimoji="0" lang="en-US" altLang="en-US" b="0" i="0" u="none" strike="noStrike" cap="none" normalizeH="0" baseline="0" dirty="0" err="1" smtClean="0">
-                <a:ln>
-                  <a:noFill/>
-                </a:ln>
-                <a:effectLst/>
-                <a:latin typeface="Courier New" panose="02070309020205020404" pitchFamily="49" charset="0"/>
-                <a:cs typeface="Courier New" panose="02070309020205020404" pitchFamily="49" charset="0"/>
-              </a:rPr>
-              <a:t>jthrowable</a:t>
-            </a:r>
-            <a:r>
-              <a:rPr kumimoji="0" lang="en-US" altLang="en-US" b="0" i="0" u="none" strike="noStrike" cap="none" normalizeH="0" baseline="0" dirty="0" smtClean="0">
-                <a:ln>
-                  <a:noFill/>
-                </a:ln>
-                <a:effectLst/>
-                <a:latin typeface="Courier New" panose="02070309020205020404" pitchFamily="49" charset="0"/>
-                <a:cs typeface="Courier New" panose="02070309020205020404" pitchFamily="49" charset="0"/>
-              </a:rPr>
-              <a:t> </a:t>
-            </a:r>
-            <a:r>
-              <a:rPr kumimoji="0" lang="en-US" altLang="en-US" b="0" i="0" u="none" strike="noStrike" cap="none" normalizeH="0" baseline="0" dirty="0" err="1" smtClean="0">
-                <a:ln>
-                  <a:noFill/>
-                </a:ln>
-                <a:effectLst/>
-                <a:latin typeface="Courier New" panose="02070309020205020404" pitchFamily="49" charset="0"/>
-                <a:cs typeface="Courier New" panose="02070309020205020404" pitchFamily="49" charset="0"/>
-              </a:rPr>
-              <a:t>obj</a:t>
-            </a:r>
-            <a:r>
-              <a:rPr kumimoji="0" lang="en-US" altLang="en-US" b="0" i="0" u="none" strike="noStrike" cap="none" normalizeH="0" baseline="0" dirty="0" smtClean="0">
-                <a:ln>
-                  <a:noFill/>
-                </a:ln>
-                <a:effectLst/>
-                <a:latin typeface="Courier New" panose="02070309020205020404" pitchFamily="49" charset="0"/>
-                <a:cs typeface="Courier New" panose="02070309020205020404" pitchFamily="49" charset="0"/>
-              </a:rPr>
-              <a:t>);</a:t>
-            </a:r>
-            <a:endParaRPr kumimoji="0" lang="en-US" altLang="en-US" b="0" i="0" u="none" strike="noStrike" cap="none" normalizeH="0" baseline="0" dirty="0" smtClean="0">
-              <a:ln>
-                <a:noFill/>
-              </a:ln>
-              <a:effectLst/>
-              <a:latin typeface="Arial" panose="020B0604020202020204" pitchFamily="34" charset="0"/>
-            </a:endParaRPr>
-          </a:p>
-        </p:txBody>
-      </p:sp>
+              <a:t>fexceptions</a:t>
+            </a:r>
+            <a:endParaRPr lang="en-US" dirty="0" smtClean="0"/>
+          </a:p>
+          <a:p>
+            <a:endParaRPr lang="en-US" dirty="0"/>
+          </a:p>
+        </p:txBody>
+      </p:sp>
+      <p:pic>
+        <p:nvPicPr>
+          <p:cNvPr id="4" name="Picture 3"/>
+          <p:cNvPicPr>
+            <a:picLocks noChangeAspect="1"/>
+          </p:cNvPicPr>
+          <p:nvPr/>
+        </p:nvPicPr>
+        <p:blipFill>
+          <a:blip r:embed="rId2">
+            <a:extLst>
+              <a:ext uri="{28A0092B-C50C-407E-A947-70E740481C1C}">
+                <a14:useLocalDpi xmlns:a14="http://schemas.microsoft.com/office/drawing/2010/main" val="0"/>
+              </a:ext>
+            </a:extLst>
+          </a:blip>
+          <a:stretch>
+            <a:fillRect/>
+          </a:stretch>
+        </p:blipFill>
+        <p:spPr>
+          <a:xfrm>
+            <a:off x="5274843" y="2005486"/>
+            <a:ext cx="5946272" cy="2754404"/>
+          </a:xfrm>
+          <a:prstGeom prst="rect">
+            <a:avLst/>
+          </a:prstGeom>
+          <a:effectLst>
+            <a:softEdge rad="25400"/>
+          </a:effectLst>
+        </p:spPr>
+      </p:pic>
     </p:spTree>
     <p:extLst>
       <p:ext uri="{BB962C8B-B14F-4D97-AF65-F5344CB8AC3E}">
-        <p14:creationId xmlns:p14="http://schemas.microsoft.com/office/powerpoint/2010/main" val="1571575486"/>
+        <p14:creationId xmlns:p14="http://schemas.microsoft.com/office/powerpoint/2010/main" val="670405104"/>
       </p:ext>
     </p:extLst>
   </p:cSld>
@@ -12632,7 +12314,7 @@
             <a:pPr algn="ctr"/>
             <a:r>
               <a:rPr lang="en-US" dirty="0" smtClean="0"/>
-              <a:t>Reduce APK size by reducing C/C++ artefacts</a:t>
+              <a:t>JNI exception handling</a:t>
             </a:r>
             <a:endParaRPr lang="en-US" dirty="0"/>
           </a:p>
@@ -12648,260 +12330,453 @@
             <p:ph idx="1"/>
           </p:nvPr>
         </p:nvSpPr>
-        <p:spPr/>
-        <p:txBody>
-          <a:bodyPr>
-            <a:normAutofit lnSpcReduction="10000"/>
+        <p:spPr>
+          <a:xfrm>
+            <a:off x="288099" y="1825625"/>
+            <a:ext cx="11065701" cy="4351338"/>
+          </a:xfrm>
+        </p:spPr>
+        <p:txBody>
+          <a:bodyPr/>
+          <a:lstStyle/>
+          <a:p>
+            <a:r>
+              <a:rPr lang="en-US" b="1" dirty="0" smtClean="0"/>
+              <a:t>Pending exception:</a:t>
+            </a:r>
+          </a:p>
+          <a:p>
+            <a:endParaRPr lang="en-US" b="1" dirty="0" smtClean="0"/>
+          </a:p>
+          <a:p>
+            <a:endParaRPr lang="en-US" b="1" dirty="0" smtClean="0"/>
+          </a:p>
+          <a:p>
+            <a:r>
+              <a:rPr lang="en-US" b="1" dirty="0" err="1" smtClean="0"/>
+              <a:t>Trow</a:t>
+            </a:r>
+            <a:r>
+              <a:rPr lang="en-US" b="1" dirty="0" smtClean="0"/>
+              <a:t> exception to Java via:</a:t>
+            </a:r>
+            <a:endParaRPr lang="en-US" dirty="0"/>
+          </a:p>
+        </p:txBody>
+      </p:sp>
+      <p:sp>
+        <p:nvSpPr>
+          <p:cNvPr id="4" name="Rectangle 1"/>
+          <p:cNvSpPr>
+            <a:spLocks noChangeArrowheads="1"/>
+          </p:cNvSpPr>
+          <p:nvPr/>
+        </p:nvSpPr>
+        <p:spPr bwMode="auto">
+          <a:xfrm>
+            <a:off x="838200" y="4001294"/>
+            <a:ext cx="7157543" cy="646331"/>
+          </a:xfrm>
+          <a:prstGeom prst="rect">
+            <a:avLst/>
+          </a:prstGeom>
+          <a:noFill/>
+          <a:ln>
+            <a:noFill/>
+          </a:ln>
+          <a:effectLst/>
+        </p:spPr>
+        <p:txBody>
+          <a:bodyPr vert="horz" wrap="square" lIns="91440" tIns="45720" rIns="91440" bIns="45720" numCol="1" anchor="ctr" anchorCtr="0" compatLnSpc="1">
+            <a:prstTxWarp prst="textNoShape">
+              <a:avLst/>
+            </a:prstTxWarp>
+            <a:spAutoFit/>
           </a:bodyPr>
           <a:lstStyle/>
           <a:p>
-            <a:endParaRPr lang="en-US" dirty="0" smtClean="0"/>
-          </a:p>
-          <a:p>
-            <a:r>
-              <a:rPr lang="en-US" dirty="0"/>
-              <a:t>Supported </a:t>
-            </a:r>
-            <a:r>
-              <a:rPr lang="en-US" dirty="0" smtClean="0"/>
-              <a:t>ABIs</a:t>
-            </a:r>
-          </a:p>
-          <a:p>
-            <a:r>
-              <a:rPr lang="en-US" dirty="0" smtClean="0"/>
-              <a:t>Disable C++ exception support </a:t>
-            </a:r>
-          </a:p>
-          <a:p>
-            <a:pPr lvl="1"/>
-            <a:r>
-              <a:rPr lang="en-US" altLang="en-US" b="1" dirty="0">
-                <a:solidFill>
-                  <a:srgbClr val="008000"/>
-                </a:solidFill>
+            <a:pPr marL="0" marR="0" lvl="0" indent="0" algn="l" defTabSz="914400" rtl="0" eaLnBrk="0" fontAlgn="base" latinLnBrk="0" hangingPunct="0">
+              <a:lnSpc>
+                <a:spcPct val="100000"/>
+              </a:lnSpc>
+              <a:spcBef>
+                <a:spcPct val="0"/>
+              </a:spcBef>
+              <a:spcAft>
+                <a:spcPct val="0"/>
+              </a:spcAft>
+              <a:buClrTx/>
+              <a:buSzTx/>
+              <a:buFontTx/>
+              <a:buNone/>
+              <a:tabLst/>
+            </a:pPr>
+            <a:r>
+              <a:rPr kumimoji="0" lang="en-US" altLang="en-US" b="0" i="0" u="none" strike="noStrike" cap="none" normalizeH="0" baseline="0" dirty="0" err="1" smtClean="0">
+                <a:ln>
+                  <a:noFill/>
+                </a:ln>
+                <a:effectLst/>
                 <a:latin typeface="Courier New" panose="02070309020205020404" pitchFamily="49" charset="0"/>
                 <a:cs typeface="Courier New" panose="02070309020205020404" pitchFamily="49" charset="0"/>
               </a:rPr>
-              <a:t>-</a:t>
-            </a:r>
-            <a:r>
-              <a:rPr lang="en-US" altLang="en-US" b="1" dirty="0" err="1" smtClean="0">
-                <a:solidFill>
-                  <a:srgbClr val="008000"/>
-                </a:solidFill>
+              <a:t>env</a:t>
+            </a:r>
+            <a:r>
+              <a:rPr kumimoji="0" lang="en-US" altLang="en-US" b="0" i="0" u="none" strike="noStrike" cap="none" normalizeH="0" baseline="0" dirty="0" smtClean="0">
+                <a:ln>
+                  <a:noFill/>
+                </a:ln>
+                <a:effectLst/>
                 <a:latin typeface="Courier New" panose="02070309020205020404" pitchFamily="49" charset="0"/>
                 <a:cs typeface="Courier New" panose="02070309020205020404" pitchFamily="49" charset="0"/>
               </a:rPr>
-              <a:t>fexceptions</a:t>
-            </a:r>
-            <a:endParaRPr lang="en-US" dirty="0" smtClean="0"/>
-          </a:p>
-          <a:p>
-            <a:r>
-              <a:rPr lang="en-US" dirty="0" smtClean="0"/>
-              <a:t>Disable RTTI</a:t>
-            </a:r>
-          </a:p>
-          <a:p>
-            <a:pPr lvl="1"/>
-            <a:r>
-              <a:rPr lang="en-US" altLang="en-US" b="1" dirty="0">
-                <a:solidFill>
-                  <a:srgbClr val="008000"/>
-                </a:solidFill>
+              <a:t>-&gt;</a:t>
+            </a:r>
+            <a:r>
+              <a:rPr kumimoji="0" lang="en-US" altLang="en-US" b="0" i="0" u="none" strike="noStrike" cap="none" normalizeH="0" baseline="0" dirty="0" err="1" smtClean="0">
+                <a:ln>
+                  <a:noFill/>
+                </a:ln>
+                <a:effectLst/>
                 <a:latin typeface="Courier New" panose="02070309020205020404" pitchFamily="49" charset="0"/>
                 <a:cs typeface="Courier New" panose="02070309020205020404" pitchFamily="49" charset="0"/>
               </a:rPr>
-              <a:t>-</a:t>
-            </a:r>
-            <a:r>
-              <a:rPr lang="en-US" altLang="en-US" b="1" dirty="0" err="1">
-                <a:solidFill>
-                  <a:srgbClr val="008000"/>
-                </a:solidFill>
+              <a:t>ThrowNew</a:t>
+            </a:r>
+            <a:r>
+              <a:rPr kumimoji="0" lang="en-US" altLang="en-US" b="0" i="0" u="none" strike="noStrike" cap="none" normalizeH="0" baseline="0" dirty="0" smtClean="0">
+                <a:ln>
+                  <a:noFill/>
+                </a:ln>
+                <a:effectLst/>
                 <a:latin typeface="Courier New" panose="02070309020205020404" pitchFamily="49" charset="0"/>
                 <a:cs typeface="Courier New" panose="02070309020205020404" pitchFamily="49" charset="0"/>
               </a:rPr>
-              <a:t>frtti</a:t>
-            </a:r>
-            <a:endParaRPr lang="en-US" dirty="0" smtClean="0"/>
-          </a:p>
-          <a:p>
-            <a:r>
-              <a:rPr lang="en-US" dirty="0" smtClean="0"/>
-              <a:t>Strip debug symbols</a:t>
-            </a:r>
-          </a:p>
-          <a:p>
-            <a:pPr lvl="1"/>
-            <a:r>
-              <a:rPr lang="en-US" altLang="en-US" b="1" dirty="0">
-                <a:solidFill>
-                  <a:srgbClr val="008000"/>
-                </a:solidFill>
+              <a:t>(</a:t>
+            </a:r>
+            <a:r>
+              <a:rPr kumimoji="0" lang="en-US" altLang="en-US" b="0" i="0" u="none" strike="noStrike" cap="none" normalizeH="0" baseline="0" dirty="0" err="1" smtClean="0">
+                <a:ln>
+                  <a:noFill/>
+                </a:ln>
+                <a:effectLst/>
                 <a:latin typeface="Courier New" panose="02070309020205020404" pitchFamily="49" charset="0"/>
                 <a:cs typeface="Courier New" panose="02070309020205020404" pitchFamily="49" charset="0"/>
               </a:rPr>
-              <a:t>-</a:t>
-            </a:r>
-            <a:r>
-              <a:rPr lang="en-US" altLang="en-US" b="1" dirty="0" err="1">
-                <a:solidFill>
-                  <a:srgbClr val="008000"/>
-                </a:solidFill>
+              <a:t>jclass</a:t>
+            </a:r>
+            <a:r>
+              <a:rPr kumimoji="0" lang="en-US" altLang="en-US" b="0" i="0" u="none" strike="noStrike" cap="none" normalizeH="0" baseline="0" dirty="0" smtClean="0">
+                <a:ln>
+                  <a:noFill/>
+                </a:ln>
+                <a:effectLst/>
                 <a:latin typeface="Courier New" panose="02070309020205020404" pitchFamily="49" charset="0"/>
                 <a:cs typeface="Courier New" panose="02070309020205020404" pitchFamily="49" charset="0"/>
               </a:rPr>
-              <a:t>ffunction</a:t>
-            </a:r>
-            <a:r>
-              <a:rPr lang="en-US" altLang="en-US" b="1" dirty="0">
-                <a:solidFill>
-                  <a:srgbClr val="008000"/>
-                </a:solidFill>
+              <a:t> </a:t>
+            </a:r>
+            <a:r>
+              <a:rPr kumimoji="0" lang="en-US" altLang="en-US" b="0" i="0" u="none" strike="noStrike" cap="none" normalizeH="0" baseline="0" dirty="0" err="1" smtClean="0">
+                <a:ln>
+                  <a:noFill/>
+                </a:ln>
+                <a:effectLst/>
                 <a:latin typeface="Courier New" panose="02070309020205020404" pitchFamily="49" charset="0"/>
                 <a:cs typeface="Courier New" panose="02070309020205020404" pitchFamily="49" charset="0"/>
               </a:rPr>
-              <a:t>-sections </a:t>
-            </a:r>
-          </a:p>
-          <a:p>
-            <a:pPr lvl="1"/>
-            <a:r>
-              <a:rPr lang="en-US" altLang="en-US" b="1" dirty="0">
-                <a:solidFill>
-                  <a:srgbClr val="008000"/>
-                </a:solidFill>
+              <a:t>clazz</a:t>
+            </a:r>
+            <a:r>
+              <a:rPr kumimoji="0" lang="en-US" altLang="en-US" b="0" i="0" u="none" strike="noStrike" cap="none" normalizeH="0" baseline="0" dirty="0" smtClean="0">
+                <a:ln>
+                  <a:noFill/>
+                </a:ln>
+                <a:effectLst/>
                 <a:latin typeface="Courier New" panose="02070309020205020404" pitchFamily="49" charset="0"/>
                 <a:cs typeface="Courier New" panose="02070309020205020404" pitchFamily="49" charset="0"/>
               </a:rPr>
-              <a:t>-</a:t>
-            </a:r>
-            <a:r>
-              <a:rPr lang="en-US" altLang="en-US" b="1" dirty="0" err="1">
-                <a:solidFill>
-                  <a:srgbClr val="008000"/>
-                </a:solidFill>
+              <a:t>, </a:t>
+            </a:r>
+            <a:r>
+              <a:rPr kumimoji="0" lang="en-US" altLang="en-US" b="1" i="0" u="none" strike="noStrike" cap="none" normalizeH="0" baseline="0" dirty="0" err="1" smtClean="0">
+                <a:ln>
+                  <a:noFill/>
+                </a:ln>
+                <a:effectLst/>
                 <a:latin typeface="Courier New" panose="02070309020205020404" pitchFamily="49" charset="0"/>
                 <a:cs typeface="Courier New" panose="02070309020205020404" pitchFamily="49" charset="0"/>
               </a:rPr>
-              <a:t>fdata</a:t>
-            </a:r>
-            <a:r>
-              <a:rPr lang="en-US" altLang="en-US" b="1" dirty="0">
-                <a:solidFill>
-                  <a:srgbClr val="008000"/>
-                </a:solidFill>
+              <a:t>const</a:t>
+            </a:r>
+            <a:r>
+              <a:rPr kumimoji="0" lang="en-US" altLang="en-US" b="1" i="0" u="none" strike="noStrike" cap="none" normalizeH="0" baseline="0" dirty="0" smtClean="0">
+                <a:ln>
+                  <a:noFill/>
+                </a:ln>
+                <a:effectLst/>
                 <a:latin typeface="Courier New" panose="02070309020205020404" pitchFamily="49" charset="0"/>
                 <a:cs typeface="Courier New" panose="02070309020205020404" pitchFamily="49" charset="0"/>
               </a:rPr>
-              <a:t>-sections </a:t>
-            </a:r>
-          </a:p>
-          <a:p>
-            <a:pPr lvl="1"/>
-            <a:r>
-              <a:rPr lang="en-US" altLang="en-US" b="1" dirty="0">
-                <a:solidFill>
-                  <a:srgbClr val="008000"/>
-                </a:solidFill>
+              <a:t> char</a:t>
+            </a:r>
+            <a:r>
+              <a:rPr kumimoji="0" lang="en-US" altLang="en-US" b="0" i="0" u="none" strike="noStrike" cap="none" normalizeH="0" baseline="0" dirty="0" smtClean="0">
+                <a:ln>
+                  <a:noFill/>
+                </a:ln>
+                <a:effectLst/>
                 <a:latin typeface="Courier New" panose="02070309020205020404" pitchFamily="49" charset="0"/>
                 <a:cs typeface="Courier New" panose="02070309020205020404" pitchFamily="49" charset="0"/>
               </a:rPr>
-              <a:t>-</a:t>
-            </a:r>
-            <a:r>
-              <a:rPr lang="en-US" altLang="en-US" b="1" dirty="0" err="1">
-                <a:solidFill>
-                  <a:srgbClr val="008000"/>
-                </a:solidFill>
+              <a:t>* message);</a:t>
+            </a:r>
+            <a:br>
+              <a:rPr kumimoji="0" lang="en-US" altLang="en-US" b="0" i="0" u="none" strike="noStrike" cap="none" normalizeH="0" baseline="0" dirty="0" smtClean="0">
+                <a:ln>
+                  <a:noFill/>
+                </a:ln>
+                <a:effectLst/>
                 <a:latin typeface="Courier New" panose="02070309020205020404" pitchFamily="49" charset="0"/>
                 <a:cs typeface="Courier New" panose="02070309020205020404" pitchFamily="49" charset="0"/>
               </a:rPr>
-              <a:t>fvisibility</a:t>
-            </a:r>
-            <a:r>
-              <a:rPr lang="en-US" altLang="en-US" b="1" dirty="0">
-                <a:solidFill>
-                  <a:srgbClr val="008000"/>
-                </a:solidFill>
+            </a:br>
+            <a:r>
+              <a:rPr kumimoji="0" lang="en-US" altLang="en-US" b="0" i="0" u="none" strike="noStrike" cap="none" normalizeH="0" baseline="0" dirty="0" err="1" smtClean="0">
+                <a:ln>
+                  <a:noFill/>
+                </a:ln>
+                <a:effectLst/>
                 <a:latin typeface="Courier New" panose="02070309020205020404" pitchFamily="49" charset="0"/>
                 <a:cs typeface="Courier New" panose="02070309020205020404" pitchFamily="49" charset="0"/>
               </a:rPr>
-              <a:t>=hidden</a:t>
-            </a:r>
-            <a:endParaRPr lang="en-US" dirty="0" smtClean="0"/>
-          </a:p>
-          <a:p>
-            <a:endParaRPr lang="en-US" dirty="0"/>
-          </a:p>
-          <a:p>
-            <a:endParaRPr lang="en-US" dirty="0" smtClean="0"/>
-          </a:p>
-          <a:p>
-            <a:endParaRPr lang="en-US" dirty="0"/>
-          </a:p>
-        </p:txBody>
-      </p:sp>
-      <p:pic>
-        <p:nvPicPr>
-          <p:cNvPr id="5" name="Picture 4"/>
-          <p:cNvPicPr>
-            <a:picLocks noChangeAspect="1"/>
-          </p:cNvPicPr>
+              <a:t>env</a:t>
+            </a:r>
+            <a:r>
+              <a:rPr kumimoji="0" lang="en-US" altLang="en-US" b="0" i="0" u="none" strike="noStrike" cap="none" normalizeH="0" baseline="0" dirty="0" smtClean="0">
+                <a:ln>
+                  <a:noFill/>
+                </a:ln>
+                <a:effectLst/>
+                <a:latin typeface="Courier New" panose="02070309020205020404" pitchFamily="49" charset="0"/>
+                <a:cs typeface="Courier New" panose="02070309020205020404" pitchFamily="49" charset="0"/>
+              </a:rPr>
+              <a:t>-&gt;Throw(</a:t>
+            </a:r>
+            <a:r>
+              <a:rPr kumimoji="0" lang="en-US" altLang="en-US" b="0" i="0" u="none" strike="noStrike" cap="none" normalizeH="0" baseline="0" dirty="0" err="1" smtClean="0">
+                <a:ln>
+                  <a:noFill/>
+                </a:ln>
+                <a:effectLst/>
+                <a:latin typeface="Courier New" panose="02070309020205020404" pitchFamily="49" charset="0"/>
+                <a:cs typeface="Courier New" panose="02070309020205020404" pitchFamily="49" charset="0"/>
+              </a:rPr>
+              <a:t>jthrowable</a:t>
+            </a:r>
+            <a:r>
+              <a:rPr kumimoji="0" lang="en-US" altLang="en-US" b="0" i="0" u="none" strike="noStrike" cap="none" normalizeH="0" baseline="0" dirty="0" smtClean="0">
+                <a:ln>
+                  <a:noFill/>
+                </a:ln>
+                <a:effectLst/>
+                <a:latin typeface="Courier New" panose="02070309020205020404" pitchFamily="49" charset="0"/>
+                <a:cs typeface="Courier New" panose="02070309020205020404" pitchFamily="49" charset="0"/>
+              </a:rPr>
+              <a:t> </a:t>
+            </a:r>
+            <a:r>
+              <a:rPr kumimoji="0" lang="en-US" altLang="en-US" b="0" i="0" u="none" strike="noStrike" cap="none" normalizeH="0" baseline="0" dirty="0" err="1" smtClean="0">
+                <a:ln>
+                  <a:noFill/>
+                </a:ln>
+                <a:effectLst/>
+                <a:latin typeface="Courier New" panose="02070309020205020404" pitchFamily="49" charset="0"/>
+                <a:cs typeface="Courier New" panose="02070309020205020404" pitchFamily="49" charset="0"/>
+              </a:rPr>
+              <a:t>obj</a:t>
+            </a:r>
+            <a:r>
+              <a:rPr kumimoji="0" lang="en-US" altLang="en-US" b="0" i="0" u="none" strike="noStrike" cap="none" normalizeH="0" baseline="0" dirty="0" smtClean="0">
+                <a:ln>
+                  <a:noFill/>
+                </a:ln>
+                <a:effectLst/>
+                <a:latin typeface="Courier New" panose="02070309020205020404" pitchFamily="49" charset="0"/>
+                <a:cs typeface="Courier New" panose="02070309020205020404" pitchFamily="49" charset="0"/>
+              </a:rPr>
+              <a:t>);</a:t>
+            </a:r>
+            <a:endParaRPr kumimoji="0" lang="en-US" altLang="en-US" b="0" i="0" u="none" strike="noStrike" cap="none" normalizeH="0" baseline="0" dirty="0" smtClean="0">
+              <a:ln>
+                <a:noFill/>
+              </a:ln>
+              <a:effectLst/>
+              <a:latin typeface="Arial" panose="020B0604020202020204" pitchFamily="34" charset="0"/>
+            </a:endParaRPr>
+          </a:p>
+        </p:txBody>
+      </p:sp>
+      <p:sp>
+        <p:nvSpPr>
+          <p:cNvPr id="5" name="Rectangle 1"/>
+          <p:cNvSpPr>
+            <a:spLocks noChangeArrowheads="1"/>
+          </p:cNvSpPr>
           <p:nvPr/>
-        </p:nvPicPr>
-        <p:blipFill>
-          <a:blip r:embed="rId2"/>
-          <a:stretch>
-            <a:fillRect/>
-          </a:stretch>
-        </p:blipFill>
-        <p:spPr>
-          <a:xfrm>
-            <a:off x="6578600" y="2103922"/>
-            <a:ext cx="4775200" cy="4280210"/>
+        </p:nvSpPr>
+        <p:spPr bwMode="auto">
+          <a:xfrm>
+            <a:off x="838200" y="2439762"/>
+            <a:ext cx="3924947" cy="646331"/>
           </a:xfrm>
           <a:prstGeom prst="rect">
             <a:avLst/>
           </a:prstGeom>
-        </p:spPr>
-      </p:pic>
-      <p:pic>
-        <p:nvPicPr>
-          <p:cNvPr id="4" name="Picture 3"/>
-          <p:cNvPicPr>
-            <a:picLocks noChangeAspect="1"/>
-          </p:cNvPicPr>
-          <p:nvPr/>
-        </p:nvPicPr>
-        <p:blipFill>
-          <a:blip r:embed="rId3">
-            <a:extLst>
-              <a:ext uri="{28A0092B-C50C-407E-A947-70E740481C1C}">
-                <a14:useLocalDpi xmlns:a14="http://schemas.microsoft.com/office/drawing/2010/main" val="0"/>
-              </a:ext>
-            </a:extLst>
-          </a:blip>
-          <a:stretch>
-            <a:fillRect/>
-          </a:stretch>
-        </p:blipFill>
-        <p:spPr>
-          <a:xfrm>
-            <a:off x="6578600" y="2921000"/>
-            <a:ext cx="4775200" cy="3937000"/>
-          </a:xfrm>
-          <a:prstGeom prst="rect">
-            <a:avLst/>
-          </a:prstGeom>
-        </p:spPr>
-      </p:pic>
+          <a:noFill/>
+          <a:ln>
+            <a:noFill/>
+          </a:ln>
+          <a:effectLst/>
+        </p:spPr>
+        <p:txBody>
+          <a:bodyPr vert="horz" wrap="square" lIns="91440" tIns="45720" rIns="91440" bIns="45720" numCol="1" anchor="ctr" anchorCtr="0" compatLnSpc="1">
+            <a:prstTxWarp prst="textNoShape">
+              <a:avLst/>
+            </a:prstTxWarp>
+            <a:spAutoFit/>
+          </a:bodyPr>
+          <a:lstStyle/>
+          <a:p>
+            <a:pPr marL="0" marR="0" lvl="0" indent="0" algn="l" defTabSz="914400" rtl="0" eaLnBrk="0" fontAlgn="base" latinLnBrk="0" hangingPunct="0">
+              <a:lnSpc>
+                <a:spcPct val="100000"/>
+              </a:lnSpc>
+              <a:spcBef>
+                <a:spcPct val="0"/>
+              </a:spcBef>
+              <a:spcAft>
+                <a:spcPct val="0"/>
+              </a:spcAft>
+              <a:buClrTx/>
+              <a:buSzTx/>
+              <a:buFontTx/>
+              <a:buNone/>
+              <a:tabLst/>
+            </a:pPr>
+            <a:r>
+              <a:rPr kumimoji="0" lang="en-US" altLang="en-US" b="0" i="0" u="none" strike="noStrike" cap="none" normalizeH="0" baseline="0" dirty="0" err="1" smtClean="0">
+                <a:ln>
+                  <a:noFill/>
+                </a:ln>
+                <a:effectLst/>
+                <a:latin typeface="Courier New" panose="02070309020205020404" pitchFamily="49" charset="0"/>
+                <a:cs typeface="Courier New" panose="02070309020205020404" pitchFamily="49" charset="0"/>
+              </a:rPr>
+              <a:t>env</a:t>
+            </a:r>
+            <a:r>
+              <a:rPr kumimoji="0" lang="en-US" altLang="en-US" b="0" i="0" u="none" strike="noStrike" cap="none" normalizeH="0" baseline="0" dirty="0" smtClean="0">
+                <a:ln>
+                  <a:noFill/>
+                </a:ln>
+                <a:effectLst/>
+                <a:latin typeface="Courier New" panose="02070309020205020404" pitchFamily="49" charset="0"/>
+                <a:cs typeface="Courier New" panose="02070309020205020404" pitchFamily="49" charset="0"/>
+              </a:rPr>
+              <a:t>-&gt;</a:t>
+            </a:r>
+            <a:r>
+              <a:rPr kumimoji="0" lang="en-US" altLang="en-US" b="0" i="0" u="none" strike="noStrike" cap="none" normalizeH="0" baseline="0" dirty="0" err="1" smtClean="0">
+                <a:ln>
+                  <a:noFill/>
+                </a:ln>
+                <a:effectLst/>
+                <a:latin typeface="Courier New" panose="02070309020205020404" pitchFamily="49" charset="0"/>
+                <a:cs typeface="Courier New" panose="02070309020205020404" pitchFamily="49" charset="0"/>
+              </a:rPr>
+              <a:t>ExceptionCheck</a:t>
+            </a:r>
+            <a:r>
+              <a:rPr kumimoji="0" lang="en-US" altLang="en-US" b="0" i="0" u="none" strike="noStrike" cap="none" normalizeH="0" baseline="0" dirty="0" smtClean="0">
+                <a:ln>
+                  <a:noFill/>
+                </a:ln>
+                <a:effectLst/>
+                <a:latin typeface="Courier New" panose="02070309020205020404" pitchFamily="49" charset="0"/>
+                <a:cs typeface="Courier New" panose="02070309020205020404" pitchFamily="49" charset="0"/>
+              </a:rPr>
+              <a:t>();</a:t>
+            </a:r>
+            <a:br>
+              <a:rPr kumimoji="0" lang="en-US" altLang="en-US" b="0" i="0" u="none" strike="noStrike" cap="none" normalizeH="0" baseline="0" dirty="0" smtClean="0">
+                <a:ln>
+                  <a:noFill/>
+                </a:ln>
+                <a:effectLst/>
+                <a:latin typeface="Courier New" panose="02070309020205020404" pitchFamily="49" charset="0"/>
+                <a:cs typeface="Courier New" panose="02070309020205020404" pitchFamily="49" charset="0"/>
+              </a:rPr>
+            </a:br>
+            <a:r>
+              <a:rPr kumimoji="0" lang="en-US" altLang="en-US" b="0" i="0" u="none" strike="noStrike" cap="none" normalizeH="0" baseline="0" dirty="0" err="1" smtClean="0">
+                <a:ln>
+                  <a:noFill/>
+                </a:ln>
+                <a:effectLst/>
+                <a:latin typeface="Courier New" panose="02070309020205020404" pitchFamily="49" charset="0"/>
+                <a:cs typeface="Courier New" panose="02070309020205020404" pitchFamily="49" charset="0"/>
+              </a:rPr>
+              <a:t>env</a:t>
+            </a:r>
+            <a:r>
+              <a:rPr kumimoji="0" lang="en-US" altLang="en-US" b="0" i="0" u="none" strike="noStrike" cap="none" normalizeH="0" baseline="0" dirty="0" smtClean="0">
+                <a:ln>
+                  <a:noFill/>
+                </a:ln>
+                <a:effectLst/>
+                <a:latin typeface="Courier New" panose="02070309020205020404" pitchFamily="49" charset="0"/>
+                <a:cs typeface="Courier New" panose="02070309020205020404" pitchFamily="49" charset="0"/>
+              </a:rPr>
+              <a:t>-&gt;</a:t>
+            </a:r>
+            <a:r>
+              <a:rPr kumimoji="0" lang="en-US" altLang="en-US" b="0" i="0" u="none" strike="noStrike" cap="none" normalizeH="0" baseline="0" dirty="0" err="1" smtClean="0">
+                <a:ln>
+                  <a:noFill/>
+                </a:ln>
+                <a:effectLst/>
+                <a:latin typeface="Courier New" panose="02070309020205020404" pitchFamily="49" charset="0"/>
+                <a:cs typeface="Courier New" panose="02070309020205020404" pitchFamily="49" charset="0"/>
+              </a:rPr>
+              <a:t>ExceptionClear</a:t>
+            </a:r>
+            <a:r>
+              <a:rPr kumimoji="0" lang="en-US" altLang="en-US" b="0" i="0" u="none" strike="noStrike" cap="none" normalizeH="0" baseline="0" dirty="0" smtClean="0">
+                <a:ln>
+                  <a:noFill/>
+                </a:ln>
+                <a:effectLst/>
+                <a:latin typeface="Courier New" panose="02070309020205020404" pitchFamily="49" charset="0"/>
+                <a:cs typeface="Courier New" panose="02070309020205020404" pitchFamily="49" charset="0"/>
+              </a:rPr>
+              <a:t>();</a:t>
+            </a:r>
+            <a:endParaRPr kumimoji="0" lang="en-US" altLang="en-US" b="0" i="0" u="none" strike="noStrike" cap="none" normalizeH="0" baseline="0" dirty="0" smtClean="0">
+              <a:ln>
+                <a:noFill/>
+              </a:ln>
+              <a:effectLst/>
+              <a:latin typeface="Arial" panose="020B0604020202020204" pitchFamily="34" charset="0"/>
+            </a:endParaRPr>
+          </a:p>
+        </p:txBody>
+      </p:sp>
     </p:spTree>
     <p:extLst>
       <p:ext uri="{BB962C8B-B14F-4D97-AF65-F5344CB8AC3E}">
-        <p14:creationId xmlns:p14="http://schemas.microsoft.com/office/powerpoint/2010/main" val="3291943501"/>
+        <p14:creationId xmlns:p14="http://schemas.microsoft.com/office/powerpoint/2010/main" val="1571575486"/>
       </p:ext>
     </p:extLst>
   </p:cSld>
@@ -12945,6 +12820,446 @@
             <p:ph type="title"/>
           </p:nvPr>
         </p:nvSpPr>
+        <p:spPr/>
+        <p:txBody>
+          <a:bodyPr/>
+          <a:lstStyle/>
+          <a:p>
+            <a:pPr algn="ctr"/>
+            <a:r>
+              <a:rPr lang="en-US" dirty="0" smtClean="0"/>
+              <a:t>Reduce APK size by reducing C/C++ artefacts</a:t>
+            </a:r>
+            <a:endParaRPr lang="en-US" dirty="0"/>
+          </a:p>
+        </p:txBody>
+      </p:sp>
+      <p:sp>
+        <p:nvSpPr>
+          <p:cNvPr id="3" name="Content Placeholder 2"/>
+          <p:cNvSpPr>
+            <a:spLocks noGrp="1"/>
+          </p:cNvSpPr>
+          <p:nvPr>
+            <p:ph idx="1"/>
+          </p:nvPr>
+        </p:nvSpPr>
+        <p:spPr/>
+        <p:txBody>
+          <a:bodyPr>
+            <a:normAutofit lnSpcReduction="10000"/>
+          </a:bodyPr>
+          <a:lstStyle/>
+          <a:p>
+            <a:endParaRPr lang="en-US" dirty="0" smtClean="0"/>
+          </a:p>
+          <a:p>
+            <a:r>
+              <a:rPr lang="en-US" dirty="0"/>
+              <a:t>Supported </a:t>
+            </a:r>
+            <a:r>
+              <a:rPr lang="en-US" dirty="0" smtClean="0"/>
+              <a:t>ABIs</a:t>
+            </a:r>
+          </a:p>
+          <a:p>
+            <a:r>
+              <a:rPr lang="en-US" dirty="0" smtClean="0"/>
+              <a:t>Disable C++ exception support </a:t>
+            </a:r>
+          </a:p>
+          <a:p>
+            <a:pPr lvl="1"/>
+            <a:r>
+              <a:rPr lang="en-US" altLang="en-US" b="1" dirty="0">
+                <a:solidFill>
+                  <a:srgbClr val="008000"/>
+                </a:solidFill>
+                <a:latin typeface="Courier New" panose="02070309020205020404" pitchFamily="49" charset="0"/>
+                <a:cs typeface="Courier New" panose="02070309020205020404" pitchFamily="49" charset="0"/>
+              </a:rPr>
+              <a:t>-</a:t>
+            </a:r>
+            <a:r>
+              <a:rPr lang="en-US" altLang="en-US" b="1" dirty="0" err="1" smtClean="0">
+                <a:solidFill>
+                  <a:srgbClr val="008000"/>
+                </a:solidFill>
+                <a:latin typeface="Courier New" panose="02070309020205020404" pitchFamily="49" charset="0"/>
+                <a:cs typeface="Courier New" panose="02070309020205020404" pitchFamily="49" charset="0"/>
+              </a:rPr>
+              <a:t>fexceptions</a:t>
+            </a:r>
+            <a:endParaRPr lang="en-US" dirty="0" smtClean="0"/>
+          </a:p>
+          <a:p>
+            <a:r>
+              <a:rPr lang="en-US" dirty="0" smtClean="0"/>
+              <a:t>Disable RTTI</a:t>
+            </a:r>
+          </a:p>
+          <a:p>
+            <a:pPr lvl="1"/>
+            <a:r>
+              <a:rPr lang="en-US" altLang="en-US" b="1" dirty="0">
+                <a:solidFill>
+                  <a:srgbClr val="008000"/>
+                </a:solidFill>
+                <a:latin typeface="Courier New" panose="02070309020205020404" pitchFamily="49" charset="0"/>
+                <a:cs typeface="Courier New" panose="02070309020205020404" pitchFamily="49" charset="0"/>
+              </a:rPr>
+              <a:t>-</a:t>
+            </a:r>
+            <a:r>
+              <a:rPr lang="en-US" altLang="en-US" b="1" dirty="0" err="1">
+                <a:solidFill>
+                  <a:srgbClr val="008000"/>
+                </a:solidFill>
+                <a:latin typeface="Courier New" panose="02070309020205020404" pitchFamily="49" charset="0"/>
+                <a:cs typeface="Courier New" panose="02070309020205020404" pitchFamily="49" charset="0"/>
+              </a:rPr>
+              <a:t>frtti</a:t>
+            </a:r>
+            <a:endParaRPr lang="en-US" dirty="0" smtClean="0"/>
+          </a:p>
+          <a:p>
+            <a:r>
+              <a:rPr lang="en-US" dirty="0" smtClean="0"/>
+              <a:t>Strip debug symbols</a:t>
+            </a:r>
+          </a:p>
+          <a:p>
+            <a:pPr lvl="1"/>
+            <a:r>
+              <a:rPr lang="en-US" altLang="en-US" b="1" dirty="0">
+                <a:solidFill>
+                  <a:srgbClr val="008000"/>
+                </a:solidFill>
+                <a:latin typeface="Courier New" panose="02070309020205020404" pitchFamily="49" charset="0"/>
+                <a:cs typeface="Courier New" panose="02070309020205020404" pitchFamily="49" charset="0"/>
+              </a:rPr>
+              <a:t>-</a:t>
+            </a:r>
+            <a:r>
+              <a:rPr lang="en-US" altLang="en-US" b="1" dirty="0" err="1">
+                <a:solidFill>
+                  <a:srgbClr val="008000"/>
+                </a:solidFill>
+                <a:latin typeface="Courier New" panose="02070309020205020404" pitchFamily="49" charset="0"/>
+                <a:cs typeface="Courier New" panose="02070309020205020404" pitchFamily="49" charset="0"/>
+              </a:rPr>
+              <a:t>ffunction</a:t>
+            </a:r>
+            <a:r>
+              <a:rPr lang="en-US" altLang="en-US" b="1" dirty="0">
+                <a:solidFill>
+                  <a:srgbClr val="008000"/>
+                </a:solidFill>
+                <a:latin typeface="Courier New" panose="02070309020205020404" pitchFamily="49" charset="0"/>
+                <a:cs typeface="Courier New" panose="02070309020205020404" pitchFamily="49" charset="0"/>
+              </a:rPr>
+              <a:t>-sections </a:t>
+            </a:r>
+          </a:p>
+          <a:p>
+            <a:pPr lvl="1"/>
+            <a:r>
+              <a:rPr lang="en-US" altLang="en-US" b="1" dirty="0">
+                <a:solidFill>
+                  <a:srgbClr val="008000"/>
+                </a:solidFill>
+                <a:latin typeface="Courier New" panose="02070309020205020404" pitchFamily="49" charset="0"/>
+                <a:cs typeface="Courier New" panose="02070309020205020404" pitchFamily="49" charset="0"/>
+              </a:rPr>
+              <a:t>-</a:t>
+            </a:r>
+            <a:r>
+              <a:rPr lang="en-US" altLang="en-US" b="1" dirty="0" err="1">
+                <a:solidFill>
+                  <a:srgbClr val="008000"/>
+                </a:solidFill>
+                <a:latin typeface="Courier New" panose="02070309020205020404" pitchFamily="49" charset="0"/>
+                <a:cs typeface="Courier New" panose="02070309020205020404" pitchFamily="49" charset="0"/>
+              </a:rPr>
+              <a:t>fdata</a:t>
+            </a:r>
+            <a:r>
+              <a:rPr lang="en-US" altLang="en-US" b="1" dirty="0">
+                <a:solidFill>
+                  <a:srgbClr val="008000"/>
+                </a:solidFill>
+                <a:latin typeface="Courier New" panose="02070309020205020404" pitchFamily="49" charset="0"/>
+                <a:cs typeface="Courier New" panose="02070309020205020404" pitchFamily="49" charset="0"/>
+              </a:rPr>
+              <a:t>-sections </a:t>
+            </a:r>
+          </a:p>
+          <a:p>
+            <a:pPr lvl="1"/>
+            <a:r>
+              <a:rPr lang="en-US" altLang="en-US" b="1" dirty="0">
+                <a:solidFill>
+                  <a:srgbClr val="008000"/>
+                </a:solidFill>
+                <a:latin typeface="Courier New" panose="02070309020205020404" pitchFamily="49" charset="0"/>
+                <a:cs typeface="Courier New" panose="02070309020205020404" pitchFamily="49" charset="0"/>
+              </a:rPr>
+              <a:t>-</a:t>
+            </a:r>
+            <a:r>
+              <a:rPr lang="en-US" altLang="en-US" b="1" dirty="0" err="1">
+                <a:solidFill>
+                  <a:srgbClr val="008000"/>
+                </a:solidFill>
+                <a:latin typeface="Courier New" panose="02070309020205020404" pitchFamily="49" charset="0"/>
+                <a:cs typeface="Courier New" panose="02070309020205020404" pitchFamily="49" charset="0"/>
+              </a:rPr>
+              <a:t>fvisibility</a:t>
+            </a:r>
+            <a:r>
+              <a:rPr lang="en-US" altLang="en-US" b="1" dirty="0">
+                <a:solidFill>
+                  <a:srgbClr val="008000"/>
+                </a:solidFill>
+                <a:latin typeface="Courier New" panose="02070309020205020404" pitchFamily="49" charset="0"/>
+                <a:cs typeface="Courier New" panose="02070309020205020404" pitchFamily="49" charset="0"/>
+              </a:rPr>
+              <a:t>=hidden</a:t>
+            </a:r>
+            <a:endParaRPr lang="en-US" dirty="0" smtClean="0"/>
+          </a:p>
+          <a:p>
+            <a:endParaRPr lang="en-US" dirty="0"/>
+          </a:p>
+          <a:p>
+            <a:endParaRPr lang="en-US" dirty="0" smtClean="0"/>
+          </a:p>
+          <a:p>
+            <a:endParaRPr lang="en-US" dirty="0"/>
+          </a:p>
+        </p:txBody>
+      </p:sp>
+      <p:pic>
+        <p:nvPicPr>
+          <p:cNvPr id="5" name="Picture 4"/>
+          <p:cNvPicPr>
+            <a:picLocks noChangeAspect="1"/>
+          </p:cNvPicPr>
+          <p:nvPr/>
+        </p:nvPicPr>
+        <p:blipFill>
+          <a:blip r:embed="rId2"/>
+          <a:stretch>
+            <a:fillRect/>
+          </a:stretch>
+        </p:blipFill>
+        <p:spPr>
+          <a:xfrm>
+            <a:off x="6578600" y="1825625"/>
+            <a:ext cx="4278052" cy="3834596"/>
+          </a:xfrm>
+          <a:prstGeom prst="rect">
+            <a:avLst/>
+          </a:prstGeom>
+          <a:effectLst>
+            <a:softEdge rad="12700"/>
+          </a:effectLst>
+        </p:spPr>
+      </p:pic>
+      <p:pic>
+        <p:nvPicPr>
+          <p:cNvPr id="4" name="Picture 3"/>
+          <p:cNvPicPr>
+            <a:picLocks noChangeAspect="1"/>
+          </p:cNvPicPr>
+          <p:nvPr/>
+        </p:nvPicPr>
+        <p:blipFill>
+          <a:blip r:embed="rId3">
+            <a:extLst>
+              <a:ext uri="{28A0092B-C50C-407E-A947-70E740481C1C}">
+                <a14:useLocalDpi xmlns:a14="http://schemas.microsoft.com/office/drawing/2010/main" val="0"/>
+              </a:ext>
+            </a:extLst>
+          </a:blip>
+          <a:stretch>
+            <a:fillRect/>
+          </a:stretch>
+        </p:blipFill>
+        <p:spPr>
+          <a:xfrm>
+            <a:off x="6579863" y="2269082"/>
+            <a:ext cx="4276789" cy="3526076"/>
+          </a:xfrm>
+          <a:prstGeom prst="rect">
+            <a:avLst/>
+          </a:prstGeom>
+          <a:effectLst>
+            <a:softEdge rad="12700"/>
+          </a:effectLst>
+        </p:spPr>
+      </p:pic>
+    </p:spTree>
+    <p:extLst>
+      <p:ext uri="{BB962C8B-B14F-4D97-AF65-F5344CB8AC3E}">
+        <p14:creationId xmlns:p14="http://schemas.microsoft.com/office/powerpoint/2010/main" val="3291943501"/>
+      </p:ext>
+    </p:extLst>
+  </p:cSld>
+  <p:clrMapOvr>
+    <a:masterClrMapping/>
+  </p:clrMapOvr>
+  <p:timing>
+    <p:tnLst>
+      <p:par>
+        <p:cTn id="1" dur="indefinite" restart="never" nodeType="tmRoot">
+          <p:childTnLst>
+            <p:seq concurrent="1" nextAc="seek">
+              <p:cTn id="2" dur="indefinite" nodeType="mainSeq">
+                <p:childTnLst>
+                  <p:par>
+                    <p:cTn id="3" fill="hold">
+                      <p:stCondLst>
+                        <p:cond delay="indefinite"/>
+                      </p:stCondLst>
+                      <p:childTnLst>
+                        <p:par>
+                          <p:cTn id="4" fill="hold">
+                            <p:stCondLst>
+                              <p:cond delay="0"/>
+                            </p:stCondLst>
+                            <p:childTnLst>
+                              <p:par>
+                                <p:cTn id="5" presetID="1" presetClass="entr" presetSubtype="0" fill="hold" nodeType="clickEffect">
+                                  <p:stCondLst>
+                                    <p:cond delay="0"/>
+                                  </p:stCondLst>
+                                  <p:childTnLst>
+                                    <p:set>
+                                      <p:cBhvr>
+                                        <p:cTn id="6" dur="1" fill="hold">
+                                          <p:stCondLst>
+                                            <p:cond delay="0"/>
+                                          </p:stCondLst>
+                                        </p:cTn>
+                                        <p:tgtEl>
+                                          <p:spTgt spid="5"/>
+                                        </p:tgtEl>
+                                        <p:attrNameLst>
+                                          <p:attrName>style.visibility</p:attrName>
+                                        </p:attrNameLst>
+                                      </p:cBhvr>
+                                      <p:to>
+                                        <p:strVal val="visible"/>
+                                      </p:to>
+                                    </p:set>
+                                  </p:childTnLst>
+                                </p:cTn>
+                              </p:par>
+                            </p:childTnLst>
+                          </p:cTn>
+                        </p:par>
+                      </p:childTnLst>
+                    </p:cTn>
+                  </p:par>
+                  <p:par>
+                    <p:cTn id="7" fill="hold">
+                      <p:stCondLst>
+                        <p:cond delay="indefinite"/>
+                      </p:stCondLst>
+                      <p:childTnLst>
+                        <p:par>
+                          <p:cTn id="8" fill="hold">
+                            <p:stCondLst>
+                              <p:cond delay="0"/>
+                            </p:stCondLst>
+                            <p:childTnLst>
+                              <p:par>
+                                <p:cTn id="9" presetID="1" presetClass="entr" presetSubtype="0" fill="hold" nodeType="clickEffect">
+                                  <p:stCondLst>
+                                    <p:cond delay="0"/>
+                                  </p:stCondLst>
+                                  <p:childTnLst>
+                                    <p:set>
+                                      <p:cBhvr>
+                                        <p:cTn id="10" dur="1" fill="hold">
+                                          <p:stCondLst>
+                                            <p:cond delay="0"/>
+                                          </p:stCondLst>
+                                        </p:cTn>
+                                        <p:tgtEl>
+                                          <p:spTgt spid="4"/>
+                                        </p:tgtEl>
+                                        <p:attrNameLst>
+                                          <p:attrName>style.visibility</p:attrName>
+                                        </p:attrNameLst>
+                                      </p:cBhvr>
+                                      <p:to>
+                                        <p:strVal val="visible"/>
+                                      </p:to>
+                                    </p:set>
+                                  </p:childTnLst>
+                                </p:cTn>
+                              </p:par>
+                            </p:childTnLst>
+                          </p:cTn>
+                        </p:par>
+                      </p:childTnLst>
+                    </p:cTn>
+                  </p:par>
+                </p:childTnLst>
+              </p:cTn>
+              <p:prevCondLst>
+                <p:cond evt="onPrev" delay="0">
+                  <p:tgtEl>
+                    <p:sldTgt/>
+                  </p:tgtEl>
+                </p:cond>
+              </p:prevCondLst>
+              <p:nextCondLst>
+                <p:cond evt="onNext" delay="0">
+                  <p:tgtEl>
+                    <p:sldTgt/>
+                  </p:tgtEl>
+                </p:cond>
+              </p:nextCondLst>
+            </p:seq>
+          </p:childTnLst>
+        </p:cTn>
+      </p:par>
+    </p:tnLst>
+  </p:timing>
+</p:sld>
+</file>
+
+<file path=ppt/slides/slide13.xml><?xml version="1.0" encoding="utf-8"?>
+<p:sld xmlns:a="http://schemas.openxmlformats.org/drawingml/2006/main" xmlns:r="http://schemas.openxmlformats.org/officeDocument/2006/relationships" xmlns:p="http://schemas.openxmlformats.org/presentationml/2006/main">
+  <p:cSld>
+    <p:spTree>
+      <p:nvGrpSpPr>
+        <p:cNvPr id="1" name=""/>
+        <p:cNvGrpSpPr/>
+        <p:nvPr/>
+      </p:nvGrpSpPr>
+      <p:grpSpPr>
+        <a:xfrm>
+          <a:off x="0" y="0"/>
+          <a:ext cx="0" cy="0"/>
+          <a:chOff x="0" y="0"/>
+          <a:chExt cx="0" cy="0"/>
+        </a:xfrm>
+      </p:grpSpPr>
+      <p:sp>
+        <p:nvSpPr>
+          <p:cNvPr id="2" name="Title 1"/>
+          <p:cNvSpPr>
+            <a:spLocks noGrp="1"/>
+          </p:cNvSpPr>
+          <p:nvPr>
+            <p:ph type="title"/>
+          </p:nvPr>
+        </p:nvSpPr>
         <p:spPr>
           <a:xfrm>
             <a:off x="0" y="2824546"/>
@@ -12984,7 +13299,7 @@
 </p:sld>
 </file>
 
-<file path=ppt/slides/slide13.xml><?xml version="1.0" encoding="utf-8"?>
+<file path=ppt/slides/slide14.xml><?xml version="1.0" encoding="utf-8"?>
 <p:sld xmlns:a="http://schemas.openxmlformats.org/drawingml/2006/main" xmlns:r="http://schemas.openxmlformats.org/officeDocument/2006/relationships" xmlns:p="http://schemas.openxmlformats.org/presentationml/2006/main">
   <p:cSld>
     <p:bg>
@@ -13058,7 +13373,7 @@
 </p:sld>
 </file>
 
-<file path=ppt/slides/slide14.xml><?xml version="1.0" encoding="utf-8"?>
+<file path=ppt/slides/slide15.xml><?xml version="1.0" encoding="utf-8"?>
 <p:sld xmlns:a="http://schemas.openxmlformats.org/drawingml/2006/main" xmlns:r="http://schemas.openxmlformats.org/officeDocument/2006/relationships" xmlns:p="http://schemas.openxmlformats.org/presentationml/2006/main">
   <p:cSld>
     <p:spTree>
@@ -13345,14 +13660,223 @@
   <p:timing>
     <p:tnLst>
       <p:par>
-        <p:cTn id="1" dur="indefinite" restart="never" nodeType="tmRoot"/>
+        <p:cTn id="1" dur="indefinite" restart="never" nodeType="tmRoot">
+          <p:childTnLst>
+            <p:seq concurrent="1" nextAc="seek">
+              <p:cTn id="2" dur="indefinite" nodeType="mainSeq">
+                <p:childTnLst>
+                  <p:par>
+                    <p:cTn id="3" fill="hold">
+                      <p:stCondLst>
+                        <p:cond delay="indefinite"/>
+                      </p:stCondLst>
+                      <p:childTnLst>
+                        <p:par>
+                          <p:cTn id="4" fill="hold">
+                            <p:stCondLst>
+                              <p:cond delay="0"/>
+                            </p:stCondLst>
+                            <p:childTnLst>
+                              <p:par>
+                                <p:cTn id="5" presetID="1" presetClass="entr" presetSubtype="0" fill="hold" grpId="0" nodeType="clickEffect">
+                                  <p:stCondLst>
+                                    <p:cond delay="0"/>
+                                  </p:stCondLst>
+                                  <p:childTnLst>
+                                    <p:set>
+                                      <p:cBhvr>
+                                        <p:cTn id="6" dur="1" fill="hold">
+                                          <p:stCondLst>
+                                            <p:cond delay="0"/>
+                                          </p:stCondLst>
+                                        </p:cTn>
+                                        <p:tgtEl>
+                                          <p:spTgt spid="10"/>
+                                        </p:tgtEl>
+                                        <p:attrNameLst>
+                                          <p:attrName>style.visibility</p:attrName>
+                                        </p:attrNameLst>
+                                      </p:cBhvr>
+                                      <p:to>
+                                        <p:strVal val="visible"/>
+                                      </p:to>
+                                    </p:set>
+                                  </p:childTnLst>
+                                </p:cTn>
+                              </p:par>
+                            </p:childTnLst>
+                          </p:cTn>
+                        </p:par>
+                      </p:childTnLst>
+                    </p:cTn>
+                  </p:par>
+                  <p:par>
+                    <p:cTn id="7" fill="hold">
+                      <p:stCondLst>
+                        <p:cond delay="indefinite"/>
+                      </p:stCondLst>
+                      <p:childTnLst>
+                        <p:par>
+                          <p:cTn id="8" fill="hold">
+                            <p:stCondLst>
+                              <p:cond delay="0"/>
+                            </p:stCondLst>
+                            <p:childTnLst>
+                              <p:par>
+                                <p:cTn id="9" presetID="1" presetClass="entr" presetSubtype="0" fill="hold" grpId="0" nodeType="clickEffect">
+                                  <p:stCondLst>
+                                    <p:cond delay="0"/>
+                                  </p:stCondLst>
+                                  <p:childTnLst>
+                                    <p:set>
+                                      <p:cBhvr>
+                                        <p:cTn id="10" dur="1" fill="hold">
+                                          <p:stCondLst>
+                                            <p:cond delay="0"/>
+                                          </p:stCondLst>
+                                        </p:cTn>
+                                        <p:tgtEl>
+                                          <p:spTgt spid="9"/>
+                                        </p:tgtEl>
+                                        <p:attrNameLst>
+                                          <p:attrName>style.visibility</p:attrName>
+                                        </p:attrNameLst>
+                                      </p:cBhvr>
+                                      <p:to>
+                                        <p:strVal val="visible"/>
+                                      </p:to>
+                                    </p:set>
+                                  </p:childTnLst>
+                                </p:cTn>
+                              </p:par>
+                            </p:childTnLst>
+                          </p:cTn>
+                        </p:par>
+                      </p:childTnLst>
+                    </p:cTn>
+                  </p:par>
+                  <p:par>
+                    <p:cTn id="11" fill="hold">
+                      <p:stCondLst>
+                        <p:cond delay="indefinite"/>
+                      </p:stCondLst>
+                      <p:childTnLst>
+                        <p:par>
+                          <p:cTn id="12" fill="hold">
+                            <p:stCondLst>
+                              <p:cond delay="0"/>
+                            </p:stCondLst>
+                            <p:childTnLst>
+                              <p:par>
+                                <p:cTn id="13" presetID="1" presetClass="entr" presetSubtype="0" fill="hold" grpId="0" nodeType="clickEffect">
+                                  <p:stCondLst>
+                                    <p:cond delay="0"/>
+                                  </p:stCondLst>
+                                  <p:childTnLst>
+                                    <p:set>
+                                      <p:cBhvr>
+                                        <p:cTn id="14" dur="1" fill="hold">
+                                          <p:stCondLst>
+                                            <p:cond delay="0"/>
+                                          </p:stCondLst>
+                                        </p:cTn>
+                                        <p:tgtEl>
+                                          <p:spTgt spid="7"/>
+                                        </p:tgtEl>
+                                        <p:attrNameLst>
+                                          <p:attrName>style.visibility</p:attrName>
+                                        </p:attrNameLst>
+                                      </p:cBhvr>
+                                      <p:to>
+                                        <p:strVal val="visible"/>
+                                      </p:to>
+                                    </p:set>
+                                  </p:childTnLst>
+                                </p:cTn>
+                              </p:par>
+                            </p:childTnLst>
+                          </p:cTn>
+                        </p:par>
+                      </p:childTnLst>
+                    </p:cTn>
+                  </p:par>
+                  <p:par>
+                    <p:cTn id="15" fill="hold">
+                      <p:stCondLst>
+                        <p:cond delay="indefinite"/>
+                      </p:stCondLst>
+                      <p:childTnLst>
+                        <p:par>
+                          <p:cTn id="16" fill="hold">
+                            <p:stCondLst>
+                              <p:cond delay="0"/>
+                            </p:stCondLst>
+                            <p:childTnLst>
+                              <p:par>
+                                <p:cTn id="17" presetID="1" presetClass="entr" presetSubtype="0" fill="hold" grpId="0" nodeType="clickEffect">
+                                  <p:stCondLst>
+                                    <p:cond delay="0"/>
+                                  </p:stCondLst>
+                                  <p:childTnLst>
+                                    <p:set>
+                                      <p:cBhvr>
+                                        <p:cTn id="18" dur="1" fill="hold">
+                                          <p:stCondLst>
+                                            <p:cond delay="0"/>
+                                          </p:stCondLst>
+                                        </p:cTn>
+                                        <p:tgtEl>
+                                          <p:spTgt spid="8"/>
+                                        </p:tgtEl>
+                                        <p:attrNameLst>
+                                          <p:attrName>style.visibility</p:attrName>
+                                        </p:attrNameLst>
+                                      </p:cBhvr>
+                                      <p:to>
+                                        <p:strVal val="visible"/>
+                                      </p:to>
+                                    </p:set>
+                                  </p:childTnLst>
+                                </p:cTn>
+                              </p:par>
+                            </p:childTnLst>
+                          </p:cTn>
+                        </p:par>
+                      </p:childTnLst>
+                    </p:cTn>
+                  </p:par>
+                </p:childTnLst>
+              </p:cTn>
+              <p:prevCondLst>
+                <p:cond evt="onPrev" delay="0">
+                  <p:tgtEl>
+                    <p:sldTgt/>
+                  </p:tgtEl>
+                </p:cond>
+              </p:prevCondLst>
+              <p:nextCondLst>
+                <p:cond evt="onNext" delay="0">
+                  <p:tgtEl>
+                    <p:sldTgt/>
+                  </p:tgtEl>
+                </p:cond>
+              </p:nextCondLst>
+            </p:seq>
+          </p:childTnLst>
+        </p:cTn>
       </p:par>
     </p:tnLst>
+    <p:bldLst>
+      <p:bldP spid="7" grpId="0" animBg="1"/>
+      <p:bldP spid="8" grpId="0" animBg="1"/>
+      <p:bldP spid="9" grpId="0" animBg="1"/>
+      <p:bldP spid="10" grpId="0" animBg="1"/>
+    </p:bldLst>
   </p:timing>
 </p:sld>
 </file>
 
-<file path=ppt/slides/slide15.xml><?xml version="1.0" encoding="utf-8"?>
+<file path=ppt/slides/slide16.xml><?xml version="1.0" encoding="utf-8"?>
 <p:sld xmlns:a="http://schemas.openxmlformats.org/drawingml/2006/main" xmlns:r="http://schemas.openxmlformats.org/officeDocument/2006/relationships" xmlns:p="http://schemas.openxmlformats.org/presentationml/2006/main">
   <p:cSld>
     <p:spTree>
@@ -13397,6 +13921,9 @@
           <a:prstGeom prst="rect">
             <a:avLst/>
           </a:prstGeom>
+          <a:effectLst>
+            <a:softEdge rad="63500"/>
+          </a:effectLst>
         </p:spPr>
       </p:pic>
       <p:sp>
@@ -13411,7 +13938,7 @@
         </p:nvSpPr>
         <p:spPr>
           <a:xfrm>
-            <a:off x="838200" y="903046"/>
+            <a:off x="473901" y="1027906"/>
             <a:ext cx="10515600" cy="4351338"/>
           </a:xfrm>
         </p:spPr>
@@ -13487,12 +14014,17 @@
         </p:nvSpPr>
         <p:spPr>
           <a:xfrm>
-            <a:off x="2794570" y="1690688"/>
-            <a:ext cx="1765555" cy="584744"/>
+            <a:off x="3120246" y="1690687"/>
+            <a:ext cx="2265945" cy="877149"/>
           </a:xfrm>
           <a:prstGeom prst="roundRect">
             <a:avLst/>
           </a:prstGeom>
+          <a:solidFill>
+            <a:schemeClr val="accent2">
+              <a:lumMod val="50000"/>
+            </a:schemeClr>
+          </a:solidFill>
         </p:spPr>
         <p:style>
           <a:lnRef idx="2">
@@ -13516,12 +14048,16 @@
           <a:p>
             <a:pPr algn="ctr"/>
             <a:r>
-              <a:rPr lang="en-US" dirty="0" err="1" smtClean="0"/>
-              <a:t>Symbolicated</a:t>
-            </a:r>
-            <a:r>
-              <a:rPr lang="en-US" dirty="0" smtClean="0"/>
-              <a:t> library</a:t>
+              <a:rPr lang="en-US" dirty="0"/>
+              <a:t> symbolic </a:t>
+            </a:r>
+            <a:r>
+              <a:rPr lang="en-US" dirty="0" smtClean="0"/>
+              <a:t>version shared </a:t>
+            </a:r>
+            <a:r>
+              <a:rPr lang="en-US" dirty="0"/>
+              <a:t>libraries</a:t>
             </a:r>
             <a:endParaRPr lang="en-US" dirty="0"/>
           </a:p>
@@ -13535,12 +14071,15 @@
         </p:nvSpPr>
         <p:spPr>
           <a:xfrm>
-            <a:off x="1753268" y="2697752"/>
-            <a:ext cx="1417444" cy="636998"/>
+            <a:off x="1931977" y="3401120"/>
+            <a:ext cx="1936658" cy="636998"/>
           </a:xfrm>
           <a:prstGeom prst="roundRect">
             <a:avLst/>
           </a:prstGeom>
+          <a:solidFill>
+            <a:srgbClr val="00B0F0"/>
+          </a:solidFill>
         </p:spPr>
         <p:style>
           <a:lnRef idx="2">
@@ -13587,8 +14126,8 @@
         </p:nvSpPr>
         <p:spPr>
           <a:xfrm>
-            <a:off x="1472340" y="4030890"/>
-            <a:ext cx="1979299" cy="636998"/>
+            <a:off x="1931977" y="4569451"/>
+            <a:ext cx="1936658" cy="636998"/>
           </a:xfrm>
           <a:prstGeom prst="roundRect">
             <a:avLst/>
@@ -13615,7 +14154,11 @@
           <a:lstStyle/>
           <a:p>
             <a:pPr algn="ctr"/>
-            <a:endParaRPr lang="en-US"/>
+            <a:r>
+              <a:rPr lang="en-US" dirty="0" smtClean="0"/>
+              <a:t>Result stack</a:t>
+            </a:r>
+            <a:endParaRPr lang="en-US" dirty="0"/>
           </a:p>
         </p:txBody>
       </p:sp>
@@ -13627,12 +14170,15 @@
         </p:nvSpPr>
         <p:spPr>
           <a:xfrm>
-            <a:off x="555800" y="1690688"/>
-            <a:ext cx="1521244" cy="636998"/>
+            <a:off x="339367" y="1690687"/>
+            <a:ext cx="2265945" cy="877149"/>
           </a:xfrm>
           <a:prstGeom prst="roundRect">
             <a:avLst/>
           </a:prstGeom>
+          <a:solidFill>
+            <a:srgbClr val="FFC000"/>
+          </a:solidFill>
         </p:spPr>
         <p:style>
           <a:lnRef idx="2">
@@ -13663,6 +14209,125 @@
           </a:p>
         </p:txBody>
       </p:sp>
+      <p:sp>
+        <p:nvSpPr>
+          <p:cNvPr id="2" name="Right Brace 1"/>
+          <p:cNvSpPr/>
+          <p:nvPr/>
+        </p:nvSpPr>
+        <p:spPr>
+          <a:xfrm rot="5400000">
+            <a:off x="2628131" y="1527447"/>
+            <a:ext cx="544351" cy="2855935"/>
+          </a:xfrm>
+          <a:prstGeom prst="rightBrace">
+            <a:avLst/>
+          </a:prstGeom>
+        </p:spPr>
+        <p:style>
+          <a:lnRef idx="1">
+            <a:schemeClr val="accent1"/>
+          </a:lnRef>
+          <a:fillRef idx="0">
+            <a:schemeClr val="accent1"/>
+          </a:fillRef>
+          <a:effectRef idx="0">
+            <a:schemeClr val="accent1"/>
+          </a:effectRef>
+          <a:fontRef idx="minor">
+            <a:schemeClr val="tx1"/>
+          </a:fontRef>
+        </p:style>
+        <p:txBody>
+          <a:bodyPr rtlCol="0" anchor="ctr"/>
+          <a:lstStyle/>
+          <a:p>
+            <a:pPr algn="ctr"/>
+            <a:endParaRPr lang="en-US"/>
+          </a:p>
+        </p:txBody>
+      </p:sp>
+      <p:sp>
+        <p:nvSpPr>
+          <p:cNvPr id="4" name="Plus 3"/>
+          <p:cNvSpPr/>
+          <p:nvPr/>
+        </p:nvSpPr>
+        <p:spPr>
+          <a:xfrm>
+            <a:off x="2660257" y="1953257"/>
+            <a:ext cx="424619" cy="438575"/>
+          </a:xfrm>
+          <a:prstGeom prst="mathPlus">
+            <a:avLst/>
+          </a:prstGeom>
+          <a:solidFill>
+            <a:schemeClr val="tx2">
+              <a:lumMod val="85000"/>
+            </a:schemeClr>
+          </a:solidFill>
+        </p:spPr>
+        <p:style>
+          <a:lnRef idx="2">
+            <a:schemeClr val="accent1">
+              <a:shade val="50000"/>
+            </a:schemeClr>
+          </a:lnRef>
+          <a:fillRef idx="1">
+            <a:schemeClr val="accent1"/>
+          </a:fillRef>
+          <a:effectRef idx="0">
+            <a:schemeClr val="accent1"/>
+          </a:effectRef>
+          <a:fontRef idx="minor">
+            <a:schemeClr val="lt1"/>
+          </a:fontRef>
+        </p:style>
+        <p:txBody>
+          <a:bodyPr rtlCol="0" anchor="ctr"/>
+          <a:lstStyle/>
+          <a:p>
+            <a:pPr algn="ctr"/>
+            <a:endParaRPr lang="en-US"/>
+          </a:p>
+        </p:txBody>
+      </p:sp>
+      <p:cxnSp>
+        <p:nvCxnSpPr>
+          <p:cNvPr id="11" name="Straight Arrow Connector 10"/>
+          <p:cNvCxnSpPr>
+            <a:stCxn id="9" idx="2"/>
+            <a:endCxn id="10" idx="0"/>
+          </p:cNvCxnSpPr>
+          <p:nvPr/>
+        </p:nvCxnSpPr>
+        <p:spPr>
+          <a:xfrm>
+            <a:off x="2900306" y="4038118"/>
+            <a:ext cx="0" cy="531333"/>
+          </a:xfrm>
+          <a:prstGeom prst="straightConnector1">
+            <a:avLst/>
+          </a:prstGeom>
+          <a:ln>
+            <a:tailEnd type="triangle"/>
+          </a:ln>
+        </p:spPr>
+        <p:style>
+          <a:lnRef idx="1">
+            <a:schemeClr val="accent1"/>
+          </a:lnRef>
+          <a:fillRef idx="0">
+            <a:schemeClr val="accent1"/>
+          </a:fillRef>
+          <a:effectRef idx="0">
+            <a:schemeClr val="accent1"/>
+          </a:effectRef>
+          <a:fontRef idx="minor">
+            <a:schemeClr val="tx1"/>
+          </a:fontRef>
+        </p:style>
+      </p:cxnSp>
     </p:spTree>
     <p:extLst>
       <p:ext uri="{BB962C8B-B14F-4D97-AF65-F5344CB8AC3E}">
@@ -13683,7 +14348,7 @@
 </p:sld>
 </file>
 
-<file path=ppt/slides/slide16.xml><?xml version="1.0" encoding="utf-8"?>
+<file path=ppt/slides/slide17.xml><?xml version="1.0" encoding="utf-8"?>
 <p:sld xmlns:a="http://schemas.openxmlformats.org/drawingml/2006/main" xmlns:r="http://schemas.openxmlformats.org/officeDocument/2006/relationships" xmlns:p="http://schemas.openxmlformats.org/presentationml/2006/main">
   <p:cSld>
     <p:spTree>
@@ -13720,7 +14385,6 @@
               <a:rPr lang="en-US" dirty="0"/>
               <a:t>NDK tools</a:t>
             </a:r>
-            <a:endParaRPr lang="en-US" dirty="0"/>
           </a:p>
         </p:txBody>
       </p:sp>
@@ -13751,6 +14415,15 @@
             <a:off x="0" y="3099460"/>
             <a:ext cx="12199920" cy="1852551"/>
           </a:xfrm>
+          <a:prstGeom prst="rect">
+            <a:avLst/>
+          </a:prstGeom>
+          <a:ln>
+            <a:noFill/>
+          </a:ln>
+          <a:effectLst>
+            <a:softEdge rad="112500"/>
+          </a:effectLst>
         </p:spPr>
       </p:pic>
     </p:spTree>
@@ -13763,10 +14436,17 @@
   <p:clrMapOvr>
     <a:masterClrMapping/>
   </p:clrMapOvr>
+  <p:timing>
+    <p:tnLst>
+      <p:par>
+        <p:cTn id="1" dur="indefinite" restart="never" nodeType="tmRoot"/>
+      </p:par>
+    </p:tnLst>
+  </p:timing>
 </p:sld>
 </file>
 
-<file path=ppt/slides/slide17.xml><?xml version="1.0" encoding="utf-8"?>
+<file path=ppt/slides/slide18.xml><?xml version="1.0" encoding="utf-8"?>
 <p:sld xmlns:a="http://schemas.openxmlformats.org/drawingml/2006/main" xmlns:r="http://schemas.openxmlformats.org/officeDocument/2006/relationships" xmlns:p="http://schemas.openxmlformats.org/presentationml/2006/main">
   <p:cSld>
     <p:spTree>
@@ -13832,7 +14512,7 @@
 </p:sld>
 </file>
 
-<file path=ppt/slides/slide18.xml><?xml version="1.0" encoding="utf-8"?>
+<file path=ppt/slides/slide19.xml><?xml version="1.0" encoding="utf-8"?>
 <p:sld xmlns:a="http://schemas.openxmlformats.org/drawingml/2006/main" xmlns:r="http://schemas.openxmlformats.org/officeDocument/2006/relationships" xmlns:p="http://schemas.openxmlformats.org/presentationml/2006/main">
   <p:cSld>
     <p:spTree>
@@ -13939,6 +14619,314 @@
           </a:p>
         </p:txBody>
       </p:sp>
+      <p:sp>
+        <p:nvSpPr>
+          <p:cNvPr id="6" name="Content Placeholder 2"/>
+          <p:cNvSpPr txBox="1">
+            <a:spLocks/>
+          </p:cNvSpPr>
+          <p:nvPr/>
+        </p:nvSpPr>
+        <p:spPr>
+          <a:xfrm>
+            <a:off x="838199" y="1668708"/>
+            <a:ext cx="7189519" cy="4508255"/>
+          </a:xfrm>
+          <a:prstGeom prst="rect">
+            <a:avLst/>
+          </a:prstGeom>
+        </p:spPr>
+        <p:txBody>
+          <a:bodyPr vert="horz" lIns="91440" tIns="45720" rIns="91440" bIns="45720" rtlCol="0">
+            <a:normAutofit/>
+          </a:bodyPr>
+          <a:lstStyle>
+            <a:lvl1pPr marL="228600" indent="-228600" algn="l" defTabSz="914400" rtl="0" eaLnBrk="1" latinLnBrk="0" hangingPunct="1">
+              <a:lnSpc>
+                <a:spcPct val="90000"/>
+              </a:lnSpc>
+              <a:spcBef>
+                <a:spcPts val="1000"/>
+              </a:spcBef>
+              <a:buFont typeface="Arial" panose="020B0604020202020204" pitchFamily="34" charset="0"/>
+              <a:buChar char="•"/>
+              <a:defRPr sz="2800" kern="1200">
+                <a:solidFill>
+                  <a:schemeClr val="tx1"/>
+                </a:solidFill>
+                <a:latin typeface="+mn-lt"/>
+                <a:ea typeface="+mn-ea"/>
+                <a:cs typeface="+mn-cs"/>
+              </a:defRPr>
+            </a:lvl1pPr>
+            <a:lvl2pPr marL="685800" indent="-228600" algn="l" defTabSz="914400" rtl="0" eaLnBrk="1" latinLnBrk="0" hangingPunct="1">
+              <a:lnSpc>
+                <a:spcPct val="90000"/>
+              </a:lnSpc>
+              <a:spcBef>
+                <a:spcPts val="500"/>
+              </a:spcBef>
+              <a:buFont typeface="Arial" panose="020B0604020202020204" pitchFamily="34" charset="0"/>
+              <a:buChar char="•"/>
+              <a:defRPr sz="2400" kern="1200">
+                <a:solidFill>
+                  <a:schemeClr val="tx1"/>
+                </a:solidFill>
+                <a:latin typeface="+mn-lt"/>
+                <a:ea typeface="+mn-ea"/>
+                <a:cs typeface="+mn-cs"/>
+              </a:defRPr>
+            </a:lvl2pPr>
+            <a:lvl3pPr marL="1143000" indent="-228600" algn="l" defTabSz="914400" rtl="0" eaLnBrk="1" latinLnBrk="0" hangingPunct="1">
+              <a:lnSpc>
+                <a:spcPct val="90000"/>
+              </a:lnSpc>
+              <a:spcBef>
+                <a:spcPts val="500"/>
+              </a:spcBef>
+              <a:buFont typeface="Arial" panose="020B0604020202020204" pitchFamily="34" charset="0"/>
+              <a:buChar char="•"/>
+              <a:defRPr sz="2000" kern="1200">
+                <a:solidFill>
+                  <a:schemeClr val="tx1"/>
+                </a:solidFill>
+                <a:latin typeface="+mn-lt"/>
+                <a:ea typeface="+mn-ea"/>
+                <a:cs typeface="+mn-cs"/>
+              </a:defRPr>
+            </a:lvl3pPr>
+            <a:lvl4pPr marL="1600200" indent="-228600" algn="l" defTabSz="914400" rtl="0" eaLnBrk="1" latinLnBrk="0" hangingPunct="1">
+              <a:lnSpc>
+                <a:spcPct val="90000"/>
+              </a:lnSpc>
+              <a:spcBef>
+                <a:spcPts val="500"/>
+              </a:spcBef>
+              <a:buFont typeface="Arial" panose="020B0604020202020204" pitchFamily="34" charset="0"/>
+              <a:buChar char="•"/>
+              <a:defRPr sz="1800" kern="1200">
+                <a:solidFill>
+                  <a:schemeClr val="tx1"/>
+                </a:solidFill>
+                <a:latin typeface="+mn-lt"/>
+                <a:ea typeface="+mn-ea"/>
+                <a:cs typeface="+mn-cs"/>
+              </a:defRPr>
+            </a:lvl4pPr>
+            <a:lvl5pPr marL="2057400" indent="-228600" algn="l" defTabSz="914400" rtl="0" eaLnBrk="1" latinLnBrk="0" hangingPunct="1">
+              <a:lnSpc>
+                <a:spcPct val="90000"/>
+              </a:lnSpc>
+              <a:spcBef>
+                <a:spcPts val="500"/>
+              </a:spcBef>
+              <a:buFont typeface="Arial" panose="020B0604020202020204" pitchFamily="34" charset="0"/>
+              <a:buChar char="•"/>
+              <a:defRPr sz="1800" kern="1200">
+                <a:solidFill>
+                  <a:schemeClr val="tx1"/>
+                </a:solidFill>
+                <a:latin typeface="+mn-lt"/>
+                <a:ea typeface="+mn-ea"/>
+                <a:cs typeface="+mn-cs"/>
+              </a:defRPr>
+            </a:lvl5pPr>
+            <a:lvl6pPr marL="2514600" indent="-228600" algn="l" defTabSz="914400" rtl="0" eaLnBrk="1" latinLnBrk="0" hangingPunct="1">
+              <a:lnSpc>
+                <a:spcPct val="90000"/>
+              </a:lnSpc>
+              <a:spcBef>
+                <a:spcPts val="500"/>
+              </a:spcBef>
+              <a:buFont typeface="Arial" panose="020B0604020202020204" pitchFamily="34" charset="0"/>
+              <a:buChar char="•"/>
+              <a:defRPr sz="1800" kern="1200">
+                <a:solidFill>
+                  <a:schemeClr val="tx1"/>
+                </a:solidFill>
+                <a:latin typeface="+mn-lt"/>
+                <a:ea typeface="+mn-ea"/>
+                <a:cs typeface="+mn-cs"/>
+              </a:defRPr>
+            </a:lvl6pPr>
+            <a:lvl7pPr marL="2971800" indent="-228600" algn="l" defTabSz="914400" rtl="0" eaLnBrk="1" latinLnBrk="0" hangingPunct="1">
+              <a:lnSpc>
+                <a:spcPct val="90000"/>
+              </a:lnSpc>
+              <a:spcBef>
+                <a:spcPts val="500"/>
+              </a:spcBef>
+              <a:buFont typeface="Arial" panose="020B0604020202020204" pitchFamily="34" charset="0"/>
+              <a:buChar char="•"/>
+              <a:defRPr sz="1800" kern="1200">
+                <a:solidFill>
+                  <a:schemeClr val="tx1"/>
+                </a:solidFill>
+                <a:latin typeface="+mn-lt"/>
+                <a:ea typeface="+mn-ea"/>
+                <a:cs typeface="+mn-cs"/>
+              </a:defRPr>
+            </a:lvl7pPr>
+            <a:lvl8pPr marL="3429000" indent="-228600" algn="l" defTabSz="914400" rtl="0" eaLnBrk="1" latinLnBrk="0" hangingPunct="1">
+              <a:lnSpc>
+                <a:spcPct val="90000"/>
+              </a:lnSpc>
+              <a:spcBef>
+                <a:spcPts val="500"/>
+              </a:spcBef>
+              <a:buFont typeface="Arial" panose="020B0604020202020204" pitchFamily="34" charset="0"/>
+              <a:buChar char="•"/>
+              <a:defRPr sz="1800" kern="1200">
+                <a:solidFill>
+                  <a:schemeClr val="tx1"/>
+                </a:solidFill>
+                <a:latin typeface="+mn-lt"/>
+                <a:ea typeface="+mn-ea"/>
+                <a:cs typeface="+mn-cs"/>
+              </a:defRPr>
+            </a:lvl8pPr>
+            <a:lvl9pPr marL="3886200" indent="-228600" algn="l" defTabSz="914400" rtl="0" eaLnBrk="1" latinLnBrk="0" hangingPunct="1">
+              <a:lnSpc>
+                <a:spcPct val="90000"/>
+              </a:lnSpc>
+              <a:spcBef>
+                <a:spcPts val="500"/>
+              </a:spcBef>
+              <a:buFont typeface="Arial" panose="020B0604020202020204" pitchFamily="34" charset="0"/>
+              <a:buChar char="•"/>
+              <a:defRPr sz="1800" kern="1200">
+                <a:solidFill>
+                  <a:schemeClr val="tx1"/>
+                </a:solidFill>
+                <a:latin typeface="+mn-lt"/>
+                <a:ea typeface="+mn-ea"/>
+                <a:cs typeface="+mn-cs"/>
+              </a:defRPr>
+            </a:lvl9pPr>
+          </a:lstStyle>
+          <a:p>
+            <a:r>
+              <a:rPr lang="en-US" dirty="0" smtClean="0"/>
+              <a:t>Introduction</a:t>
+            </a:r>
+          </a:p>
+          <a:p>
+            <a:r>
+              <a:rPr lang="en-US" dirty="0" smtClean="0"/>
+              <a:t>JNI table reference counting</a:t>
+            </a:r>
+          </a:p>
+          <a:p>
+            <a:r>
+              <a:rPr lang="en-US" dirty="0" smtClean="0"/>
+              <a:t>Working with NDK native threads</a:t>
+            </a:r>
+          </a:p>
+          <a:p>
+            <a:r>
+              <a:rPr lang="en-US" dirty="0" smtClean="0"/>
+              <a:t>Exception Handling</a:t>
+            </a:r>
+          </a:p>
+          <a:p>
+            <a:r>
+              <a:rPr lang="en-US" dirty="0" smtClean="0"/>
+              <a:t>Different linking issues</a:t>
+            </a:r>
+          </a:p>
+          <a:p>
+            <a:r>
+              <a:rPr lang="en-US" dirty="0" smtClean="0"/>
+              <a:t>Reduce the size of native libs</a:t>
+            </a:r>
+          </a:p>
+          <a:p>
+            <a:r>
+              <a:rPr lang="en-US" dirty="0" smtClean="0"/>
+              <a:t>NDK crash handling and NDK tools</a:t>
+            </a:r>
+          </a:p>
+        </p:txBody>
+      </p:sp>
+    </p:spTree>
+    <p:extLst>
+      <p:ext uri="{BB962C8B-B14F-4D97-AF65-F5344CB8AC3E}">
+        <p14:creationId xmlns:p14="http://schemas.microsoft.com/office/powerpoint/2010/main" val="3606916210"/>
+      </p:ext>
+    </p:extLst>
+  </p:cSld>
+  <p:clrMapOvr>
+    <a:masterClrMapping/>
+  </p:clrMapOvr>
+  <p:timing>
+    <p:tnLst>
+      <p:par>
+        <p:cTn id="1" dur="indefinite" restart="never" nodeType="tmRoot"/>
+      </p:par>
+    </p:tnLst>
+  </p:timing>
+</p:sld>
+</file>
+
+<file path=ppt/slides/slide20.xml><?xml version="1.0" encoding="utf-8"?>
+<p:sld xmlns:a="http://schemas.openxmlformats.org/drawingml/2006/main" xmlns:r="http://schemas.openxmlformats.org/officeDocument/2006/relationships" xmlns:p="http://schemas.openxmlformats.org/presentationml/2006/main">
+  <p:cSld>
+    <p:spTree>
+      <p:nvGrpSpPr>
+        <p:cNvPr id="1" name=""/>
+        <p:cNvGrpSpPr/>
+        <p:nvPr/>
+      </p:nvGrpSpPr>
+      <p:grpSpPr>
+        <a:xfrm>
+          <a:off x="0" y="0"/>
+          <a:ext cx="0" cy="0"/>
+          <a:chOff x="0" y="0"/>
+          <a:chExt cx="0" cy="0"/>
+        </a:xfrm>
+      </p:grpSpPr>
+      <p:sp>
+        <p:nvSpPr>
+          <p:cNvPr id="2" name="Title 1"/>
+          <p:cNvSpPr>
+            <a:spLocks noGrp="1"/>
+          </p:cNvSpPr>
+          <p:nvPr>
+            <p:ph type="title"/>
+          </p:nvPr>
+        </p:nvSpPr>
+        <p:spPr/>
+        <p:txBody>
+          <a:bodyPr/>
+          <a:lstStyle/>
+          <a:p>
+            <a:r>
+              <a:rPr lang="en-US" dirty="0" smtClean="0"/>
+              <a:t>Temporary.</a:t>
+            </a:r>
+            <a:endParaRPr lang="en-US" dirty="0"/>
+          </a:p>
+        </p:txBody>
+      </p:sp>
+      <p:sp>
+        <p:nvSpPr>
+          <p:cNvPr id="3" name="Content Placeholder 2"/>
+          <p:cNvSpPr>
+            <a:spLocks noGrp="1"/>
+          </p:cNvSpPr>
+          <p:nvPr>
+            <p:ph idx="1"/>
+          </p:nvPr>
+        </p:nvSpPr>
+        <p:spPr/>
+        <p:txBody>
+          <a:bodyPr/>
+          <a:lstStyle/>
+          <a:p>
+            <a:endParaRPr lang="en-US" dirty="0"/>
+          </a:p>
+        </p:txBody>
+      </p:sp>
       <p:graphicFrame>
         <p:nvGraphicFramePr>
           <p:cNvPr id="4" name="Table 3"/>
@@ -13948,13 +14936,13 @@
           <p:nvPr>
             <p:extLst>
               <p:ext uri="{D42A27DB-BD31-4B8C-83A1-F6EECF244321}">
-                <p14:modId xmlns:p14="http://schemas.microsoft.com/office/powerpoint/2010/main" val="4244789606"/>
+                <p14:modId xmlns:p14="http://schemas.microsoft.com/office/powerpoint/2010/main" val="1901085138"/>
               </p:ext>
             </p:extLst>
           </p:nvPr>
         </p:nvGraphicFramePr>
         <p:xfrm>
-          <a:off x="1354991" y="5371774"/>
+          <a:off x="4353168" y="2167414"/>
           <a:ext cx="8128000" cy="1833880"/>
         </p:xfrm>
         <a:graphic>
@@ -13967,28 +14955,28 @@
                 <a:gridCol w="2032000">
                   <a:extLst>
                     <a:ext uri="{9D8B030D-6E8A-4147-A177-3AD203B41FA5}">
-                      <a16:colId xmlns:a16="http://schemas.microsoft.com/office/drawing/2014/main" xmlns="" val="942269498"/>
+                      <a16:colId xmlns:a16="http://schemas.microsoft.com/office/drawing/2014/main" val="942269498"/>
                     </a:ext>
                   </a:extLst>
                 </a:gridCol>
                 <a:gridCol w="2032000">
                   <a:extLst>
                     <a:ext uri="{9D8B030D-6E8A-4147-A177-3AD203B41FA5}">
-                      <a16:colId xmlns:a16="http://schemas.microsoft.com/office/drawing/2014/main" xmlns="" val="436167576"/>
+                      <a16:colId xmlns:a16="http://schemas.microsoft.com/office/drawing/2014/main" val="436167576"/>
                     </a:ext>
                   </a:extLst>
                 </a:gridCol>
                 <a:gridCol w="2032000">
                   <a:extLst>
                     <a:ext uri="{9D8B030D-6E8A-4147-A177-3AD203B41FA5}">
-                      <a16:colId xmlns:a16="http://schemas.microsoft.com/office/drawing/2014/main" xmlns="" val="3241846203"/>
+                      <a16:colId xmlns:a16="http://schemas.microsoft.com/office/drawing/2014/main" val="3241846203"/>
                     </a:ext>
                   </a:extLst>
                 </a:gridCol>
                 <a:gridCol w="2032000">
                   <a:extLst>
                     <a:ext uri="{9D8B030D-6E8A-4147-A177-3AD203B41FA5}">
-                      <a16:colId xmlns:a16="http://schemas.microsoft.com/office/drawing/2014/main" xmlns="" val="163233867"/>
+                      <a16:colId xmlns:a16="http://schemas.microsoft.com/office/drawing/2014/main" val="163233867"/>
                     </a:ext>
                   </a:extLst>
                 </a:gridCol>
@@ -14241,7 +15229,7 @@
                 </a:tc>
                 <a:extLst>
                   <a:ext uri="{0D108BD9-81ED-4DB2-BD59-A6C34878D82A}">
-                    <a16:rowId xmlns:a16="http://schemas.microsoft.com/office/drawing/2014/main" xmlns="" val="3790548044"/>
+                    <a16:rowId xmlns:a16="http://schemas.microsoft.com/office/drawing/2014/main" val="3790548044"/>
                   </a:ext>
                 </a:extLst>
               </a:tr>
@@ -14288,7 +15276,7 @@
                 </a:tc>
                 <a:extLst>
                   <a:ext uri="{0D108BD9-81ED-4DB2-BD59-A6C34878D82A}">
-                    <a16:rowId xmlns:a16="http://schemas.microsoft.com/office/drawing/2014/main" xmlns="" val="2819141870"/>
+                    <a16:rowId xmlns:a16="http://schemas.microsoft.com/office/drawing/2014/main" val="2819141870"/>
                   </a:ext>
                 </a:extLst>
               </a:tr>
@@ -14296,239 +15284,10 @@
           </a:graphicData>
         </a:graphic>
       </p:graphicFrame>
-      <p:sp>
-        <p:nvSpPr>
-          <p:cNvPr id="6" name="Content Placeholder 2"/>
-          <p:cNvSpPr txBox="1">
-            <a:spLocks/>
-          </p:cNvSpPr>
-          <p:nvPr/>
-        </p:nvSpPr>
-        <p:spPr>
-          <a:xfrm>
-            <a:off x="838199" y="1668708"/>
-            <a:ext cx="7189519" cy="4508255"/>
-          </a:xfrm>
-          <a:prstGeom prst="rect">
-            <a:avLst/>
-          </a:prstGeom>
-        </p:spPr>
-        <p:txBody>
-          <a:bodyPr vert="horz" lIns="91440" tIns="45720" rIns="91440" bIns="45720" rtlCol="0">
-            <a:normAutofit/>
-          </a:bodyPr>
-          <a:lstStyle>
-            <a:lvl1pPr marL="228600" indent="-228600" algn="l" defTabSz="914400" rtl="0" eaLnBrk="1" latinLnBrk="0" hangingPunct="1">
-              <a:lnSpc>
-                <a:spcPct val="90000"/>
-              </a:lnSpc>
-              <a:spcBef>
-                <a:spcPts val="1000"/>
-              </a:spcBef>
-              <a:buFont typeface="Arial" panose="020B0604020202020204" pitchFamily="34" charset="0"/>
-              <a:buChar char="•"/>
-              <a:defRPr sz="2800" kern="1200">
-                <a:solidFill>
-                  <a:schemeClr val="tx1"/>
-                </a:solidFill>
-                <a:latin typeface="+mn-lt"/>
-                <a:ea typeface="+mn-ea"/>
-                <a:cs typeface="+mn-cs"/>
-              </a:defRPr>
-            </a:lvl1pPr>
-            <a:lvl2pPr marL="685800" indent="-228600" algn="l" defTabSz="914400" rtl="0" eaLnBrk="1" latinLnBrk="0" hangingPunct="1">
-              <a:lnSpc>
-                <a:spcPct val="90000"/>
-              </a:lnSpc>
-              <a:spcBef>
-                <a:spcPts val="500"/>
-              </a:spcBef>
-              <a:buFont typeface="Arial" panose="020B0604020202020204" pitchFamily="34" charset="0"/>
-              <a:buChar char="•"/>
-              <a:defRPr sz="2400" kern="1200">
-                <a:solidFill>
-                  <a:schemeClr val="tx1"/>
-                </a:solidFill>
-                <a:latin typeface="+mn-lt"/>
-                <a:ea typeface="+mn-ea"/>
-                <a:cs typeface="+mn-cs"/>
-              </a:defRPr>
-            </a:lvl2pPr>
-            <a:lvl3pPr marL="1143000" indent="-228600" algn="l" defTabSz="914400" rtl="0" eaLnBrk="1" latinLnBrk="0" hangingPunct="1">
-              <a:lnSpc>
-                <a:spcPct val="90000"/>
-              </a:lnSpc>
-              <a:spcBef>
-                <a:spcPts val="500"/>
-              </a:spcBef>
-              <a:buFont typeface="Arial" panose="020B0604020202020204" pitchFamily="34" charset="0"/>
-              <a:buChar char="•"/>
-              <a:defRPr sz="2000" kern="1200">
-                <a:solidFill>
-                  <a:schemeClr val="tx1"/>
-                </a:solidFill>
-                <a:latin typeface="+mn-lt"/>
-                <a:ea typeface="+mn-ea"/>
-                <a:cs typeface="+mn-cs"/>
-              </a:defRPr>
-            </a:lvl3pPr>
-            <a:lvl4pPr marL="1600200" indent="-228600" algn="l" defTabSz="914400" rtl="0" eaLnBrk="1" latinLnBrk="0" hangingPunct="1">
-              <a:lnSpc>
-                <a:spcPct val="90000"/>
-              </a:lnSpc>
-              <a:spcBef>
-                <a:spcPts val="500"/>
-              </a:spcBef>
-              <a:buFont typeface="Arial" panose="020B0604020202020204" pitchFamily="34" charset="0"/>
-              <a:buChar char="•"/>
-              <a:defRPr sz="1800" kern="1200">
-                <a:solidFill>
-                  <a:schemeClr val="tx1"/>
-                </a:solidFill>
-                <a:latin typeface="+mn-lt"/>
-                <a:ea typeface="+mn-ea"/>
-                <a:cs typeface="+mn-cs"/>
-              </a:defRPr>
-            </a:lvl4pPr>
-            <a:lvl5pPr marL="2057400" indent="-228600" algn="l" defTabSz="914400" rtl="0" eaLnBrk="1" latinLnBrk="0" hangingPunct="1">
-              <a:lnSpc>
-                <a:spcPct val="90000"/>
-              </a:lnSpc>
-              <a:spcBef>
-                <a:spcPts val="500"/>
-              </a:spcBef>
-              <a:buFont typeface="Arial" panose="020B0604020202020204" pitchFamily="34" charset="0"/>
-              <a:buChar char="•"/>
-              <a:defRPr sz="1800" kern="1200">
-                <a:solidFill>
-                  <a:schemeClr val="tx1"/>
-                </a:solidFill>
-                <a:latin typeface="+mn-lt"/>
-                <a:ea typeface="+mn-ea"/>
-                <a:cs typeface="+mn-cs"/>
-              </a:defRPr>
-            </a:lvl5pPr>
-            <a:lvl6pPr marL="2514600" indent="-228600" algn="l" defTabSz="914400" rtl="0" eaLnBrk="1" latinLnBrk="0" hangingPunct="1">
-              <a:lnSpc>
-                <a:spcPct val="90000"/>
-              </a:lnSpc>
-              <a:spcBef>
-                <a:spcPts val="500"/>
-              </a:spcBef>
-              <a:buFont typeface="Arial" panose="020B0604020202020204" pitchFamily="34" charset="0"/>
-              <a:buChar char="•"/>
-              <a:defRPr sz="1800" kern="1200">
-                <a:solidFill>
-                  <a:schemeClr val="tx1"/>
-                </a:solidFill>
-                <a:latin typeface="+mn-lt"/>
-                <a:ea typeface="+mn-ea"/>
-                <a:cs typeface="+mn-cs"/>
-              </a:defRPr>
-            </a:lvl6pPr>
-            <a:lvl7pPr marL="2971800" indent="-228600" algn="l" defTabSz="914400" rtl="0" eaLnBrk="1" latinLnBrk="0" hangingPunct="1">
-              <a:lnSpc>
-                <a:spcPct val="90000"/>
-              </a:lnSpc>
-              <a:spcBef>
-                <a:spcPts val="500"/>
-              </a:spcBef>
-              <a:buFont typeface="Arial" panose="020B0604020202020204" pitchFamily="34" charset="0"/>
-              <a:buChar char="•"/>
-              <a:defRPr sz="1800" kern="1200">
-                <a:solidFill>
-                  <a:schemeClr val="tx1"/>
-                </a:solidFill>
-                <a:latin typeface="+mn-lt"/>
-                <a:ea typeface="+mn-ea"/>
-                <a:cs typeface="+mn-cs"/>
-              </a:defRPr>
-            </a:lvl7pPr>
-            <a:lvl8pPr marL="3429000" indent="-228600" algn="l" defTabSz="914400" rtl="0" eaLnBrk="1" latinLnBrk="0" hangingPunct="1">
-              <a:lnSpc>
-                <a:spcPct val="90000"/>
-              </a:lnSpc>
-              <a:spcBef>
-                <a:spcPts val="500"/>
-              </a:spcBef>
-              <a:buFont typeface="Arial" panose="020B0604020202020204" pitchFamily="34" charset="0"/>
-              <a:buChar char="•"/>
-              <a:defRPr sz="1800" kern="1200">
-                <a:solidFill>
-                  <a:schemeClr val="tx1"/>
-                </a:solidFill>
-                <a:latin typeface="+mn-lt"/>
-                <a:ea typeface="+mn-ea"/>
-                <a:cs typeface="+mn-cs"/>
-              </a:defRPr>
-            </a:lvl8pPr>
-            <a:lvl9pPr marL="3886200" indent="-228600" algn="l" defTabSz="914400" rtl="0" eaLnBrk="1" latinLnBrk="0" hangingPunct="1">
-              <a:lnSpc>
-                <a:spcPct val="90000"/>
-              </a:lnSpc>
-              <a:spcBef>
-                <a:spcPts val="500"/>
-              </a:spcBef>
-              <a:buFont typeface="Arial" panose="020B0604020202020204" pitchFamily="34" charset="0"/>
-              <a:buChar char="•"/>
-              <a:defRPr sz="1800" kern="1200">
-                <a:solidFill>
-                  <a:schemeClr val="tx1"/>
-                </a:solidFill>
-                <a:latin typeface="+mn-lt"/>
-                <a:ea typeface="+mn-ea"/>
-                <a:cs typeface="+mn-cs"/>
-              </a:defRPr>
-            </a:lvl9pPr>
-          </a:lstStyle>
-          <a:p>
-            <a:r>
-              <a:rPr lang="en-US" dirty="0" smtClean="0"/>
-              <a:t>Introduction</a:t>
-            </a:r>
-          </a:p>
-          <a:p>
-            <a:r>
-              <a:rPr lang="en-US" dirty="0" smtClean="0"/>
-              <a:t>JNI table reference counting</a:t>
-            </a:r>
-          </a:p>
-          <a:p>
-            <a:r>
-              <a:rPr lang="en-US" dirty="0" smtClean="0"/>
-              <a:t>Working with NDK native threads</a:t>
-            </a:r>
-          </a:p>
-          <a:p>
-            <a:r>
-              <a:rPr lang="en-US" dirty="0" smtClean="0"/>
-              <a:t>Exception Handling</a:t>
-            </a:r>
-          </a:p>
-          <a:p>
-            <a:r>
-              <a:rPr lang="en-US" dirty="0" smtClean="0"/>
-              <a:t>Different linking issues</a:t>
-            </a:r>
-          </a:p>
-          <a:p>
-            <a:r>
-              <a:rPr lang="en-US" dirty="0" smtClean="0"/>
-              <a:t>Reduce the size of native libs</a:t>
-            </a:r>
-          </a:p>
-          <a:p>
-            <a:r>
-              <a:rPr lang="en-US" dirty="0" smtClean="0"/>
-              <a:t>NDK crash handling and NDK tools</a:t>
-            </a:r>
-          </a:p>
-        </p:txBody>
-      </p:sp>
     </p:spTree>
     <p:extLst>
       <p:ext uri="{BB962C8B-B14F-4D97-AF65-F5344CB8AC3E}">
-        <p14:creationId xmlns:p14="http://schemas.microsoft.com/office/powerpoint/2010/main" val="3606916210"/>
+        <p14:creationId xmlns:p14="http://schemas.microsoft.com/office/powerpoint/2010/main" val="1850610908"/>
       </p:ext>
     </p:extLst>
   </p:cSld>
@@ -14641,6 +15400,14 @@
           <a:prstGeom prst="rect">
             <a:avLst/>
           </a:prstGeom>
+          <a:effectLst>
+            <a:outerShdw blurRad="317500" dir="8100000" sx="107000" sy="107000" algn="tr" rotWithShape="0">
+              <a:schemeClr val="tx1">
+                <a:alpha val="9000"/>
+              </a:schemeClr>
+            </a:outerShdw>
+            <a:softEdge rad="88900"/>
+          </a:effectLst>
         </p:spPr>
       </p:pic>
     </p:spTree>
@@ -14911,7 +15678,7 @@
         </p:nvSpPr>
         <p:spPr>
           <a:xfrm>
-            <a:off x="5946531" y="4249244"/>
+            <a:off x="5128067" y="4206386"/>
             <a:ext cx="1995854" cy="567103"/>
           </a:xfrm>
           <a:prstGeom prst="roundRect">
@@ -14958,8 +15725,8 @@
         </p:nvSpPr>
         <p:spPr>
           <a:xfrm>
-            <a:off x="8604738" y="4249244"/>
-            <a:ext cx="2130669" cy="567103"/>
+            <a:off x="7284973" y="4743092"/>
+            <a:ext cx="2317958" cy="567103"/>
           </a:xfrm>
           <a:prstGeom prst="roundRect">
             <a:avLst/>
@@ -15009,7 +15776,7 @@
         </p:nvSpPr>
         <p:spPr>
           <a:xfrm>
-            <a:off x="9797562" y="3215785"/>
+            <a:off x="9718431" y="2905490"/>
             <a:ext cx="1995854" cy="567103"/>
           </a:xfrm>
           <a:prstGeom prst="roundRect">
@@ -15066,9 +15833,9 @@
           <p:nvPr/>
         </p:nvCxnSpPr>
         <p:spPr>
-          <a:xfrm>
-            <a:off x="9161585" y="3499337"/>
-            <a:ext cx="635977" cy="0"/>
+          <a:xfrm flipV="1">
+            <a:off x="9161585" y="3189042"/>
+            <a:ext cx="556846" cy="310295"/>
           </a:xfrm>
           <a:prstGeom prst="straightConnector1">
             <a:avLst/>
@@ -15105,7 +15872,7 @@
         <p:spPr>
           <a:xfrm>
             <a:off x="8163659" y="3782889"/>
-            <a:ext cx="1506414" cy="466355"/>
+            <a:ext cx="280293" cy="960203"/>
           </a:xfrm>
           <a:prstGeom prst="straightConnector1">
             <a:avLst/>
@@ -15141,8 +15908,8 @@
         </p:nvCxnSpPr>
         <p:spPr>
           <a:xfrm flipH="1">
-            <a:off x="6944458" y="3782889"/>
-            <a:ext cx="1219201" cy="466355"/>
+            <a:off x="6125994" y="3782889"/>
+            <a:ext cx="2037665" cy="423497"/>
           </a:xfrm>
           <a:prstGeom prst="straightConnector1">
             <a:avLst/>
@@ -15214,6 +15981,98 @@
           <a:xfrm>
             <a:off x="8152462" y="2927838"/>
             <a:ext cx="0" cy="261204"/>
+          </a:xfrm>
+          <a:prstGeom prst="straightConnector1">
+            <a:avLst/>
+          </a:prstGeom>
+          <a:ln>
+            <a:headEnd type="triangle"/>
+            <a:tailEnd type="triangle"/>
+          </a:ln>
+        </p:spPr>
+        <p:style>
+          <a:lnRef idx="1">
+            <a:schemeClr val="accent1"/>
+          </a:lnRef>
+          <a:fillRef idx="0">
+            <a:schemeClr val="accent1"/>
+          </a:fillRef>
+          <a:effectRef idx="0">
+            <a:schemeClr val="accent1"/>
+          </a:effectRef>
+          <a:fontRef idx="minor">
+            <a:schemeClr val="tx1"/>
+          </a:fontRef>
+        </p:style>
+      </p:cxnSp>
+      <p:sp>
+        <p:nvSpPr>
+          <p:cNvPr id="18" name="Rounded Rectangle 17"/>
+          <p:cNvSpPr/>
+          <p:nvPr/>
+        </p:nvSpPr>
+        <p:spPr>
+          <a:xfrm>
+            <a:off x="9357946" y="3922835"/>
+            <a:ext cx="1995854" cy="567103"/>
+          </a:xfrm>
+          <a:prstGeom prst="roundRect">
+            <a:avLst/>
+          </a:prstGeom>
+          <a:solidFill>
+            <a:srgbClr val="7030A0"/>
+          </a:solidFill>
+        </p:spPr>
+        <p:style>
+          <a:lnRef idx="2">
+            <a:schemeClr val="accent1">
+              <a:shade val="50000"/>
+            </a:schemeClr>
+          </a:lnRef>
+          <a:fillRef idx="1">
+            <a:schemeClr val="accent1"/>
+          </a:fillRef>
+          <a:effectRef idx="0">
+            <a:schemeClr val="accent1"/>
+          </a:effectRef>
+          <a:fontRef idx="minor">
+            <a:schemeClr val="lt1"/>
+          </a:fontRef>
+        </p:style>
+        <p:txBody>
+          <a:bodyPr rtlCol="0" anchor="ctr"/>
+          <a:lstStyle/>
+          <a:p>
+            <a:pPr algn="ctr"/>
+            <a:r>
+              <a:rPr lang="en-US" dirty="0" smtClean="0"/>
+              <a:t>Win </a:t>
+            </a:r>
+            <a:r>
+              <a:rPr lang="en-US" dirty="0" smtClean="0"/>
+              <a:t>mobile </a:t>
+            </a:r>
+            <a:r>
+              <a:rPr lang="en-US" dirty="0" smtClean="0"/>
+              <a:t>C++</a:t>
+            </a:r>
+            <a:endParaRPr lang="en-US" dirty="0"/>
+          </a:p>
+        </p:txBody>
+      </p:sp>
+      <p:cxnSp>
+        <p:nvCxnSpPr>
+          <p:cNvPr id="19" name="Straight Arrow Connector 18"/>
+          <p:cNvCxnSpPr>
+            <a:stCxn id="6" idx="2"/>
+            <a:endCxn id="18" idx="1"/>
+          </p:cNvCxnSpPr>
+          <p:nvPr/>
+        </p:nvCxnSpPr>
+        <p:spPr>
+          <a:xfrm>
+            <a:off x="8163659" y="3782889"/>
+            <a:ext cx="1194287" cy="423498"/>
           </a:xfrm>
           <a:prstGeom prst="straightConnector1">
             <a:avLst/>
@@ -15462,7 +16321,7 @@
                                           </p:stCondLst>
                                         </p:cTn>
                                         <p:tgtEl>
-                                          <p:spTgt spid="6"/>
+                                          <p:spTgt spid="18"/>
                                         </p:tgtEl>
                                         <p:attrNameLst>
                                           <p:attrName>style.visibility</p:attrName>
@@ -15494,7 +16353,7 @@
                             </p:stCondLst>
                             <p:childTnLst>
                               <p:par>
-                                <p:cTn id="25" presetID="53" presetClass="entr" presetSubtype="16" fill="hold" nodeType="clickEffect">
+                                <p:cTn id="25" presetID="1" presetClass="entr" presetSubtype="0" fill="hold" grpId="0" nodeType="clickEffect">
                                   <p:stCondLst>
                                     <p:cond delay="0"/>
                                   </p:stCondLst>
@@ -15502,6 +16361,51 @@
                                     <p:set>
                                       <p:cBhvr>
                                         <p:cTn id="26" dur="1" fill="hold">
+                                          <p:stCondLst>
+                                            <p:cond delay="0"/>
+                                          </p:stCondLst>
+                                        </p:cTn>
+                                        <p:tgtEl>
+                                          <p:spTgt spid="6"/>
+                                        </p:tgtEl>
+                                        <p:attrNameLst>
+                                          <p:attrName>style.visibility</p:attrName>
+                                        </p:attrNameLst>
+                                      </p:cBhvr>
+                                      <p:to>
+                                        <p:strVal val="visible"/>
+                                      </p:to>
+                                    </p:set>
+                                  </p:childTnLst>
+                                </p:cTn>
+                              </p:par>
+                            </p:childTnLst>
+                          </p:cTn>
+                        </p:par>
+                      </p:childTnLst>
+                    </p:cTn>
+                  </p:par>
+                  <p:par>
+                    <p:cTn id="27" fill="hold">
+                      <p:stCondLst>
+                        <p:cond delay="indefinite"/>
+                      </p:stCondLst>
+                      <p:childTnLst>
+                        <p:par>
+                          <p:cTn id="28" fill="hold">
+                            <p:stCondLst>
+                              <p:cond delay="0"/>
+                            </p:stCondLst>
+                            <p:childTnLst>
+                              <p:par>
+                                <p:cTn id="29" presetID="53" presetClass="entr" presetSubtype="16" fill="hold" nodeType="clickEffect">
+                                  <p:stCondLst>
+                                    <p:cond delay="0"/>
+                                  </p:stCondLst>
+                                  <p:childTnLst>
+                                    <p:set>
+                                      <p:cBhvr>
+                                        <p:cTn id="30" dur="1" fill="hold">
                                           <p:stCondLst>
                                             <p:cond delay="0"/>
                                           </p:stCondLst>
@@ -15519,7 +16423,7 @@
                                     </p:set>
                                     <p:anim calcmode="lin" valueType="num">
                                       <p:cBhvr>
-                                        <p:cTn id="27" dur="500" fill="hold"/>
+                                        <p:cTn id="31" dur="500" fill="hold"/>
                                         <p:tgtEl>
                                           <p:spTgt spid="48"/>
                                         </p:tgtEl>
@@ -15542,7 +16446,7 @@
                                     </p:anim>
                                     <p:anim calcmode="lin" valueType="num">
                                       <p:cBhvr>
-                                        <p:cTn id="28" dur="500" fill="hold"/>
+                                        <p:cTn id="32" dur="500" fill="hold"/>
                                         <p:tgtEl>
                                           <p:spTgt spid="48"/>
                                         </p:tgtEl>
@@ -15565,7 +16469,7 @@
                                     </p:anim>
                                     <p:animEffect transition="in" filter="fade">
                                       <p:cBhvr>
-                                        <p:cTn id="29" dur="500"/>
+                                        <p:cTn id="33" dur="500"/>
                                         <p:tgtEl>
                                           <p:spTgt spid="48"/>
                                         </p:tgtEl>
@@ -15581,26 +16485,26 @@
                     </p:cTn>
                   </p:par>
                   <p:par>
-                    <p:cTn id="30" fill="hold">
+                    <p:cTn id="34" fill="hold">
                       <p:stCondLst>
                         <p:cond delay="indefinite"/>
                       </p:stCondLst>
                       <p:childTnLst>
                         <p:par>
-                          <p:cTn id="31" fill="hold">
+                          <p:cTn id="35" fill="hold">
                             <p:stCondLst>
                               <p:cond delay="0"/>
                             </p:stCondLst>
                             <p:childTnLst>
                               <p:par>
-                                <p:cTn id="32" presetID="53" presetClass="entr" presetSubtype="16" fill="hold" nodeType="clickEffect">
+                                <p:cTn id="36" presetID="53" presetClass="entr" presetSubtype="16" fill="hold" nodeType="clickEffect">
                                   <p:stCondLst>
                                     <p:cond delay="0"/>
                                   </p:stCondLst>
                                   <p:childTnLst>
                                     <p:set>
                                       <p:cBhvr>
-                                        <p:cTn id="33" dur="1" fill="hold">
+                                        <p:cTn id="37" dur="1" fill="hold">
                                           <p:stCondLst>
                                             <p:cond delay="0"/>
                                           </p:stCondLst>
@@ -15618,7 +16522,7 @@
                                     </p:set>
                                     <p:anim calcmode="lin" valueType="num">
                                       <p:cBhvr>
-                                        <p:cTn id="34" dur="500" fill="hold"/>
+                                        <p:cTn id="38" dur="500" fill="hold"/>
                                         <p:tgtEl>
                                           <p:spTgt spid="45"/>
                                         </p:tgtEl>
@@ -15641,7 +16545,7 @@
                                     </p:anim>
                                     <p:anim calcmode="lin" valueType="num">
                                       <p:cBhvr>
-                                        <p:cTn id="35" dur="500" fill="hold"/>
+                                        <p:cTn id="39" dur="500" fill="hold"/>
                                         <p:tgtEl>
                                           <p:spTgt spid="45"/>
                                         </p:tgtEl>
@@ -15664,7 +16568,7 @@
                                     </p:anim>
                                     <p:animEffect transition="in" filter="fade">
                                       <p:cBhvr>
-                                        <p:cTn id="36" dur="500"/>
+                                        <p:cTn id="40" dur="500"/>
                                         <p:tgtEl>
                                           <p:spTgt spid="45"/>
                                         </p:tgtEl>
@@ -15680,26 +16584,26 @@
                     </p:cTn>
                   </p:par>
                   <p:par>
-                    <p:cTn id="37" fill="hold">
+                    <p:cTn id="41" fill="hold">
                       <p:stCondLst>
                         <p:cond delay="indefinite"/>
                       </p:stCondLst>
                       <p:childTnLst>
                         <p:par>
-                          <p:cTn id="38" fill="hold">
+                          <p:cTn id="42" fill="hold">
                             <p:stCondLst>
                               <p:cond delay="0"/>
                             </p:stCondLst>
                             <p:childTnLst>
                               <p:par>
-                                <p:cTn id="39" presetID="53" presetClass="entr" presetSubtype="16" fill="hold" nodeType="clickEffect">
+                                <p:cTn id="43" presetID="53" presetClass="entr" presetSubtype="16" fill="hold" nodeType="clickEffect">
                                   <p:stCondLst>
                                     <p:cond delay="0"/>
                                   </p:stCondLst>
                                   <p:childTnLst>
                                     <p:set>
                                       <p:cBhvr>
-                                        <p:cTn id="40" dur="1" fill="hold">
+                                        <p:cTn id="44" dur="1" fill="hold">
                                           <p:stCondLst>
                                             <p:cond delay="0"/>
                                           </p:stCondLst>
@@ -15717,7 +16621,7 @@
                                     </p:set>
                                     <p:anim calcmode="lin" valueType="num">
                                       <p:cBhvr>
-                                        <p:cTn id="41" dur="500" fill="hold"/>
+                                        <p:cTn id="45" dur="500" fill="hold"/>
                                         <p:tgtEl>
                                           <p:spTgt spid="40"/>
                                         </p:tgtEl>
@@ -15740,7 +16644,7 @@
                                     </p:anim>
                                     <p:anim calcmode="lin" valueType="num">
                                       <p:cBhvr>
-                                        <p:cTn id="42" dur="500" fill="hold"/>
+                                        <p:cTn id="46" dur="500" fill="hold"/>
                                         <p:tgtEl>
                                           <p:spTgt spid="40"/>
                                         </p:tgtEl>
@@ -15763,57 +16667,12 @@
                                     </p:anim>
                                     <p:animEffect transition="in" filter="fade">
                                       <p:cBhvr>
-                                        <p:cTn id="43" dur="500"/>
+                                        <p:cTn id="47" dur="500"/>
                                         <p:tgtEl>
                                           <p:spTgt spid="40"/>
                                         </p:tgtEl>
                                       </p:cBhvr>
                                     </p:animEffect>
-                                  </p:childTnLst>
-                                </p:cTn>
-                              </p:par>
-                            </p:childTnLst>
-                          </p:cTn>
-                        </p:par>
-                      </p:childTnLst>
-                    </p:cTn>
-                  </p:par>
-                  <p:par>
-                    <p:cTn id="44" fill="hold">
-                      <p:stCondLst>
-                        <p:cond delay="indefinite"/>
-                      </p:stCondLst>
-                      <p:childTnLst>
-                        <p:par>
-                          <p:cTn id="45" fill="hold">
-                            <p:stCondLst>
-                              <p:cond delay="0"/>
-                            </p:stCondLst>
-                            <p:childTnLst>
-                              <p:par>
-                                <p:cTn id="46" presetID="1" presetClass="entr" presetSubtype="0" fill="hold" grpId="0" nodeType="clickEffect">
-                                  <p:stCondLst>
-                                    <p:cond delay="0"/>
-                                  </p:stCondLst>
-                                  <p:childTnLst>
-                                    <p:set>
-                                      <p:cBhvr>
-                                        <p:cTn id="47" dur="1" fill="hold">
-                                          <p:stCondLst>
-                                            <p:cond delay="0"/>
-                                          </p:stCondLst>
-                                        </p:cTn>
-                                        <p:tgtEl>
-                                          <p:spTgt spid="22"/>
-                                        </p:tgtEl>
-                                        <p:attrNameLst>
-                                          <p:attrName>style.visibility</p:attrName>
-                                        </p:attrNameLst>
-                                      </p:cBhvr>
-                                      <p:to>
-                                        <p:strVal val="visible"/>
-                                      </p:to>
-                                    </p:set>
                                   </p:childTnLst>
                                 </p:cTn>
                               </p:par>
@@ -15849,7 +16708,7 @@
                                           </p:stCondLst>
                                         </p:cTn>
                                         <p:tgtEl>
-                                          <p:spTgt spid="51"/>
+                                          <p:spTgt spid="19"/>
                                         </p:tgtEl>
                                         <p:attrNameLst>
                                           <p:attrName>style.visibility</p:attrName>
@@ -15863,7 +16722,7 @@
                                       <p:cBhvr>
                                         <p:cTn id="52" dur="500" fill="hold"/>
                                         <p:tgtEl>
-                                          <p:spTgt spid="51"/>
+                                          <p:spTgt spid="19"/>
                                         </p:tgtEl>
                                         <p:attrNameLst>
                                           <p:attrName>ppt_w</p:attrName>
@@ -15886,7 +16745,7 @@
                                       <p:cBhvr>
                                         <p:cTn id="53" dur="500" fill="hold"/>
                                         <p:tgtEl>
-                                          <p:spTgt spid="51"/>
+                                          <p:spTgt spid="19"/>
                                         </p:tgtEl>
                                         <p:attrNameLst>
                                           <p:attrName>ppt_h</p:attrName>
@@ -15909,7 +16768,7 @@
                                       <p:cBhvr>
                                         <p:cTn id="54" dur="500"/>
                                         <p:tgtEl>
-                                          <p:spTgt spid="51"/>
+                                          <p:spTgt spid="19"/>
                                         </p:tgtEl>
                                       </p:cBhvr>
                                     </p:animEffect>
@@ -15935,7 +16794,7 @@
                             </p:stCondLst>
                             <p:childTnLst>
                               <p:par>
-                                <p:cTn id="57" presetID="53" presetClass="entr" presetSubtype="16" fill="hold" nodeType="clickEffect">
+                                <p:cTn id="57" presetID="1" presetClass="entr" presetSubtype="0" fill="hold" grpId="0" nodeType="clickEffect">
                                   <p:stCondLst>
                                     <p:cond delay="0"/>
                                   </p:stCondLst>
@@ -15943,6 +16802,150 @@
                                     <p:set>
                                       <p:cBhvr>
                                         <p:cTn id="58" dur="1" fill="hold">
+                                          <p:stCondLst>
+                                            <p:cond delay="0"/>
+                                          </p:stCondLst>
+                                        </p:cTn>
+                                        <p:tgtEl>
+                                          <p:spTgt spid="22"/>
+                                        </p:tgtEl>
+                                        <p:attrNameLst>
+                                          <p:attrName>style.visibility</p:attrName>
+                                        </p:attrNameLst>
+                                      </p:cBhvr>
+                                      <p:to>
+                                        <p:strVal val="visible"/>
+                                      </p:to>
+                                    </p:set>
+                                  </p:childTnLst>
+                                </p:cTn>
+                              </p:par>
+                            </p:childTnLst>
+                          </p:cTn>
+                        </p:par>
+                      </p:childTnLst>
+                    </p:cTn>
+                  </p:par>
+                  <p:par>
+                    <p:cTn id="59" fill="hold">
+                      <p:stCondLst>
+                        <p:cond delay="indefinite"/>
+                      </p:stCondLst>
+                      <p:childTnLst>
+                        <p:par>
+                          <p:cTn id="60" fill="hold">
+                            <p:stCondLst>
+                              <p:cond delay="0"/>
+                            </p:stCondLst>
+                            <p:childTnLst>
+                              <p:par>
+                                <p:cTn id="61" presetID="53" presetClass="entr" presetSubtype="16" fill="hold" nodeType="clickEffect">
+                                  <p:stCondLst>
+                                    <p:cond delay="0"/>
+                                  </p:stCondLst>
+                                  <p:childTnLst>
+                                    <p:set>
+                                      <p:cBhvr>
+                                        <p:cTn id="62" dur="1" fill="hold">
+                                          <p:stCondLst>
+                                            <p:cond delay="0"/>
+                                          </p:stCondLst>
+                                        </p:cTn>
+                                        <p:tgtEl>
+                                          <p:spTgt spid="51"/>
+                                        </p:tgtEl>
+                                        <p:attrNameLst>
+                                          <p:attrName>style.visibility</p:attrName>
+                                        </p:attrNameLst>
+                                      </p:cBhvr>
+                                      <p:to>
+                                        <p:strVal val="visible"/>
+                                      </p:to>
+                                    </p:set>
+                                    <p:anim calcmode="lin" valueType="num">
+                                      <p:cBhvr>
+                                        <p:cTn id="63" dur="500" fill="hold"/>
+                                        <p:tgtEl>
+                                          <p:spTgt spid="51"/>
+                                        </p:tgtEl>
+                                        <p:attrNameLst>
+                                          <p:attrName>ppt_w</p:attrName>
+                                        </p:attrNameLst>
+                                      </p:cBhvr>
+                                      <p:tavLst>
+                                        <p:tav tm="0">
+                                          <p:val>
+                                            <p:fltVal val="0"/>
+                                          </p:val>
+                                        </p:tav>
+                                        <p:tav tm="100000">
+                                          <p:val>
+                                            <p:strVal val="#ppt_w"/>
+                                          </p:val>
+                                        </p:tav>
+                                      </p:tavLst>
+                                    </p:anim>
+                                    <p:anim calcmode="lin" valueType="num">
+                                      <p:cBhvr>
+                                        <p:cTn id="64" dur="500" fill="hold"/>
+                                        <p:tgtEl>
+                                          <p:spTgt spid="51"/>
+                                        </p:tgtEl>
+                                        <p:attrNameLst>
+                                          <p:attrName>ppt_h</p:attrName>
+                                        </p:attrNameLst>
+                                      </p:cBhvr>
+                                      <p:tavLst>
+                                        <p:tav tm="0">
+                                          <p:val>
+                                            <p:fltVal val="0"/>
+                                          </p:val>
+                                        </p:tav>
+                                        <p:tav tm="100000">
+                                          <p:val>
+                                            <p:strVal val="#ppt_h"/>
+                                          </p:val>
+                                        </p:tav>
+                                      </p:tavLst>
+                                    </p:anim>
+                                    <p:animEffect transition="in" filter="fade">
+                                      <p:cBhvr>
+                                        <p:cTn id="65" dur="500"/>
+                                        <p:tgtEl>
+                                          <p:spTgt spid="51"/>
+                                        </p:tgtEl>
+                                      </p:cBhvr>
+                                    </p:animEffect>
+                                  </p:childTnLst>
+                                </p:cTn>
+                              </p:par>
+                            </p:childTnLst>
+                          </p:cTn>
+                        </p:par>
+                      </p:childTnLst>
+                    </p:cTn>
+                  </p:par>
+                  <p:par>
+                    <p:cTn id="66" fill="hold">
+                      <p:stCondLst>
+                        <p:cond delay="indefinite"/>
+                      </p:stCondLst>
+                      <p:childTnLst>
+                        <p:par>
+                          <p:cTn id="67" fill="hold">
+                            <p:stCondLst>
+                              <p:cond delay="0"/>
+                            </p:stCondLst>
+                            <p:childTnLst>
+                              <p:par>
+                                <p:cTn id="68" presetID="53" presetClass="entr" presetSubtype="16" fill="hold" nodeType="clickEffect">
+                                  <p:stCondLst>
+                                    <p:cond delay="0"/>
+                                  </p:stCondLst>
+                                  <p:childTnLst>
+                                    <p:set>
+                                      <p:cBhvr>
+                                        <p:cTn id="69" dur="1" fill="hold">
                                           <p:stCondLst>
                                             <p:cond delay="0"/>
                                           </p:stCondLst>
@@ -15960,7 +16963,7 @@
                                     </p:set>
                                     <p:anim calcmode="lin" valueType="num">
                                       <p:cBhvr>
-                                        <p:cTn id="59" dur="500" fill="hold"/>
+                                        <p:cTn id="70" dur="500" fill="hold"/>
                                         <p:tgtEl>
                                           <p:spTgt spid="58"/>
                                         </p:tgtEl>
@@ -15983,7 +16986,7 @@
                                     </p:anim>
                                     <p:anim calcmode="lin" valueType="num">
                                       <p:cBhvr>
-                                        <p:cTn id="60" dur="500" fill="hold"/>
+                                        <p:cTn id="71" dur="500" fill="hold"/>
                                         <p:tgtEl>
                                           <p:spTgt spid="58"/>
                                         </p:tgtEl>
@@ -16006,7 +17009,7 @@
                                     </p:anim>
                                     <p:animEffect transition="in" filter="fade">
                                       <p:cBhvr>
-                                        <p:cTn id="61" dur="500"/>
+                                        <p:cTn id="72" dur="500"/>
                                         <p:tgtEl>
                                           <p:spTgt spid="58"/>
                                         </p:tgtEl>
@@ -16049,6 +17052,7 @@
       <p:bldP spid="27" grpId="0" animBg="1"/>
       <p:bldP spid="28" grpId="0" animBg="1"/>
       <p:bldP spid="29" grpId="0" animBg="1"/>
+      <p:bldP spid="18" grpId="0" animBg="1"/>
     </p:bldLst>
   </p:timing>
 </p:sld>
@@ -16222,7 +17226,11 @@
           <a:p>
             <a:r>
               <a:rPr lang="en-US" dirty="0" smtClean="0"/>
-              <a:t>Android 8.0</a:t>
+              <a:t>Android </a:t>
+            </a:r>
+            <a:r>
+              <a:rPr lang="en-US" dirty="0" smtClean="0"/>
+              <a:t>8.0 improvements</a:t>
             </a:r>
             <a:endParaRPr lang="en-US" dirty="0"/>
           </a:p>
@@ -16230,7 +17238,7 @@
       </p:sp>
       <p:pic>
         <p:nvPicPr>
-          <p:cNvPr id="4" name="Picture 3"/>
+          <p:cNvPr id="6" name="Picture 5"/>
           <p:cNvPicPr>
             <a:picLocks noChangeAspect="1"/>
           </p:cNvPicPr>
@@ -16250,17 +17258,23 @@
         </p:blipFill>
         <p:spPr>
           <a:xfrm>
-            <a:off x="6293706" y="2440451"/>
-            <a:ext cx="5184140" cy="2730639"/>
+            <a:off x="7777357" y="1982850"/>
+            <a:ext cx="4267796" cy="2791215"/>
           </a:xfrm>
           <a:prstGeom prst="rect">
             <a:avLst/>
           </a:prstGeom>
+          <a:ln w="19050">
+            <a:noFill/>
+          </a:ln>
+          <a:effectLst>
+            <a:softEdge rad="50800"/>
+          </a:effectLst>
         </p:spPr>
       </p:pic>
       <p:pic>
         <p:nvPicPr>
-          <p:cNvPr id="5" name="Picture 4"/>
+          <p:cNvPr id="7" name="Picture 6"/>
           <p:cNvPicPr>
             <a:picLocks noChangeAspect="1"/>
           </p:cNvPicPr>
@@ -16280,12 +17294,15 @@
         </p:blipFill>
         <p:spPr>
           <a:xfrm>
-            <a:off x="477140" y="4367187"/>
-            <a:ext cx="5249008" cy="914528"/>
+            <a:off x="2966572" y="3902406"/>
+            <a:ext cx="4324954" cy="1743318"/>
           </a:xfrm>
           <a:prstGeom prst="rect">
             <a:avLst/>
           </a:prstGeom>
+          <a:effectLst>
+            <a:softEdge rad="38100"/>
+          </a:effectLst>
         </p:spPr>
       </p:pic>
     </p:spTree>
@@ -16430,7 +17447,7 @@
                                           </p:stCondLst>
                                         </p:cTn>
                                         <p:tgtEl>
-                                          <p:spTgt spid="4"/>
+                                          <p:spTgt spid="6"/>
                                         </p:tgtEl>
                                         <p:attrNameLst>
                                           <p:attrName>style.visibility</p:attrName>
@@ -16462,7 +17479,7 @@
                             </p:stCondLst>
                             <p:childTnLst>
                               <p:par>
-                                <p:cTn id="17" presetID="1" presetClass="exit" presetSubtype="0" fill="hold" nodeType="clickEffect">
+                                <p:cTn id="17" presetID="1" presetClass="entr" presetSubtype="0" fill="hold" grpId="0" nodeType="clickEffect">
                                   <p:stCondLst>
                                     <p:cond delay="0"/>
                                   </p:stCondLst>
@@ -16470,33 +17487,6 @@
                                     <p:set>
                                       <p:cBhvr>
                                         <p:cTn id="18" dur="1" fill="hold">
-                                          <p:stCondLst>
-                                            <p:cond delay="0"/>
-                                          </p:stCondLst>
-                                        </p:cTn>
-                                        <p:tgtEl>
-                                          <p:spTgt spid="4"/>
-                                        </p:tgtEl>
-                                        <p:attrNameLst>
-                                          <p:attrName>style.visibility</p:attrName>
-                                        </p:attrNameLst>
-                                      </p:cBhvr>
-                                      <p:to>
-                                        <p:strVal val="hidden"/>
-                                      </p:to>
-                                    </p:set>
-                                  </p:childTnLst>
-                                </p:cTn>
-                              </p:par>
-                              <p:par>
-                                <p:cTn id="19" presetID="1" presetClass="entr" presetSubtype="0" fill="hold" grpId="0" nodeType="withEffect">
-                                  <p:stCondLst>
-                                    <p:cond delay="0"/>
-                                  </p:stCondLst>
-                                  <p:childTnLst>
-                                    <p:set>
-                                      <p:cBhvr>
-                                        <p:cTn id="20" dur="1" fill="hold">
                                           <p:stCondLst>
                                             <p:cond delay="0"/>
                                           </p:stCondLst>
@@ -16526,36 +17516,32 @@
                     </p:cTn>
                   </p:par>
                   <p:par>
-                    <p:cTn id="21" fill="hold">
+                    <p:cTn id="19" fill="hold">
                       <p:stCondLst>
                         <p:cond delay="indefinite"/>
                       </p:stCondLst>
                       <p:childTnLst>
                         <p:par>
-                          <p:cTn id="22" fill="hold">
+                          <p:cTn id="20" fill="hold">
                             <p:stCondLst>
                               <p:cond delay="0"/>
                             </p:stCondLst>
                             <p:childTnLst>
                               <p:par>
-                                <p:cTn id="23" presetID="1" presetClass="entr" presetSubtype="0" fill="hold" grpId="0" nodeType="clickEffect">
+                                <p:cTn id="21" presetID="1" presetClass="entr" presetSubtype="0" fill="hold" nodeType="clickEffect">
                                   <p:stCondLst>
                                     <p:cond delay="0"/>
                                   </p:stCondLst>
                                   <p:childTnLst>
                                     <p:set>
                                       <p:cBhvr>
-                                        <p:cTn id="24" dur="1" fill="hold">
+                                        <p:cTn id="22" dur="1" fill="hold">
                                           <p:stCondLst>
                                             <p:cond delay="0"/>
                                           </p:stCondLst>
                                         </p:cTn>
                                         <p:tgtEl>
-                                          <p:spTgt spid="3">
-                                            <p:txEl>
-                                              <p:pRg st="3" end="3"/>
-                                            </p:txEl>
-                                          </p:spTgt>
+                                          <p:spTgt spid="7"/>
                                         </p:tgtEl>
                                         <p:attrNameLst>
                                           <p:attrName>style.visibility</p:attrName>
@@ -16575,32 +17561,36 @@
                     </p:cTn>
                   </p:par>
                   <p:par>
-                    <p:cTn id="25" fill="hold">
+                    <p:cTn id="23" fill="hold">
                       <p:stCondLst>
                         <p:cond delay="indefinite"/>
                       </p:stCondLst>
                       <p:childTnLst>
                         <p:par>
-                          <p:cTn id="26" fill="hold">
+                          <p:cTn id="24" fill="hold">
                             <p:stCondLst>
                               <p:cond delay="0"/>
                             </p:stCondLst>
                             <p:childTnLst>
                               <p:par>
-                                <p:cTn id="27" presetID="1" presetClass="entr" presetSubtype="0" fill="hold" nodeType="clickEffect">
+                                <p:cTn id="25" presetID="1" presetClass="entr" presetSubtype="0" fill="hold" grpId="0" nodeType="clickEffect">
                                   <p:stCondLst>
                                     <p:cond delay="0"/>
                                   </p:stCondLst>
                                   <p:childTnLst>
                                     <p:set>
                                       <p:cBhvr>
-                                        <p:cTn id="28" dur="1" fill="hold">
+                                        <p:cTn id="26" dur="1" fill="hold">
                                           <p:stCondLst>
                                             <p:cond delay="0"/>
                                           </p:stCondLst>
                                         </p:cTn>
                                         <p:tgtEl>
-                                          <p:spTgt spid="5"/>
+                                          <p:spTgt spid="3">
+                                            <p:txEl>
+                                              <p:pRg st="3" end="3"/>
+                                            </p:txEl>
+                                          </p:spTgt>
                                         </p:tgtEl>
                                         <p:attrNameLst>
                                           <p:attrName>style.visibility</p:attrName>
@@ -16748,12 +17738,15 @@
         </p:blipFill>
         <p:spPr>
           <a:xfrm>
-            <a:off x="7272995" y="1825625"/>
+            <a:off x="8387812" y="1211850"/>
             <a:ext cx="2572109" cy="1981477"/>
           </a:xfrm>
           <a:prstGeom prst="rect">
             <a:avLst/>
           </a:prstGeom>
+          <a:effectLst>
+            <a:softEdge rad="25400"/>
+          </a:effectLst>
         </p:spPr>
       </p:pic>
     </p:spTree>
@@ -16838,13 +17831,10 @@
           <a:lstStyle/>
           <a:p>
             <a:r>
-              <a:rPr lang="en-US" dirty="0"/>
-              <a:t>C</a:t>
-            </a:r>
-            <a:r>
-              <a:rPr lang="en-US" dirty="0" smtClean="0"/>
-              <a:t>++</a:t>
-            </a:r>
+              <a:rPr lang="en-US" dirty="0" smtClean="0"/>
+              <a:t>C linkage</a:t>
+            </a:r>
+            <a:endParaRPr lang="en-US" dirty="0" smtClean="0"/>
           </a:p>
           <a:p>
             <a:endParaRPr lang="en-US" dirty="0" smtClean="0"/>
@@ -16949,8 +17939,8 @@
         </p:nvSpPr>
         <p:spPr bwMode="auto">
           <a:xfrm>
-            <a:off x="1016880" y="1961468"/>
-            <a:ext cx="4903074" cy="1569660"/>
+            <a:off x="1016880" y="2146133"/>
+            <a:ext cx="4903074" cy="1200329"/>
           </a:xfrm>
           <a:prstGeom prst="rect">
             <a:avLst/>
@@ -17012,9 +18002,9 @@
                 <a:latin typeface="Courier New" panose="02070309020205020404" pitchFamily="49" charset="0"/>
                 <a:cs typeface="Courier New" panose="02070309020205020404" pitchFamily="49" charset="0"/>
               </a:rPr>
-              <a:t>"C"</a:t>
-            </a:r>
-            <a:br>
+              <a:t>"C</a:t>
+            </a:r>
+            <a:r>
               <a:rPr kumimoji="0" lang="en-US" altLang="en-US" sz="2400" b="1" i="0" u="none" strike="noStrike" cap="none" normalizeH="0" baseline="0" dirty="0" smtClean="0">
                 <a:ln>
                   <a:noFill/>
@@ -17026,7 +18016,8 @@
                 <a:latin typeface="Courier New" panose="02070309020205020404" pitchFamily="49" charset="0"/>
                 <a:cs typeface="Courier New" panose="02070309020205020404" pitchFamily="49" charset="0"/>
               </a:rPr>
-            </a:br>
+              <a:t>"</a:t>
+            </a:r>
             <a:r>
               <a:rPr kumimoji="0" lang="en-US" altLang="en-US" sz="2400" b="0" i="0" u="none" strike="noStrike" cap="none" normalizeH="0" baseline="0" dirty="0" smtClean="0">
                 <a:ln>
@@ -17039,7 +18030,7 @@
                 <a:latin typeface="Courier New" panose="02070309020205020404" pitchFamily="49" charset="0"/>
                 <a:cs typeface="Courier New" panose="02070309020205020404" pitchFamily="49" charset="0"/>
               </a:rPr>
-              <a:t>{</a:t>
+              <a:t/>
             </a:r>
             <a:br>
               <a:rPr kumimoji="0" lang="en-US" altLang="en-US" sz="2400" b="0" i="0" u="none" strike="noStrike" cap="none" normalizeH="0" baseline="0" dirty="0" smtClean="0">
@@ -17144,7 +18135,7 @@
         </p:blipFill>
         <p:spPr>
           <a:xfrm>
-            <a:off x="441435" y="4712270"/>
+            <a:off x="300670" y="4995710"/>
             <a:ext cx="15455036" cy="967000"/>
           </a:xfrm>
           <a:prstGeom prst="rect">
@@ -17179,7 +18170,7 @@
         </p:blipFill>
         <p:spPr>
           <a:xfrm>
-            <a:off x="838200" y="3872414"/>
+            <a:off x="136634" y="3072053"/>
             <a:ext cx="15736566" cy="1251612"/>
           </a:xfrm>
           <a:prstGeom prst="rect">
@@ -17214,7 +18205,7 @@
         </p:blipFill>
         <p:spPr>
           <a:xfrm>
-            <a:off x="2921205" y="4283027"/>
+            <a:off x="1169319" y="2418959"/>
             <a:ext cx="11426191" cy="2527177"/>
           </a:xfrm>
           <a:prstGeom prst="rect">
@@ -17282,7 +18273,7 @@
             <a:pPr algn="ctr"/>
             <a:r>
               <a:rPr lang="en-US" dirty="0" smtClean="0"/>
-              <a:t>Exception handling</a:t>
+              <a:t>Other typical mistakes</a:t>
             </a:r>
             <a:endParaRPr lang="en-US" dirty="0"/>
           </a:p>
@@ -17305,1106 +18296,45 @@
           <a:p>
             <a:r>
               <a:rPr lang="en-US" dirty="0" smtClean="0"/>
-              <a:t>C++ exception support</a:t>
-            </a:r>
-          </a:p>
-          <a:p>
-            <a:pPr lvl="1"/>
-            <a:r>
-              <a:rPr lang="en-US" altLang="en-US" b="1" dirty="0">
-                <a:solidFill>
-                  <a:srgbClr val="008000"/>
-                </a:solidFill>
-                <a:latin typeface="Courier New" panose="02070309020205020404" pitchFamily="49" charset="0"/>
-                <a:cs typeface="Courier New" panose="02070309020205020404" pitchFamily="49" charset="0"/>
-              </a:rPr>
-              <a:t>-</a:t>
-            </a:r>
-            <a:r>
-              <a:rPr lang="en-US" altLang="en-US" b="1" dirty="0" err="1">
-                <a:solidFill>
-                  <a:srgbClr val="008000"/>
-                </a:solidFill>
-                <a:latin typeface="Courier New" panose="02070309020205020404" pitchFamily="49" charset="0"/>
-                <a:cs typeface="Courier New" panose="02070309020205020404" pitchFamily="49" charset="0"/>
-              </a:rPr>
-              <a:t>fexceptions</a:t>
-            </a:r>
-            <a:endParaRPr lang="en-US" dirty="0" smtClean="0"/>
+              <a:t>UTF-8 and UTF-16 strings</a:t>
+            </a:r>
+          </a:p>
+          <a:p>
+            <a:r>
+              <a:rPr lang="en-US" dirty="0"/>
+              <a:t>C</a:t>
+            </a:r>
+            <a:r>
+              <a:rPr lang="en-US" dirty="0" smtClean="0"/>
+              <a:t>aching </a:t>
+            </a:r>
+            <a:r>
+              <a:rPr lang="en-US" dirty="0"/>
+              <a:t>method IDs, field IDs, and </a:t>
+            </a:r>
+            <a:r>
+              <a:rPr lang="en-US" dirty="0" smtClean="0"/>
+              <a:t>classes</a:t>
+            </a:r>
+          </a:p>
+          <a:p>
+            <a:r>
+              <a:rPr lang="en-US" dirty="0"/>
+              <a:t>Not checking for exceptions</a:t>
+            </a:r>
           </a:p>
           <a:p>
             <a:endParaRPr lang="en-US" dirty="0"/>
           </a:p>
-        </p:txBody>
-      </p:sp>
-      <p:sp>
-        <p:nvSpPr>
-          <p:cNvPr id="5" name="Rectangle 2"/>
-          <p:cNvSpPr>
-            <a:spLocks noChangeArrowheads="1"/>
-          </p:cNvSpPr>
-          <p:nvPr/>
-        </p:nvSpPr>
-        <p:spPr bwMode="auto">
-          <a:xfrm>
-            <a:off x="838200" y="3607931"/>
-            <a:ext cx="9601201" cy="2246769"/>
-          </a:xfrm>
-          <a:prstGeom prst="rect">
-            <a:avLst/>
-          </a:prstGeom>
-          <a:solidFill>
-            <a:srgbClr val="FFFFFF"/>
-          </a:solidFill>
-          <a:ln>
-            <a:noFill/>
-          </a:ln>
-          <a:effectLst/>
-          <a:extLst>
-            <a:ext uri="{91240B29-F687-4F45-9708-019B960494DF}">
-              <a14:hiddenLine xmlns:a14="http://schemas.microsoft.com/office/drawing/2010/main" w="9525">
-                <a:solidFill>
-                  <a:schemeClr val="tx1"/>
-                </a:solidFill>
-                <a:miter lim="800000"/>
-                <a:headEnd/>
-                <a:tailEnd/>
-              </a14:hiddenLine>
-            </a:ext>
-            <a:ext uri="{AF507438-7753-43E0-B8FC-AC1667EBCBE1}">
-              <a14:hiddenEffects xmlns:a14="http://schemas.microsoft.com/office/drawing/2010/main">
-                <a:effectLst>
-                  <a:outerShdw dist="35921" dir="2700000" algn="ctr" rotWithShape="0">
-                    <a:schemeClr val="bg2"/>
-                  </a:outerShdw>
-                </a:effectLst>
-              </a14:hiddenEffects>
-            </a:ext>
-          </a:extLst>
-        </p:spPr>
-        <p:txBody>
-          <a:bodyPr vert="horz" wrap="square" lIns="91440" tIns="45720" rIns="91440" bIns="45720" numCol="1" anchor="ctr" anchorCtr="0" compatLnSpc="1">
-            <a:prstTxWarp prst="textNoShape">
-              <a:avLst/>
-            </a:prstTxWarp>
-            <a:spAutoFit/>
-          </a:bodyPr>
-          <a:lstStyle/>
-          <a:p>
-            <a:pPr marL="0" marR="0" lvl="0" indent="0" algn="l" defTabSz="914400" rtl="0" eaLnBrk="0" fontAlgn="base" latinLnBrk="0" hangingPunct="0">
-              <a:lnSpc>
-                <a:spcPct val="100000"/>
-              </a:lnSpc>
-              <a:spcBef>
-                <a:spcPct val="0"/>
-              </a:spcBef>
-              <a:spcAft>
-                <a:spcPct val="0"/>
-              </a:spcAft>
-              <a:buClrTx/>
-              <a:buSzTx/>
-              <a:buFontTx/>
-              <a:buNone/>
-              <a:tabLst/>
-            </a:pPr>
-            <a:r>
-              <a:rPr kumimoji="0" lang="en-US" altLang="en-US" sz="1000" b="0" i="0" u="none" strike="noStrike" cap="none" normalizeH="0" baseline="0" dirty="0" smtClean="0">
-                <a:ln>
-                  <a:noFill/>
-                </a:ln>
-                <a:solidFill>
-                  <a:srgbClr val="000000"/>
-                </a:solidFill>
-                <a:effectLst/>
-                <a:latin typeface="Courier New" panose="02070309020205020404" pitchFamily="49" charset="0"/>
-                <a:cs typeface="Courier New" panose="02070309020205020404" pitchFamily="49" charset="0"/>
-              </a:rPr>
-              <a:t>android {</a:t>
-            </a:r>
-            <a:br>
-              <a:rPr kumimoji="0" lang="en-US" altLang="en-US" sz="1000" b="0" i="0" u="none" strike="noStrike" cap="none" normalizeH="0" baseline="0" dirty="0" smtClean="0">
-                <a:ln>
-                  <a:noFill/>
-                </a:ln>
-                <a:solidFill>
-                  <a:srgbClr val="000000"/>
-                </a:solidFill>
-                <a:effectLst/>
-                <a:latin typeface="Courier New" panose="02070309020205020404" pitchFamily="49" charset="0"/>
-                <a:cs typeface="Courier New" panose="02070309020205020404" pitchFamily="49" charset="0"/>
-              </a:rPr>
-            </a:br>
-            <a:r>
-              <a:rPr kumimoji="0" lang="en-US" altLang="en-US" sz="1000" b="0" i="0" u="none" strike="noStrike" cap="none" normalizeH="0" baseline="0" dirty="0" smtClean="0">
-                <a:ln>
-                  <a:noFill/>
-                </a:ln>
-                <a:solidFill>
-                  <a:srgbClr val="000000"/>
-                </a:solidFill>
-                <a:effectLst/>
-                <a:latin typeface="Courier New" panose="02070309020205020404" pitchFamily="49" charset="0"/>
-                <a:cs typeface="Courier New" panose="02070309020205020404" pitchFamily="49" charset="0"/>
-              </a:rPr>
-              <a:t>    </a:t>
-            </a:r>
-            <a:r>
-              <a:rPr kumimoji="0" lang="en-US" altLang="en-US" sz="1000" b="0" i="0" u="none" strike="noStrike" cap="none" normalizeH="0" baseline="0" dirty="0" err="1" smtClean="0">
-                <a:ln>
-                  <a:noFill/>
-                </a:ln>
-                <a:solidFill>
-                  <a:srgbClr val="000000"/>
-                </a:solidFill>
-                <a:effectLst/>
-                <a:latin typeface="Courier New" panose="02070309020205020404" pitchFamily="49" charset="0"/>
-                <a:cs typeface="Courier New" panose="02070309020205020404" pitchFamily="49" charset="0"/>
-              </a:rPr>
-              <a:t>compileSdkVersion</a:t>
-            </a:r>
-            <a:r>
-              <a:rPr kumimoji="0" lang="en-US" altLang="en-US" sz="1000" b="0" i="0" u="none" strike="noStrike" cap="none" normalizeH="0" baseline="0" dirty="0" smtClean="0">
-                <a:ln>
-                  <a:noFill/>
-                </a:ln>
-                <a:solidFill>
-                  <a:srgbClr val="000000"/>
-                </a:solidFill>
-                <a:effectLst/>
-                <a:latin typeface="Courier New" panose="02070309020205020404" pitchFamily="49" charset="0"/>
-                <a:cs typeface="Courier New" panose="02070309020205020404" pitchFamily="49" charset="0"/>
-              </a:rPr>
-              <a:t> </a:t>
-            </a:r>
-            <a:r>
-              <a:rPr kumimoji="0" lang="en-US" altLang="en-US" sz="1000" b="0" i="0" u="none" strike="noStrike" cap="none" normalizeH="0" baseline="0" dirty="0" smtClean="0">
-                <a:ln>
-                  <a:noFill/>
-                </a:ln>
-                <a:solidFill>
-                  <a:srgbClr val="0000FF"/>
-                </a:solidFill>
-                <a:effectLst/>
-                <a:latin typeface="Courier New" panose="02070309020205020404" pitchFamily="49" charset="0"/>
-                <a:cs typeface="Courier New" panose="02070309020205020404" pitchFamily="49" charset="0"/>
-              </a:rPr>
-              <a:t>26</a:t>
-            </a:r>
-            <a:br>
-              <a:rPr kumimoji="0" lang="en-US" altLang="en-US" sz="1000" b="0" i="0" u="none" strike="noStrike" cap="none" normalizeH="0" baseline="0" dirty="0" smtClean="0">
-                <a:ln>
-                  <a:noFill/>
-                </a:ln>
-                <a:solidFill>
-                  <a:srgbClr val="0000FF"/>
-                </a:solidFill>
-                <a:effectLst/>
-                <a:latin typeface="Courier New" panose="02070309020205020404" pitchFamily="49" charset="0"/>
-                <a:cs typeface="Courier New" panose="02070309020205020404" pitchFamily="49" charset="0"/>
-              </a:rPr>
-            </a:br>
-            <a:r>
-              <a:rPr kumimoji="0" lang="en-US" altLang="en-US" sz="1000" b="0" i="0" u="none" strike="noStrike" cap="none" normalizeH="0" baseline="0" dirty="0" smtClean="0">
-                <a:ln>
-                  <a:noFill/>
-                </a:ln>
-                <a:solidFill>
-                  <a:srgbClr val="0000FF"/>
-                </a:solidFill>
-                <a:effectLst/>
-                <a:latin typeface="Courier New" panose="02070309020205020404" pitchFamily="49" charset="0"/>
-                <a:cs typeface="Courier New" panose="02070309020205020404" pitchFamily="49" charset="0"/>
-              </a:rPr>
-              <a:t>    </a:t>
-            </a:r>
-            <a:r>
-              <a:rPr kumimoji="0" lang="en-US" altLang="en-US" sz="1000" b="0" i="0" u="none" strike="noStrike" cap="none" normalizeH="0" baseline="0" dirty="0" err="1" smtClean="0">
-                <a:ln>
-                  <a:noFill/>
-                </a:ln>
-                <a:solidFill>
-                  <a:srgbClr val="000000"/>
-                </a:solidFill>
-                <a:effectLst/>
-                <a:latin typeface="Courier New" panose="02070309020205020404" pitchFamily="49" charset="0"/>
-                <a:cs typeface="Courier New" panose="02070309020205020404" pitchFamily="49" charset="0"/>
-              </a:rPr>
-              <a:t>defaultConfig</a:t>
-            </a:r>
-            <a:r>
-              <a:rPr kumimoji="0" lang="en-US" altLang="en-US" sz="1000" b="0" i="0" u="none" strike="noStrike" cap="none" normalizeH="0" baseline="0" dirty="0" smtClean="0">
-                <a:ln>
-                  <a:noFill/>
-                </a:ln>
-                <a:solidFill>
-                  <a:srgbClr val="000000"/>
-                </a:solidFill>
-                <a:effectLst/>
-                <a:latin typeface="Courier New" panose="02070309020205020404" pitchFamily="49" charset="0"/>
-                <a:cs typeface="Courier New" panose="02070309020205020404" pitchFamily="49" charset="0"/>
-              </a:rPr>
-              <a:t> {</a:t>
-            </a:r>
-            <a:br>
-              <a:rPr kumimoji="0" lang="en-US" altLang="en-US" sz="1000" b="0" i="0" u="none" strike="noStrike" cap="none" normalizeH="0" baseline="0" dirty="0" smtClean="0">
-                <a:ln>
-                  <a:noFill/>
-                </a:ln>
-                <a:solidFill>
-                  <a:srgbClr val="000000"/>
-                </a:solidFill>
-                <a:effectLst/>
-                <a:latin typeface="Courier New" panose="02070309020205020404" pitchFamily="49" charset="0"/>
-                <a:cs typeface="Courier New" panose="02070309020205020404" pitchFamily="49" charset="0"/>
-              </a:rPr>
-            </a:br>
-            <a:r>
-              <a:rPr kumimoji="0" lang="en-US" altLang="en-US" sz="1000" b="0" i="0" u="none" strike="noStrike" cap="none" normalizeH="0" baseline="0" dirty="0" smtClean="0">
-                <a:ln>
-                  <a:noFill/>
-                </a:ln>
-                <a:solidFill>
-                  <a:srgbClr val="000000"/>
-                </a:solidFill>
-                <a:effectLst/>
-                <a:latin typeface="Courier New" panose="02070309020205020404" pitchFamily="49" charset="0"/>
-                <a:cs typeface="Courier New" panose="02070309020205020404" pitchFamily="49" charset="0"/>
-              </a:rPr>
-              <a:t>        </a:t>
-            </a:r>
-            <a:r>
-              <a:rPr kumimoji="0" lang="en-US" altLang="en-US" sz="1000" b="0" i="0" u="none" strike="noStrike" cap="none" normalizeH="0" baseline="0" dirty="0" err="1" smtClean="0">
-                <a:ln>
-                  <a:noFill/>
-                </a:ln>
-                <a:solidFill>
-                  <a:srgbClr val="000000"/>
-                </a:solidFill>
-                <a:effectLst/>
-                <a:latin typeface="Courier New" panose="02070309020205020404" pitchFamily="49" charset="0"/>
-                <a:cs typeface="Courier New" panose="02070309020205020404" pitchFamily="49" charset="0"/>
-              </a:rPr>
-              <a:t>applicationId</a:t>
-            </a:r>
-            <a:r>
-              <a:rPr kumimoji="0" lang="en-US" altLang="en-US" sz="1000" b="0" i="0" u="none" strike="noStrike" cap="none" normalizeH="0" baseline="0" dirty="0" smtClean="0">
-                <a:ln>
-                  <a:noFill/>
-                </a:ln>
-                <a:solidFill>
-                  <a:srgbClr val="000000"/>
-                </a:solidFill>
-                <a:effectLst/>
-                <a:latin typeface="Courier New" panose="02070309020205020404" pitchFamily="49" charset="0"/>
-                <a:cs typeface="Courier New" panose="02070309020205020404" pitchFamily="49" charset="0"/>
-              </a:rPr>
-              <a:t> </a:t>
-            </a:r>
-            <a:r>
-              <a:rPr kumimoji="0" lang="en-US" altLang="en-US" sz="1000" b="1" i="0" u="none" strike="noStrike" cap="none" normalizeH="0" baseline="0" dirty="0" smtClean="0">
-                <a:ln>
-                  <a:noFill/>
-                </a:ln>
-                <a:solidFill>
-                  <a:srgbClr val="008000"/>
-                </a:solidFill>
-                <a:effectLst/>
-                <a:latin typeface="Courier New" panose="02070309020205020404" pitchFamily="49" charset="0"/>
-                <a:cs typeface="Courier New" panose="02070309020205020404" pitchFamily="49" charset="0"/>
-              </a:rPr>
-              <a:t>"</a:t>
-            </a:r>
-            <a:r>
-              <a:rPr kumimoji="0" lang="en-US" altLang="en-US" sz="1000" b="1" i="0" u="none" strike="noStrike" cap="none" normalizeH="0" baseline="0" dirty="0" err="1" smtClean="0">
-                <a:ln>
-                  <a:noFill/>
-                </a:ln>
-                <a:solidFill>
-                  <a:srgbClr val="008000"/>
-                </a:solidFill>
-                <a:effectLst/>
-                <a:latin typeface="Courier New" panose="02070309020205020404" pitchFamily="49" charset="0"/>
-                <a:cs typeface="Courier New" panose="02070309020205020404" pitchFamily="49" charset="0"/>
-              </a:rPr>
-              <a:t>com.softserveinc.ndkexampledemo</a:t>
-            </a:r>
-            <a:r>
-              <a:rPr kumimoji="0" lang="en-US" altLang="en-US" sz="1000" b="1" i="0" u="none" strike="noStrike" cap="none" normalizeH="0" baseline="0" dirty="0" smtClean="0">
-                <a:ln>
-                  <a:noFill/>
-                </a:ln>
-                <a:solidFill>
-                  <a:srgbClr val="008000"/>
-                </a:solidFill>
-                <a:effectLst/>
-                <a:latin typeface="Courier New" panose="02070309020205020404" pitchFamily="49" charset="0"/>
-                <a:cs typeface="Courier New" panose="02070309020205020404" pitchFamily="49" charset="0"/>
-              </a:rPr>
-              <a:t>"</a:t>
-            </a:r>
-            <a:br>
-              <a:rPr kumimoji="0" lang="en-US" altLang="en-US" sz="1000" b="1" i="0" u="none" strike="noStrike" cap="none" normalizeH="0" baseline="0" dirty="0" smtClean="0">
-                <a:ln>
-                  <a:noFill/>
-                </a:ln>
-                <a:solidFill>
-                  <a:srgbClr val="008000"/>
-                </a:solidFill>
-                <a:effectLst/>
-                <a:latin typeface="Courier New" panose="02070309020205020404" pitchFamily="49" charset="0"/>
-                <a:cs typeface="Courier New" panose="02070309020205020404" pitchFamily="49" charset="0"/>
-              </a:rPr>
-            </a:br>
-            <a:r>
-              <a:rPr kumimoji="0" lang="en-US" altLang="en-US" sz="1000" b="1" i="0" u="none" strike="noStrike" cap="none" normalizeH="0" baseline="0" dirty="0" smtClean="0">
-                <a:ln>
-                  <a:noFill/>
-                </a:ln>
-                <a:solidFill>
-                  <a:srgbClr val="008000"/>
-                </a:solidFill>
-                <a:effectLst/>
-                <a:latin typeface="Courier New" panose="02070309020205020404" pitchFamily="49" charset="0"/>
-                <a:cs typeface="Courier New" panose="02070309020205020404" pitchFamily="49" charset="0"/>
-              </a:rPr>
-              <a:t>        </a:t>
-            </a:r>
-            <a:r>
-              <a:rPr kumimoji="0" lang="en-US" altLang="en-US" sz="1000" b="0" i="0" u="none" strike="noStrike" cap="none" normalizeH="0" baseline="0" dirty="0" err="1" smtClean="0">
-                <a:ln>
-                  <a:noFill/>
-                </a:ln>
-                <a:solidFill>
-                  <a:srgbClr val="000000"/>
-                </a:solidFill>
-                <a:effectLst/>
-                <a:latin typeface="Courier New" panose="02070309020205020404" pitchFamily="49" charset="0"/>
-                <a:cs typeface="Courier New" panose="02070309020205020404" pitchFamily="49" charset="0"/>
-              </a:rPr>
-              <a:t>minSdkVersion</a:t>
-            </a:r>
-            <a:r>
-              <a:rPr kumimoji="0" lang="en-US" altLang="en-US" sz="1000" b="0" i="0" u="none" strike="noStrike" cap="none" normalizeH="0" baseline="0" dirty="0" smtClean="0">
-                <a:ln>
-                  <a:noFill/>
-                </a:ln>
-                <a:solidFill>
-                  <a:srgbClr val="000000"/>
-                </a:solidFill>
-                <a:effectLst/>
-                <a:latin typeface="Courier New" panose="02070309020205020404" pitchFamily="49" charset="0"/>
-                <a:cs typeface="Courier New" panose="02070309020205020404" pitchFamily="49" charset="0"/>
-              </a:rPr>
-              <a:t> </a:t>
-            </a:r>
-            <a:r>
-              <a:rPr kumimoji="0" lang="en-US" altLang="en-US" sz="1000" b="0" i="0" u="none" strike="noStrike" cap="none" normalizeH="0" baseline="0" dirty="0" smtClean="0">
-                <a:ln>
-                  <a:noFill/>
-                </a:ln>
-                <a:solidFill>
-                  <a:srgbClr val="0000FF"/>
-                </a:solidFill>
-                <a:effectLst/>
-                <a:latin typeface="Courier New" panose="02070309020205020404" pitchFamily="49" charset="0"/>
-                <a:cs typeface="Courier New" panose="02070309020205020404" pitchFamily="49" charset="0"/>
-              </a:rPr>
-              <a:t>21</a:t>
-            </a:r>
-            <a:br>
-              <a:rPr kumimoji="0" lang="en-US" altLang="en-US" sz="1000" b="0" i="0" u="none" strike="noStrike" cap="none" normalizeH="0" baseline="0" dirty="0" smtClean="0">
-                <a:ln>
-                  <a:noFill/>
-                </a:ln>
-                <a:solidFill>
-                  <a:srgbClr val="0000FF"/>
-                </a:solidFill>
-                <a:effectLst/>
-                <a:latin typeface="Courier New" panose="02070309020205020404" pitchFamily="49" charset="0"/>
-                <a:cs typeface="Courier New" panose="02070309020205020404" pitchFamily="49" charset="0"/>
-              </a:rPr>
-            </a:br>
-            <a:r>
-              <a:rPr kumimoji="0" lang="en-US" altLang="en-US" sz="1000" b="0" i="0" u="none" strike="noStrike" cap="none" normalizeH="0" baseline="0" dirty="0" smtClean="0">
-                <a:ln>
-                  <a:noFill/>
-                </a:ln>
-                <a:solidFill>
-                  <a:srgbClr val="0000FF"/>
-                </a:solidFill>
-                <a:effectLst/>
-                <a:latin typeface="Courier New" panose="02070309020205020404" pitchFamily="49" charset="0"/>
-                <a:cs typeface="Courier New" panose="02070309020205020404" pitchFamily="49" charset="0"/>
-              </a:rPr>
-              <a:t>        </a:t>
-            </a:r>
-            <a:r>
-              <a:rPr kumimoji="0" lang="en-US" altLang="en-US" sz="1000" b="0" i="0" u="none" strike="noStrike" cap="none" normalizeH="0" baseline="0" dirty="0" err="1" smtClean="0">
-                <a:ln>
-                  <a:noFill/>
-                </a:ln>
-                <a:solidFill>
-                  <a:srgbClr val="000000"/>
-                </a:solidFill>
-                <a:effectLst/>
-                <a:latin typeface="Courier New" panose="02070309020205020404" pitchFamily="49" charset="0"/>
-                <a:cs typeface="Courier New" panose="02070309020205020404" pitchFamily="49" charset="0"/>
-              </a:rPr>
-              <a:t>targetSdkVersion</a:t>
-            </a:r>
-            <a:r>
-              <a:rPr kumimoji="0" lang="en-US" altLang="en-US" sz="1000" b="0" i="0" u="none" strike="noStrike" cap="none" normalizeH="0" baseline="0" dirty="0" smtClean="0">
-                <a:ln>
-                  <a:noFill/>
-                </a:ln>
-                <a:solidFill>
-                  <a:srgbClr val="000000"/>
-                </a:solidFill>
-                <a:effectLst/>
-                <a:latin typeface="Courier New" panose="02070309020205020404" pitchFamily="49" charset="0"/>
-                <a:cs typeface="Courier New" panose="02070309020205020404" pitchFamily="49" charset="0"/>
-              </a:rPr>
-              <a:t> </a:t>
-            </a:r>
-            <a:r>
-              <a:rPr kumimoji="0" lang="en-US" altLang="en-US" sz="1000" b="0" i="0" u="none" strike="noStrike" cap="none" normalizeH="0" baseline="0" dirty="0" smtClean="0">
-                <a:ln>
-                  <a:noFill/>
-                </a:ln>
-                <a:solidFill>
-                  <a:srgbClr val="0000FF"/>
-                </a:solidFill>
-                <a:effectLst/>
-                <a:latin typeface="Courier New" panose="02070309020205020404" pitchFamily="49" charset="0"/>
-                <a:cs typeface="Courier New" panose="02070309020205020404" pitchFamily="49" charset="0"/>
-              </a:rPr>
-              <a:t>26</a:t>
-            </a:r>
-            <a:br>
-              <a:rPr kumimoji="0" lang="en-US" altLang="en-US" sz="1000" b="0" i="0" u="none" strike="noStrike" cap="none" normalizeH="0" baseline="0" dirty="0" smtClean="0">
-                <a:ln>
-                  <a:noFill/>
-                </a:ln>
-                <a:solidFill>
-                  <a:srgbClr val="0000FF"/>
-                </a:solidFill>
-                <a:effectLst/>
-                <a:latin typeface="Courier New" panose="02070309020205020404" pitchFamily="49" charset="0"/>
-                <a:cs typeface="Courier New" panose="02070309020205020404" pitchFamily="49" charset="0"/>
-              </a:rPr>
-            </a:br>
-            <a:r>
-              <a:rPr kumimoji="0" lang="en-US" altLang="en-US" sz="1000" b="0" i="0" u="none" strike="noStrike" cap="none" normalizeH="0" baseline="0" dirty="0" smtClean="0">
-                <a:ln>
-                  <a:noFill/>
-                </a:ln>
-                <a:solidFill>
-                  <a:srgbClr val="0000FF"/>
-                </a:solidFill>
-                <a:effectLst/>
-                <a:latin typeface="Courier New" panose="02070309020205020404" pitchFamily="49" charset="0"/>
-                <a:cs typeface="Courier New" panose="02070309020205020404" pitchFamily="49" charset="0"/>
-              </a:rPr>
-              <a:t>        </a:t>
-            </a:r>
-            <a:r>
-              <a:rPr kumimoji="0" lang="en-US" altLang="en-US" sz="1000" b="0" i="0" u="none" strike="noStrike" cap="none" normalizeH="0" baseline="0" dirty="0" err="1" smtClean="0">
-                <a:ln>
-                  <a:noFill/>
-                </a:ln>
-                <a:solidFill>
-                  <a:srgbClr val="000000"/>
-                </a:solidFill>
-                <a:effectLst/>
-                <a:latin typeface="Courier New" panose="02070309020205020404" pitchFamily="49" charset="0"/>
-                <a:cs typeface="Courier New" panose="02070309020205020404" pitchFamily="49" charset="0"/>
-              </a:rPr>
-              <a:t>versionCode</a:t>
-            </a:r>
-            <a:r>
-              <a:rPr kumimoji="0" lang="en-US" altLang="en-US" sz="1000" b="0" i="0" u="none" strike="noStrike" cap="none" normalizeH="0" baseline="0" dirty="0" smtClean="0">
-                <a:ln>
-                  <a:noFill/>
-                </a:ln>
-                <a:solidFill>
-                  <a:srgbClr val="000000"/>
-                </a:solidFill>
-                <a:effectLst/>
-                <a:latin typeface="Courier New" panose="02070309020205020404" pitchFamily="49" charset="0"/>
-                <a:cs typeface="Courier New" panose="02070309020205020404" pitchFamily="49" charset="0"/>
-              </a:rPr>
-              <a:t> </a:t>
-            </a:r>
-            <a:r>
-              <a:rPr kumimoji="0" lang="en-US" altLang="en-US" sz="1000" b="0" i="0" u="none" strike="noStrike" cap="none" normalizeH="0" baseline="0" dirty="0" smtClean="0">
-                <a:ln>
-                  <a:noFill/>
-                </a:ln>
-                <a:solidFill>
-                  <a:srgbClr val="0000FF"/>
-                </a:solidFill>
-                <a:effectLst/>
-                <a:latin typeface="Courier New" panose="02070309020205020404" pitchFamily="49" charset="0"/>
-                <a:cs typeface="Courier New" panose="02070309020205020404" pitchFamily="49" charset="0"/>
-              </a:rPr>
-              <a:t>1</a:t>
-            </a:r>
-            <a:br>
-              <a:rPr kumimoji="0" lang="en-US" altLang="en-US" sz="1000" b="0" i="0" u="none" strike="noStrike" cap="none" normalizeH="0" baseline="0" dirty="0" smtClean="0">
-                <a:ln>
-                  <a:noFill/>
-                </a:ln>
-                <a:solidFill>
-                  <a:srgbClr val="0000FF"/>
-                </a:solidFill>
-                <a:effectLst/>
-                <a:latin typeface="Courier New" panose="02070309020205020404" pitchFamily="49" charset="0"/>
-                <a:cs typeface="Courier New" panose="02070309020205020404" pitchFamily="49" charset="0"/>
-              </a:rPr>
-            </a:br>
-            <a:r>
-              <a:rPr kumimoji="0" lang="en-US" altLang="en-US" sz="1000" b="0" i="0" u="none" strike="noStrike" cap="none" normalizeH="0" baseline="0" dirty="0" smtClean="0">
-                <a:ln>
-                  <a:noFill/>
-                </a:ln>
-                <a:solidFill>
-                  <a:srgbClr val="0000FF"/>
-                </a:solidFill>
-                <a:effectLst/>
-                <a:latin typeface="Courier New" panose="02070309020205020404" pitchFamily="49" charset="0"/>
-                <a:cs typeface="Courier New" panose="02070309020205020404" pitchFamily="49" charset="0"/>
-              </a:rPr>
-              <a:t>        </a:t>
-            </a:r>
-            <a:r>
-              <a:rPr kumimoji="0" lang="en-US" altLang="en-US" sz="1000" b="0" i="0" u="none" strike="noStrike" cap="none" normalizeH="0" baseline="0" dirty="0" err="1" smtClean="0">
-                <a:ln>
-                  <a:noFill/>
-                </a:ln>
-                <a:solidFill>
-                  <a:srgbClr val="000000"/>
-                </a:solidFill>
-                <a:effectLst/>
-                <a:latin typeface="Courier New" panose="02070309020205020404" pitchFamily="49" charset="0"/>
-                <a:cs typeface="Courier New" panose="02070309020205020404" pitchFamily="49" charset="0"/>
-              </a:rPr>
-              <a:t>versionName</a:t>
-            </a:r>
-            <a:r>
-              <a:rPr kumimoji="0" lang="en-US" altLang="en-US" sz="1000" b="0" i="0" u="none" strike="noStrike" cap="none" normalizeH="0" baseline="0" dirty="0" smtClean="0">
-                <a:ln>
-                  <a:noFill/>
-                </a:ln>
-                <a:solidFill>
-                  <a:srgbClr val="000000"/>
-                </a:solidFill>
-                <a:effectLst/>
-                <a:latin typeface="Courier New" panose="02070309020205020404" pitchFamily="49" charset="0"/>
-                <a:cs typeface="Courier New" panose="02070309020205020404" pitchFamily="49" charset="0"/>
-              </a:rPr>
-              <a:t> </a:t>
-            </a:r>
-            <a:r>
-              <a:rPr kumimoji="0" lang="en-US" altLang="en-US" sz="1000" b="1" i="0" u="none" strike="noStrike" cap="none" normalizeH="0" baseline="0" dirty="0" smtClean="0">
-                <a:ln>
-                  <a:noFill/>
-                </a:ln>
-                <a:solidFill>
-                  <a:srgbClr val="008000"/>
-                </a:solidFill>
-                <a:effectLst/>
-                <a:latin typeface="Courier New" panose="02070309020205020404" pitchFamily="49" charset="0"/>
-                <a:cs typeface="Courier New" panose="02070309020205020404" pitchFamily="49" charset="0"/>
-              </a:rPr>
-              <a:t>"1.0"</a:t>
-            </a:r>
-            <a:br>
-              <a:rPr kumimoji="0" lang="en-US" altLang="en-US" sz="1000" b="1" i="0" u="none" strike="noStrike" cap="none" normalizeH="0" baseline="0" dirty="0" smtClean="0">
-                <a:ln>
-                  <a:noFill/>
-                </a:ln>
-                <a:solidFill>
-                  <a:srgbClr val="008000"/>
-                </a:solidFill>
-                <a:effectLst/>
-                <a:latin typeface="Courier New" panose="02070309020205020404" pitchFamily="49" charset="0"/>
-                <a:cs typeface="Courier New" panose="02070309020205020404" pitchFamily="49" charset="0"/>
-              </a:rPr>
-            </a:br>
-            <a:r>
-              <a:rPr kumimoji="0" lang="en-US" altLang="en-US" sz="1000" b="1" i="0" u="none" strike="noStrike" cap="none" normalizeH="0" baseline="0" dirty="0" smtClean="0">
-                <a:ln>
-                  <a:noFill/>
-                </a:ln>
-                <a:solidFill>
-                  <a:srgbClr val="008000"/>
-                </a:solidFill>
-                <a:effectLst/>
-                <a:latin typeface="Courier New" panose="02070309020205020404" pitchFamily="49" charset="0"/>
-                <a:cs typeface="Courier New" panose="02070309020205020404" pitchFamily="49" charset="0"/>
-              </a:rPr>
-              <a:t>        </a:t>
-            </a:r>
-            <a:r>
-              <a:rPr kumimoji="0" lang="en-US" altLang="en-US" sz="1000" b="0" i="0" u="none" strike="noStrike" cap="none" normalizeH="0" baseline="0" dirty="0" err="1" smtClean="0">
-                <a:ln>
-                  <a:noFill/>
-                </a:ln>
-                <a:solidFill>
-                  <a:srgbClr val="000000"/>
-                </a:solidFill>
-                <a:effectLst/>
-                <a:latin typeface="Courier New" panose="02070309020205020404" pitchFamily="49" charset="0"/>
-                <a:cs typeface="Courier New" panose="02070309020205020404" pitchFamily="49" charset="0"/>
-              </a:rPr>
-              <a:t>externalNativeBuild</a:t>
-            </a:r>
-            <a:r>
-              <a:rPr kumimoji="0" lang="en-US" altLang="en-US" sz="1000" b="0" i="0" u="none" strike="noStrike" cap="none" normalizeH="0" baseline="0" dirty="0" smtClean="0">
-                <a:ln>
-                  <a:noFill/>
-                </a:ln>
-                <a:solidFill>
-                  <a:srgbClr val="000000"/>
-                </a:solidFill>
-                <a:effectLst/>
-                <a:latin typeface="Courier New" panose="02070309020205020404" pitchFamily="49" charset="0"/>
-                <a:cs typeface="Courier New" panose="02070309020205020404" pitchFamily="49" charset="0"/>
-              </a:rPr>
-              <a:t> {</a:t>
-            </a:r>
-            <a:br>
-              <a:rPr kumimoji="0" lang="en-US" altLang="en-US" sz="1000" b="0" i="0" u="none" strike="noStrike" cap="none" normalizeH="0" baseline="0" dirty="0" smtClean="0">
-                <a:ln>
-                  <a:noFill/>
-                </a:ln>
-                <a:solidFill>
-                  <a:srgbClr val="000000"/>
-                </a:solidFill>
-                <a:effectLst/>
-                <a:latin typeface="Courier New" panose="02070309020205020404" pitchFamily="49" charset="0"/>
-                <a:cs typeface="Courier New" panose="02070309020205020404" pitchFamily="49" charset="0"/>
-              </a:rPr>
-            </a:br>
-            <a:r>
-              <a:rPr kumimoji="0" lang="en-US" altLang="en-US" sz="1000" b="0" i="0" u="none" strike="noStrike" cap="none" normalizeH="0" baseline="0" dirty="0" smtClean="0">
-                <a:ln>
-                  <a:noFill/>
-                </a:ln>
-                <a:solidFill>
-                  <a:srgbClr val="000000"/>
-                </a:solidFill>
-                <a:effectLst/>
-                <a:latin typeface="Courier New" panose="02070309020205020404" pitchFamily="49" charset="0"/>
-                <a:cs typeface="Courier New" panose="02070309020205020404" pitchFamily="49" charset="0"/>
-              </a:rPr>
-              <a:t>            </a:t>
-            </a:r>
-            <a:r>
-              <a:rPr kumimoji="0" lang="en-US" altLang="en-US" sz="1000" b="0" i="0" u="none" strike="noStrike" cap="none" normalizeH="0" baseline="0" dirty="0" err="1" smtClean="0">
-                <a:ln>
-                  <a:noFill/>
-                </a:ln>
-                <a:solidFill>
-                  <a:srgbClr val="000000"/>
-                </a:solidFill>
-                <a:effectLst/>
-                <a:latin typeface="Courier New" panose="02070309020205020404" pitchFamily="49" charset="0"/>
-                <a:cs typeface="Courier New" panose="02070309020205020404" pitchFamily="49" charset="0"/>
-              </a:rPr>
-              <a:t>cmake</a:t>
-            </a:r>
-            <a:r>
-              <a:rPr kumimoji="0" lang="en-US" altLang="en-US" sz="1000" b="0" i="0" u="none" strike="noStrike" cap="none" normalizeH="0" baseline="0" dirty="0" smtClean="0">
-                <a:ln>
-                  <a:noFill/>
-                </a:ln>
-                <a:solidFill>
-                  <a:srgbClr val="000000"/>
-                </a:solidFill>
-                <a:effectLst/>
-                <a:latin typeface="Courier New" panose="02070309020205020404" pitchFamily="49" charset="0"/>
-                <a:cs typeface="Courier New" panose="02070309020205020404" pitchFamily="49" charset="0"/>
-              </a:rPr>
-              <a:t> {</a:t>
-            </a:r>
-            <a:br>
-              <a:rPr kumimoji="0" lang="en-US" altLang="en-US" sz="1000" b="0" i="0" u="none" strike="noStrike" cap="none" normalizeH="0" baseline="0" dirty="0" smtClean="0">
-                <a:ln>
-                  <a:noFill/>
-                </a:ln>
-                <a:solidFill>
-                  <a:srgbClr val="000000"/>
-                </a:solidFill>
-                <a:effectLst/>
-                <a:latin typeface="Courier New" panose="02070309020205020404" pitchFamily="49" charset="0"/>
-                <a:cs typeface="Courier New" panose="02070309020205020404" pitchFamily="49" charset="0"/>
-              </a:rPr>
-            </a:br>
-            <a:r>
-              <a:rPr kumimoji="0" lang="en-US" altLang="en-US" sz="1000" b="0" i="0" u="none" strike="noStrike" cap="none" normalizeH="0" baseline="0" dirty="0" smtClean="0">
-                <a:ln>
-                  <a:noFill/>
-                </a:ln>
-                <a:solidFill>
-                  <a:srgbClr val="000000"/>
-                </a:solidFill>
-                <a:effectLst/>
-                <a:latin typeface="Courier New" panose="02070309020205020404" pitchFamily="49" charset="0"/>
-                <a:cs typeface="Courier New" panose="02070309020205020404" pitchFamily="49" charset="0"/>
-              </a:rPr>
-              <a:t>               </a:t>
-            </a:r>
-            <a:r>
-              <a:rPr kumimoji="0" lang="en-US" altLang="en-US" sz="1000" b="0" i="0" u="none" strike="noStrike" cap="none" normalizeH="0" baseline="0" dirty="0" err="1" smtClean="0">
-                <a:ln>
-                  <a:noFill/>
-                </a:ln>
-                <a:solidFill>
-                  <a:srgbClr val="000000"/>
-                </a:solidFill>
-                <a:effectLst/>
-                <a:latin typeface="Courier New" panose="02070309020205020404" pitchFamily="49" charset="0"/>
-                <a:cs typeface="Courier New" panose="02070309020205020404" pitchFamily="49" charset="0"/>
-              </a:rPr>
-              <a:t>cppFlags</a:t>
-            </a:r>
-            <a:r>
-              <a:rPr kumimoji="0" lang="en-US" altLang="en-US" sz="1000" b="0" i="0" u="none" strike="noStrike" cap="none" normalizeH="0" baseline="0" dirty="0" smtClean="0">
-                <a:ln>
-                  <a:noFill/>
-                </a:ln>
-                <a:solidFill>
-                  <a:srgbClr val="000000"/>
-                </a:solidFill>
-                <a:effectLst/>
-                <a:latin typeface="Courier New" panose="02070309020205020404" pitchFamily="49" charset="0"/>
-                <a:cs typeface="Courier New" panose="02070309020205020404" pitchFamily="49" charset="0"/>
-              </a:rPr>
-              <a:t> </a:t>
-            </a:r>
-            <a:r>
-              <a:rPr kumimoji="0" lang="en-US" altLang="en-US" sz="1000" b="1" i="0" u="none" strike="noStrike" cap="none" normalizeH="0" baseline="0" dirty="0" smtClean="0">
-                <a:ln>
-                  <a:noFill/>
-                </a:ln>
-                <a:solidFill>
-                  <a:srgbClr val="008000"/>
-                </a:solidFill>
-                <a:effectLst/>
-                <a:latin typeface="Courier New" panose="02070309020205020404" pitchFamily="49" charset="0"/>
-                <a:cs typeface="Courier New" panose="02070309020205020404" pitchFamily="49" charset="0"/>
-              </a:rPr>
-              <a:t>"-</a:t>
-            </a:r>
-            <a:r>
-              <a:rPr kumimoji="0" lang="en-US" altLang="en-US" sz="1000" b="1" i="0" u="none" strike="noStrike" cap="none" normalizeH="0" baseline="0" dirty="0" err="1" smtClean="0">
-                <a:ln>
-                  <a:noFill/>
-                </a:ln>
-                <a:solidFill>
-                  <a:srgbClr val="008000"/>
-                </a:solidFill>
-                <a:effectLst/>
-                <a:latin typeface="Courier New" panose="02070309020205020404" pitchFamily="49" charset="0"/>
-                <a:cs typeface="Courier New" panose="02070309020205020404" pitchFamily="49" charset="0"/>
-              </a:rPr>
-              <a:t>std</a:t>
-            </a:r>
-            <a:r>
-              <a:rPr kumimoji="0" lang="en-US" altLang="en-US" sz="1000" b="1" i="0" u="none" strike="noStrike" cap="none" normalizeH="0" baseline="0" dirty="0" smtClean="0">
-                <a:ln>
-                  <a:noFill/>
-                </a:ln>
-                <a:solidFill>
-                  <a:srgbClr val="008000"/>
-                </a:solidFill>
-                <a:effectLst/>
-                <a:latin typeface="Courier New" panose="02070309020205020404" pitchFamily="49" charset="0"/>
-                <a:cs typeface="Courier New" panose="02070309020205020404" pitchFamily="49" charset="0"/>
-              </a:rPr>
-              <a:t>=</a:t>
-            </a:r>
-            <a:r>
-              <a:rPr kumimoji="0" lang="en-US" altLang="en-US" sz="1000" b="1" i="0" u="none" strike="noStrike" cap="none" normalizeH="0" baseline="0" dirty="0" err="1" smtClean="0">
-                <a:ln>
-                  <a:noFill/>
-                </a:ln>
-                <a:solidFill>
-                  <a:srgbClr val="008000"/>
-                </a:solidFill>
-                <a:effectLst/>
-                <a:latin typeface="Courier New" panose="02070309020205020404" pitchFamily="49" charset="0"/>
-                <a:cs typeface="Courier New" panose="02070309020205020404" pitchFamily="49" charset="0"/>
-              </a:rPr>
-              <a:t>c++</a:t>
-            </a:r>
-            <a:r>
-              <a:rPr kumimoji="0" lang="en-US" altLang="en-US" sz="1000" b="1" i="0" u="none" strike="noStrike" cap="none" normalizeH="0" baseline="0" dirty="0" smtClean="0">
-                <a:ln>
-                  <a:noFill/>
-                </a:ln>
-                <a:solidFill>
-                  <a:srgbClr val="008000"/>
-                </a:solidFill>
-                <a:effectLst/>
-                <a:latin typeface="Courier New" panose="02070309020205020404" pitchFamily="49" charset="0"/>
-                <a:cs typeface="Courier New" panose="02070309020205020404" pitchFamily="49" charset="0"/>
-              </a:rPr>
-              <a:t>11 -</a:t>
-            </a:r>
-            <a:r>
-              <a:rPr kumimoji="0" lang="en-US" altLang="en-US" sz="1000" b="1" i="0" u="none" strike="noStrike" cap="none" normalizeH="0" baseline="0" dirty="0" err="1" smtClean="0">
-                <a:ln>
-                  <a:noFill/>
-                </a:ln>
-                <a:solidFill>
-                  <a:srgbClr val="008000"/>
-                </a:solidFill>
-                <a:effectLst/>
-                <a:latin typeface="Courier New" panose="02070309020205020404" pitchFamily="49" charset="0"/>
-                <a:cs typeface="Courier New" panose="02070309020205020404" pitchFamily="49" charset="0"/>
-              </a:rPr>
-              <a:t>frtti</a:t>
-            </a:r>
-            <a:r>
-              <a:rPr kumimoji="0" lang="en-US" altLang="en-US" sz="1000" b="1" i="0" u="none" strike="noStrike" cap="none" normalizeH="0" baseline="0" dirty="0" smtClean="0">
-                <a:ln>
-                  <a:noFill/>
-                </a:ln>
-                <a:solidFill>
-                  <a:srgbClr val="008000"/>
-                </a:solidFill>
-                <a:effectLst/>
-                <a:latin typeface="Courier New" panose="02070309020205020404" pitchFamily="49" charset="0"/>
-                <a:cs typeface="Courier New" panose="02070309020205020404" pitchFamily="49" charset="0"/>
-              </a:rPr>
-              <a:t> -</a:t>
-            </a:r>
-            <a:r>
-              <a:rPr kumimoji="0" lang="en-US" altLang="en-US" sz="1000" b="1" i="0" u="none" strike="noStrike" cap="none" normalizeH="0" baseline="0" dirty="0" err="1" smtClean="0">
-                <a:ln>
-                  <a:noFill/>
-                </a:ln>
-                <a:solidFill>
-                  <a:srgbClr val="008000"/>
-                </a:solidFill>
-                <a:effectLst/>
-                <a:latin typeface="Courier New" panose="02070309020205020404" pitchFamily="49" charset="0"/>
-                <a:cs typeface="Courier New" panose="02070309020205020404" pitchFamily="49" charset="0"/>
-              </a:rPr>
-              <a:t>fexceptions</a:t>
-            </a:r>
-            <a:r>
-              <a:rPr kumimoji="0" lang="en-US" altLang="en-US" sz="1000" b="1" i="0" u="none" strike="noStrike" cap="none" normalizeH="0" baseline="0" dirty="0" smtClean="0">
-                <a:ln>
-                  <a:noFill/>
-                </a:ln>
-                <a:solidFill>
-                  <a:srgbClr val="008000"/>
-                </a:solidFill>
-                <a:effectLst/>
-                <a:latin typeface="Courier New" panose="02070309020205020404" pitchFamily="49" charset="0"/>
-                <a:cs typeface="Courier New" panose="02070309020205020404" pitchFamily="49" charset="0"/>
-              </a:rPr>
-              <a:t> -</a:t>
-            </a:r>
-            <a:r>
-              <a:rPr kumimoji="0" lang="en-US" altLang="en-US" sz="1000" b="1" i="0" u="none" strike="noStrike" cap="none" normalizeH="0" baseline="0" dirty="0" err="1" smtClean="0">
-                <a:ln>
-                  <a:noFill/>
-                </a:ln>
-                <a:solidFill>
-                  <a:srgbClr val="008000"/>
-                </a:solidFill>
-                <a:effectLst/>
-                <a:latin typeface="Courier New" panose="02070309020205020404" pitchFamily="49" charset="0"/>
-                <a:cs typeface="Courier New" panose="02070309020205020404" pitchFamily="49" charset="0"/>
-              </a:rPr>
-              <a:t>ffunction</a:t>
-            </a:r>
-            <a:r>
-              <a:rPr kumimoji="0" lang="en-US" altLang="en-US" sz="1000" b="1" i="0" u="none" strike="noStrike" cap="none" normalizeH="0" baseline="0" dirty="0" smtClean="0">
-                <a:ln>
-                  <a:noFill/>
-                </a:ln>
-                <a:solidFill>
-                  <a:srgbClr val="008000"/>
-                </a:solidFill>
-                <a:effectLst/>
-                <a:latin typeface="Courier New" panose="02070309020205020404" pitchFamily="49" charset="0"/>
-                <a:cs typeface="Courier New" panose="02070309020205020404" pitchFamily="49" charset="0"/>
-              </a:rPr>
-              <a:t>-sections -</a:t>
-            </a:r>
-            <a:r>
-              <a:rPr kumimoji="0" lang="en-US" altLang="en-US" sz="1000" b="1" i="0" u="none" strike="noStrike" cap="none" normalizeH="0" baseline="0" dirty="0" err="1" smtClean="0">
-                <a:ln>
-                  <a:noFill/>
-                </a:ln>
-                <a:solidFill>
-                  <a:srgbClr val="008000"/>
-                </a:solidFill>
-                <a:effectLst/>
-                <a:latin typeface="Courier New" panose="02070309020205020404" pitchFamily="49" charset="0"/>
-                <a:cs typeface="Courier New" panose="02070309020205020404" pitchFamily="49" charset="0"/>
-              </a:rPr>
-              <a:t>fdata</a:t>
-            </a:r>
-            <a:r>
-              <a:rPr kumimoji="0" lang="en-US" altLang="en-US" sz="1000" b="1" i="0" u="none" strike="noStrike" cap="none" normalizeH="0" baseline="0" dirty="0" smtClean="0">
-                <a:ln>
-                  <a:noFill/>
-                </a:ln>
-                <a:solidFill>
-                  <a:srgbClr val="008000"/>
-                </a:solidFill>
-                <a:effectLst/>
-                <a:latin typeface="Courier New" panose="02070309020205020404" pitchFamily="49" charset="0"/>
-                <a:cs typeface="Courier New" panose="02070309020205020404" pitchFamily="49" charset="0"/>
-              </a:rPr>
-              <a:t>-sections -</a:t>
-            </a:r>
-            <a:r>
-              <a:rPr kumimoji="0" lang="en-US" altLang="en-US" sz="1000" b="1" i="0" u="none" strike="noStrike" cap="none" normalizeH="0" baseline="0" dirty="0" err="1" smtClean="0">
-                <a:ln>
-                  <a:noFill/>
-                </a:ln>
-                <a:solidFill>
-                  <a:srgbClr val="008000"/>
-                </a:solidFill>
-                <a:effectLst/>
-                <a:latin typeface="Courier New" panose="02070309020205020404" pitchFamily="49" charset="0"/>
-                <a:cs typeface="Courier New" panose="02070309020205020404" pitchFamily="49" charset="0"/>
-              </a:rPr>
-              <a:t>fvisibility</a:t>
-            </a:r>
-            <a:r>
-              <a:rPr kumimoji="0" lang="en-US" altLang="en-US" sz="1000" b="1" i="0" u="none" strike="noStrike" cap="none" normalizeH="0" baseline="0" dirty="0" smtClean="0">
-                <a:ln>
-                  <a:noFill/>
-                </a:ln>
-                <a:solidFill>
-                  <a:srgbClr val="008000"/>
-                </a:solidFill>
-                <a:effectLst/>
-                <a:latin typeface="Courier New" panose="02070309020205020404" pitchFamily="49" charset="0"/>
-                <a:cs typeface="Courier New" panose="02070309020205020404" pitchFamily="49" charset="0"/>
-              </a:rPr>
-              <a:t>=hidden"</a:t>
-            </a:r>
-            <a:br>
-              <a:rPr kumimoji="0" lang="en-US" altLang="en-US" sz="1000" b="1" i="0" u="none" strike="noStrike" cap="none" normalizeH="0" baseline="0" dirty="0" smtClean="0">
-                <a:ln>
-                  <a:noFill/>
-                </a:ln>
-                <a:solidFill>
-                  <a:srgbClr val="008000"/>
-                </a:solidFill>
-                <a:effectLst/>
-                <a:latin typeface="Courier New" panose="02070309020205020404" pitchFamily="49" charset="0"/>
-                <a:cs typeface="Courier New" panose="02070309020205020404" pitchFamily="49" charset="0"/>
-              </a:rPr>
-            </a:br>
-            <a:r>
-              <a:rPr kumimoji="0" lang="en-US" altLang="en-US" sz="1000" b="1" i="0" u="none" strike="noStrike" cap="none" normalizeH="0" baseline="0" dirty="0" smtClean="0">
-                <a:ln>
-                  <a:noFill/>
-                </a:ln>
-                <a:solidFill>
-                  <a:srgbClr val="008000"/>
-                </a:solidFill>
-                <a:effectLst/>
-                <a:latin typeface="Courier New" panose="02070309020205020404" pitchFamily="49" charset="0"/>
-                <a:cs typeface="Courier New" panose="02070309020205020404" pitchFamily="49" charset="0"/>
-              </a:rPr>
-              <a:t>            </a:t>
-            </a:r>
-            <a:r>
-              <a:rPr kumimoji="0" lang="en-US" altLang="en-US" sz="1000" b="0" i="0" u="none" strike="noStrike" cap="none" normalizeH="0" baseline="0" dirty="0" smtClean="0">
-                <a:ln>
-                  <a:noFill/>
-                </a:ln>
-                <a:solidFill>
-                  <a:srgbClr val="000000"/>
-                </a:solidFill>
-                <a:effectLst/>
-                <a:latin typeface="Courier New" panose="02070309020205020404" pitchFamily="49" charset="0"/>
-                <a:cs typeface="Courier New" panose="02070309020205020404" pitchFamily="49" charset="0"/>
-              </a:rPr>
-              <a:t>}</a:t>
-            </a:r>
-            <a:br>
-              <a:rPr kumimoji="0" lang="en-US" altLang="en-US" sz="1000" b="0" i="0" u="none" strike="noStrike" cap="none" normalizeH="0" baseline="0" dirty="0" smtClean="0">
-                <a:ln>
-                  <a:noFill/>
-                </a:ln>
-                <a:solidFill>
-                  <a:srgbClr val="000000"/>
-                </a:solidFill>
-                <a:effectLst/>
-                <a:latin typeface="Courier New" panose="02070309020205020404" pitchFamily="49" charset="0"/>
-                <a:cs typeface="Courier New" panose="02070309020205020404" pitchFamily="49" charset="0"/>
-              </a:rPr>
-            </a:br>
-            <a:r>
-              <a:rPr kumimoji="0" lang="en-US" altLang="en-US" sz="1000" b="0" i="0" u="none" strike="noStrike" cap="none" normalizeH="0" baseline="0" dirty="0" smtClean="0">
-                <a:ln>
-                  <a:noFill/>
-                </a:ln>
-                <a:solidFill>
-                  <a:srgbClr val="000000"/>
-                </a:solidFill>
-                <a:effectLst/>
-                <a:latin typeface="Courier New" panose="02070309020205020404" pitchFamily="49" charset="0"/>
-                <a:cs typeface="Courier New" panose="02070309020205020404" pitchFamily="49" charset="0"/>
-              </a:rPr>
-              <a:t>        }</a:t>
-            </a:r>
-            <a:br>
-              <a:rPr kumimoji="0" lang="en-US" altLang="en-US" sz="1000" b="0" i="0" u="none" strike="noStrike" cap="none" normalizeH="0" baseline="0" dirty="0" smtClean="0">
-                <a:ln>
-                  <a:noFill/>
-                </a:ln>
-                <a:solidFill>
-                  <a:srgbClr val="000000"/>
-                </a:solidFill>
-                <a:effectLst/>
-                <a:latin typeface="Courier New" panose="02070309020205020404" pitchFamily="49" charset="0"/>
-                <a:cs typeface="Courier New" panose="02070309020205020404" pitchFamily="49" charset="0"/>
-              </a:rPr>
-            </a:br>
-            <a:r>
-              <a:rPr kumimoji="0" lang="en-US" altLang="en-US" sz="1000" b="0" i="0" u="none" strike="noStrike" cap="none" normalizeH="0" baseline="0" dirty="0" smtClean="0">
-                <a:ln>
-                  <a:noFill/>
-                </a:ln>
-                <a:solidFill>
-                  <a:srgbClr val="000000"/>
-                </a:solidFill>
-                <a:effectLst/>
-                <a:latin typeface="Courier New" panose="02070309020205020404" pitchFamily="49" charset="0"/>
-                <a:cs typeface="Courier New" panose="02070309020205020404" pitchFamily="49" charset="0"/>
-              </a:rPr>
-              <a:t>    }</a:t>
-            </a:r>
-            <a:endParaRPr kumimoji="0" lang="en-US" altLang="en-US" sz="1800" b="0" i="0" u="none" strike="noStrike" cap="none" normalizeH="0" baseline="0" dirty="0" smtClean="0">
-              <a:ln>
-                <a:noFill/>
-              </a:ln>
-              <a:solidFill>
-                <a:schemeClr val="tx1"/>
-              </a:solidFill>
-              <a:effectLst/>
-              <a:latin typeface="Arial" panose="020B0604020202020204" pitchFamily="34" charset="0"/>
-            </a:endParaRPr>
+          <a:p>
+            <a:endParaRPr lang="en-US" dirty="0"/>
           </a:p>
         </p:txBody>
       </p:sp>
     </p:spTree>
     <p:extLst>
       <p:ext uri="{BB962C8B-B14F-4D97-AF65-F5344CB8AC3E}">
-        <p14:creationId xmlns:p14="http://schemas.microsoft.com/office/powerpoint/2010/main" val="670405104"/>
+        <p14:creationId xmlns:p14="http://schemas.microsoft.com/office/powerpoint/2010/main" val="2251233045"/>
       </p:ext>
     </p:extLst>
   </p:cSld>
